--- a/PPTs/Aza - Dua Kumayl.pptx
+++ b/PPTs/Aza - Dua Kumayl.pptx
@@ -9,7 +9,7 @@
   </p:notesMasterIdLst>
   <p:sldIdLst>
     <p:sldId id="262" r:id="rId2"/>
-    <p:sldId id="5441" r:id="rId3"/>
+    <p:sldId id="5462" r:id="rId3"/>
     <p:sldId id="5042" r:id="rId4"/>
     <p:sldId id="5442" r:id="rId5"/>
     <p:sldId id="5444" r:id="rId6"/>
@@ -26,10 +26,10 @@
     <p:sldId id="5458" r:id="rId17"/>
     <p:sldId id="5459" r:id="rId18"/>
     <p:sldId id="5460" r:id="rId19"/>
-    <p:sldId id="5462" r:id="rId20"/>
-    <p:sldId id="5463" r:id="rId21"/>
-    <p:sldId id="5464" r:id="rId22"/>
-    <p:sldId id="5465" r:id="rId23"/>
+    <p:sldId id="5463" r:id="rId20"/>
+    <p:sldId id="5464" r:id="rId21"/>
+    <p:sldId id="5465" r:id="rId22"/>
+    <p:sldId id="5466" r:id="rId23"/>
     <p:sldId id="5467" r:id="rId24"/>
     <p:sldId id="5468" r:id="rId25"/>
     <p:sldId id="5469" r:id="rId26"/>
@@ -460,7 +460,7 @@
           <a:p>
             <a:fld id="{F192BFF6-EB1E-4216-AE1F-8531F2060E7A}" type="datetimeFigureOut">
               <a:rPr lang="en-CA" smtClean="0"/>
-              <a:t>2024-03-15</a:t>
+              <a:t>2024-07-04</a:t>
             </a:fld>
             <a:endParaRPr lang="en-CA"/>
           </a:p>
@@ -858,13 +858,13 @@
   <p:clrMapOvr>
     <a:masterClrMapping/>
   </p:clrMapOvr>
-  <mc:AlternateContent xmlns:mc="http://schemas.openxmlformats.org/markup-compatibility/2006" xmlns:p14="http://schemas.microsoft.com/office/powerpoint/2010/main">
-    <mc:Choice Requires="p14">
+  <mc:AlternateContent xmlns:mc="http://schemas.openxmlformats.org/markup-compatibility/2006">
+    <mc:Choice xmlns:p14="http://schemas.microsoft.com/office/powerpoint/2010/main" Requires="p14">
       <p:transition p14:dur="300">
         <p:fade/>
       </p:transition>
     </mc:Choice>
-    <mc:Fallback xmlns="">
+    <mc:Fallback>
       <p:transition>
         <p:fade/>
       </p:transition>
@@ -965,13 +965,13 @@
   <p:clrMapOvr>
     <a:masterClrMapping/>
   </p:clrMapOvr>
-  <mc:AlternateContent xmlns:mc="http://schemas.openxmlformats.org/markup-compatibility/2006" xmlns:p14="http://schemas.microsoft.com/office/powerpoint/2010/main">
-    <mc:Choice Requires="p14">
+  <mc:AlternateContent xmlns:mc="http://schemas.openxmlformats.org/markup-compatibility/2006">
+    <mc:Choice xmlns:p14="http://schemas.microsoft.com/office/powerpoint/2010/main" Requires="p14">
       <p:transition p14:dur="300">
         <p:fade/>
       </p:transition>
     </mc:Choice>
-    <mc:Fallback xmlns="">
+    <mc:Fallback>
       <p:transition>
         <p:fade/>
       </p:transition>
@@ -1143,13 +1143,13 @@
   <p:clrMapOvr>
     <a:masterClrMapping/>
   </p:clrMapOvr>
-  <mc:AlternateContent xmlns:mc="http://schemas.openxmlformats.org/markup-compatibility/2006" xmlns:p14="http://schemas.microsoft.com/office/powerpoint/2010/main">
-    <mc:Choice Requires="p14">
+  <mc:AlternateContent xmlns:mc="http://schemas.openxmlformats.org/markup-compatibility/2006">
+    <mc:Choice xmlns:p14="http://schemas.microsoft.com/office/powerpoint/2010/main" Requires="p14">
       <p:transition p14:dur="300">
         <p:fade/>
       </p:transition>
     </mc:Choice>
-    <mc:Fallback xmlns="">
+    <mc:Fallback>
       <p:transition>
         <p:fade/>
       </p:transition>
@@ -1404,13 +1404,13 @@
     <p:sldLayoutId id="2147483689" r:id="rId2"/>
     <p:sldLayoutId id="2147483690" r:id="rId3"/>
   </p:sldLayoutIdLst>
-  <mc:AlternateContent xmlns:mc="http://schemas.openxmlformats.org/markup-compatibility/2006" xmlns:p14="http://schemas.microsoft.com/office/powerpoint/2010/main">
-    <mc:Choice Requires="p14">
+  <mc:AlternateContent xmlns:mc="http://schemas.openxmlformats.org/markup-compatibility/2006">
+    <mc:Choice xmlns:p14="http://schemas.microsoft.com/office/powerpoint/2010/main" Requires="p14">
       <p:transition p14:dur="300">
         <p:fade/>
       </p:transition>
     </mc:Choice>
-    <mc:Fallback xmlns="">
+    <mc:Fallback>
       <p:transition>
         <p:fade/>
       </p:transition>
@@ -2384,13 +2384,13 @@
   <p:clrMapOvr>
     <a:masterClrMapping/>
   </p:clrMapOvr>
-  <mc:AlternateContent xmlns:mc="http://schemas.openxmlformats.org/markup-compatibility/2006" xmlns:p14="http://schemas.microsoft.com/office/powerpoint/2010/main">
-    <mc:Choice Requires="p14">
+  <mc:AlternateContent xmlns:mc="http://schemas.openxmlformats.org/markup-compatibility/2006">
+    <mc:Choice xmlns:p14="http://schemas.microsoft.com/office/powerpoint/2010/main" Requires="p14">
       <p:transition p14:dur="300">
         <p:fade/>
       </p:transition>
     </mc:Choice>
-    <mc:Fallback xmlns="">
+    <mc:Fallback>
       <p:transition>
         <p:fade/>
       </p:transition>
@@ -2505,12 +2505,16 @@
   <p:clrMapOvr>
     <a:masterClrMapping/>
   </p:clrMapOvr>
-  <mc:AlternateContent xmlns:mc="http://schemas.openxmlformats.org/markup-compatibility/2006" xmlns:p14="http://schemas.microsoft.com/office/powerpoint/2010/main">
-    <mc:Choice Requires="p14">
-      <p:transition p14:dur="0"/>
+  <mc:AlternateContent xmlns:mc="http://schemas.openxmlformats.org/markup-compatibility/2006">
+    <mc:Choice xmlns:p14="http://schemas.microsoft.com/office/powerpoint/2010/main" Requires="p14">
+      <p:transition p14:dur="300">
+        <p:fade/>
+      </p:transition>
     </mc:Choice>
-    <mc:Fallback xmlns="">
-      <p:transition/>
+    <mc:Fallback>
+      <p:transition>
+        <p:fade/>
+      </p:transition>
     </mc:Fallback>
   </mc:AlternateContent>
 </p:sld>
@@ -2561,7 +2565,15 @@
           <a:p>
             <a:r>
               <a:rPr lang="ar-SA" dirty="0"/>
-              <a:t>وَلَيتَ شِعْرِي </a:t>
+              <a:t>وَلَي</a:t>
+            </a:r>
+            <a:r>
+              <a:rPr lang="ar-IQ" dirty="0"/>
+              <a:t>ْ</a:t>
+            </a:r>
+            <a:r>
+              <a:rPr lang="ar-SA" dirty="0"/>
+              <a:t>تَ شِعْرِي </a:t>
             </a:r>
             <a:r>
               <a:rPr lang="ar-SA" dirty="0" err="1"/>
@@ -2625,12 +2637,16 @@
   <p:clrMapOvr>
     <a:masterClrMapping/>
   </p:clrMapOvr>
-  <mc:AlternateContent xmlns:mc="http://schemas.openxmlformats.org/markup-compatibility/2006" xmlns:p14="http://schemas.microsoft.com/office/powerpoint/2010/main">
-    <mc:Choice Requires="p14">
-      <p:transition p14:dur="0"/>
+  <mc:AlternateContent xmlns:mc="http://schemas.openxmlformats.org/markup-compatibility/2006">
+    <mc:Choice xmlns:p14="http://schemas.microsoft.com/office/powerpoint/2010/main" Requires="p14">
+      <p:transition p14:dur="300">
+        <p:fade/>
+      </p:transition>
     </mc:Choice>
-    <mc:Fallback xmlns="">
-      <p:transition/>
+    <mc:Fallback>
+      <p:transition>
+        <p:fade/>
+      </p:transition>
     </mc:Fallback>
   </mc:AlternateContent>
 </p:sld>
@@ -2737,12 +2753,16 @@
   <p:clrMapOvr>
     <a:masterClrMapping/>
   </p:clrMapOvr>
-  <mc:AlternateContent xmlns:mc="http://schemas.openxmlformats.org/markup-compatibility/2006" xmlns:p14="http://schemas.microsoft.com/office/powerpoint/2010/main">
-    <mc:Choice Requires="p14">
-      <p:transition p14:dur="0"/>
+  <mc:AlternateContent xmlns:mc="http://schemas.openxmlformats.org/markup-compatibility/2006">
+    <mc:Choice xmlns:p14="http://schemas.microsoft.com/office/powerpoint/2010/main" Requires="p14">
+      <p:transition p14:dur="300">
+        <p:fade/>
+      </p:transition>
     </mc:Choice>
-    <mc:Fallback xmlns="">
-      <p:transition/>
+    <mc:Fallback>
+      <p:transition>
+        <p:fade/>
+      </p:transition>
     </mc:Fallback>
   </mc:AlternateContent>
 </p:sld>
@@ -2801,11 +2821,15 @@
             </a:r>
             <a:r>
               <a:rPr lang="ar-SA" dirty="0" err="1"/>
-              <a:t>بِتَوحِیدِكَ</a:t>
-            </a:r>
-            <a:r>
-              <a:rPr lang="ar-SA" dirty="0"/>
-              <a:t> صَادِقَةً</a:t>
+              <a:t>بِتَوحِی</a:t>
+            </a:r>
+            <a:r>
+              <a:rPr lang="ar-IQ" dirty="0"/>
+              <a:t>ْ</a:t>
+            </a:r>
+            <a:r>
+              <a:rPr lang="ar-SA" dirty="0"/>
+              <a:t>دِكَ صَادِقَةً</a:t>
             </a:r>
             <a:br>
               <a:rPr lang="ar-SA" dirty="0"/>
@@ -2860,12 +2884,16 @@
   <p:clrMapOvr>
     <a:masterClrMapping/>
   </p:clrMapOvr>
-  <mc:AlternateContent xmlns:mc="http://schemas.openxmlformats.org/markup-compatibility/2006" xmlns:p14="http://schemas.microsoft.com/office/powerpoint/2010/main">
-    <mc:Choice Requires="p14">
-      <p:transition p14:dur="0"/>
+  <mc:AlternateContent xmlns:mc="http://schemas.openxmlformats.org/markup-compatibility/2006">
+    <mc:Choice xmlns:p14="http://schemas.microsoft.com/office/powerpoint/2010/main" Requires="p14">
+      <p:transition p14:dur="300">
+        <p:fade/>
+      </p:transition>
     </mc:Choice>
-    <mc:Fallback xmlns="">
-      <p:transition/>
+    <mc:Fallback>
+      <p:transition>
+        <p:fade/>
+      </p:transition>
     </mc:Fallback>
   </mc:AlternateContent>
 </p:sld>
@@ -2984,12 +3012,16 @@
   <p:clrMapOvr>
     <a:masterClrMapping/>
   </p:clrMapOvr>
-  <mc:AlternateContent xmlns:mc="http://schemas.openxmlformats.org/markup-compatibility/2006" xmlns:p14="http://schemas.microsoft.com/office/powerpoint/2010/main">
-    <mc:Choice Requires="p14">
-      <p:transition p14:dur="0"/>
+  <mc:AlternateContent xmlns:mc="http://schemas.openxmlformats.org/markup-compatibility/2006">
+    <mc:Choice xmlns:p14="http://schemas.microsoft.com/office/powerpoint/2010/main" Requires="p14">
+      <p:transition p14:dur="300">
+        <p:fade/>
+      </p:transition>
     </mc:Choice>
-    <mc:Fallback xmlns="">
-      <p:transition/>
+    <mc:Fallback>
+      <p:transition>
+        <p:fade/>
+      </p:transition>
     </mc:Fallback>
   </mc:AlternateContent>
 </p:sld>
@@ -3103,12 +3135,16 @@
   <p:clrMapOvr>
     <a:masterClrMapping/>
   </p:clrMapOvr>
-  <mc:AlternateContent xmlns:mc="http://schemas.openxmlformats.org/markup-compatibility/2006" xmlns:p14="http://schemas.microsoft.com/office/powerpoint/2010/main">
-    <mc:Choice Requires="p14">
-      <p:transition p14:dur="0"/>
+  <mc:AlternateContent xmlns:mc="http://schemas.openxmlformats.org/markup-compatibility/2006">
+    <mc:Choice xmlns:p14="http://schemas.microsoft.com/office/powerpoint/2010/main" Requires="p14">
+      <p:transition p14:dur="300">
+        <p:fade/>
+      </p:transition>
     </mc:Choice>
-    <mc:Fallback xmlns="">
-      <p:transition/>
+    <mc:Fallback>
+      <p:transition>
+        <p:fade/>
+      </p:transition>
     </mc:Fallback>
   </mc:AlternateContent>
 </p:sld>
@@ -3226,12 +3262,16 @@
   <p:clrMapOvr>
     <a:masterClrMapping/>
   </p:clrMapOvr>
-  <mc:AlternateContent xmlns:mc="http://schemas.openxmlformats.org/markup-compatibility/2006" xmlns:p14="http://schemas.microsoft.com/office/powerpoint/2010/main">
-    <mc:Choice Requires="p14">
-      <p:transition p14:dur="0"/>
+  <mc:AlternateContent xmlns:mc="http://schemas.openxmlformats.org/markup-compatibility/2006">
+    <mc:Choice xmlns:p14="http://schemas.microsoft.com/office/powerpoint/2010/main" Requires="p14">
+      <p:transition p14:dur="300">
+        <p:fade/>
+      </p:transition>
     </mc:Choice>
-    <mc:Fallback xmlns="">
-      <p:transition/>
+    <mc:Fallback>
+      <p:transition>
+        <p:fade/>
+      </p:transition>
     </mc:Fallback>
   </mc:AlternateContent>
 </p:sld>
@@ -3330,12 +3370,16 @@
   <p:clrMapOvr>
     <a:masterClrMapping/>
   </p:clrMapOvr>
-  <mc:AlternateContent xmlns:mc="http://schemas.openxmlformats.org/markup-compatibility/2006" xmlns:p14="http://schemas.microsoft.com/office/powerpoint/2010/main">
-    <mc:Choice Requires="p14">
-      <p:transition p14:dur="0"/>
+  <mc:AlternateContent xmlns:mc="http://schemas.openxmlformats.org/markup-compatibility/2006">
+    <mc:Choice xmlns:p14="http://schemas.microsoft.com/office/powerpoint/2010/main" Requires="p14">
+      <p:transition p14:dur="300">
+        <p:fade/>
+      </p:transition>
     </mc:Choice>
-    <mc:Fallback xmlns="">
-      <p:transition/>
+    <mc:Fallback>
+      <p:transition>
+        <p:fade/>
+      </p:transition>
     </mc:Fallback>
   </mc:AlternateContent>
 </p:sld>
@@ -3454,12 +3498,16 @@
   <p:clrMapOvr>
     <a:masterClrMapping/>
   </p:clrMapOvr>
-  <mc:AlternateContent xmlns:mc="http://schemas.openxmlformats.org/markup-compatibility/2006" xmlns:p14="http://schemas.microsoft.com/office/powerpoint/2010/main">
-    <mc:Choice Requires="p14">
-      <p:transition p14:dur="0"/>
+  <mc:AlternateContent xmlns:mc="http://schemas.openxmlformats.org/markup-compatibility/2006">
+    <mc:Choice xmlns:p14="http://schemas.microsoft.com/office/powerpoint/2010/main" Requires="p14">
+      <p:transition p14:dur="300">
+        <p:fade/>
+      </p:transition>
     </mc:Choice>
-    <mc:Fallback xmlns="">
-      <p:transition/>
+    <mc:Fallback>
+      <p:transition>
+        <p:fade/>
+      </p:transition>
     </mc:Fallback>
   </mc:AlternateContent>
 </p:sld>
@@ -3508,7 +3556,6 @@
           <a:bodyPr/>
           <a:lstStyle/>
           <a:p>
-            <a:pPr rtl="1"/>
             <a:r>
               <a:rPr lang="ar-SA" dirty="0"/>
               <a:t>وَأَنْتَ تَعْلَمُ </a:t>
@@ -3567,7 +3614,7 @@
           <a:p>
             <a:r>
               <a:rPr lang="en-US" dirty="0"/>
-              <a:t>And You knowest my weakness before a little of this world's tribulations and punishments,</a:t>
+              <a:t>And You know my weakness before a little of this world's tribulations and punishments,</a:t>
             </a:r>
           </a:p>
         </p:txBody>
@@ -3582,12 +3629,16 @@
   <p:clrMapOvr>
     <a:masterClrMapping/>
   </p:clrMapOvr>
-  <mc:AlternateContent xmlns:mc="http://schemas.openxmlformats.org/markup-compatibility/2006" xmlns:p14="http://schemas.microsoft.com/office/powerpoint/2010/main">
-    <mc:Choice Requires="p14">
-      <p:transition p14:dur="0"/>
+  <mc:AlternateContent xmlns:mc="http://schemas.openxmlformats.org/markup-compatibility/2006">
+    <mc:Choice xmlns:p14="http://schemas.microsoft.com/office/powerpoint/2010/main" Requires="p14">
+      <p:transition p14:dur="300">
+        <p:fade/>
+      </p:transition>
     </mc:Choice>
-    <mc:Fallback xmlns="">
-      <p:transition/>
+    <mc:Fallback>
+      <p:transition>
+        <p:fade/>
+      </p:transition>
     </mc:Fallback>
   </mc:AlternateContent>
 </p:sld>
@@ -3710,12 +3761,16 @@
   <p:clrMapOvr>
     <a:masterClrMapping/>
   </p:clrMapOvr>
-  <mc:AlternateContent xmlns:mc="http://schemas.openxmlformats.org/markup-compatibility/2006" xmlns:p14="http://schemas.microsoft.com/office/powerpoint/2010/main">
-    <mc:Choice Requires="p14">
-      <p:transition p14:dur="0"/>
+  <mc:AlternateContent xmlns:mc="http://schemas.openxmlformats.org/markup-compatibility/2006">
+    <mc:Choice xmlns:p14="http://schemas.microsoft.com/office/powerpoint/2010/main" Requires="p14">
+      <p:transition p14:dur="300">
+        <p:fade/>
+      </p:transition>
     </mc:Choice>
-    <mc:Fallback xmlns="">
-      <p:transition/>
+    <mc:Fallback>
+      <p:transition>
+        <p:fade/>
+      </p:transition>
     </mc:Fallback>
   </mc:AlternateContent>
 </p:sld>
@@ -3819,12 +3874,16 @@
   <p:clrMapOvr>
     <a:masterClrMapping/>
   </p:clrMapOvr>
-  <mc:AlternateContent xmlns:mc="http://schemas.openxmlformats.org/markup-compatibility/2006" xmlns:p14="http://schemas.microsoft.com/office/powerpoint/2010/main">
-    <mc:Choice Requires="p14">
-      <p:transition p14:dur="0"/>
+  <mc:AlternateContent xmlns:mc="http://schemas.openxmlformats.org/markup-compatibility/2006">
+    <mc:Choice xmlns:p14="http://schemas.microsoft.com/office/powerpoint/2010/main" Requires="p14">
+      <p:transition p14:dur="300">
+        <p:fade/>
+      </p:transition>
     </mc:Choice>
-    <mc:Fallback xmlns="">
-      <p:transition/>
+    <mc:Fallback>
+      <p:transition>
+        <p:fade/>
+      </p:transition>
     </mc:Fallback>
   </mc:AlternateContent>
 </p:sld>
@@ -3950,12 +4009,16 @@
   <p:clrMapOvr>
     <a:masterClrMapping/>
   </p:clrMapOvr>
-  <mc:AlternateContent xmlns:mc="http://schemas.openxmlformats.org/markup-compatibility/2006" xmlns:p14="http://schemas.microsoft.com/office/powerpoint/2010/main">
-    <mc:Choice Requires="p14">
-      <p:transition p14:dur="0"/>
+  <mc:AlternateContent xmlns:mc="http://schemas.openxmlformats.org/markup-compatibility/2006">
+    <mc:Choice xmlns:p14="http://schemas.microsoft.com/office/powerpoint/2010/main" Requires="p14">
+      <p:transition p14:dur="300">
+        <p:fade/>
+      </p:transition>
     </mc:Choice>
-    <mc:Fallback xmlns="">
-      <p:transition/>
+    <mc:Fallback>
+      <p:transition>
+        <p:fade/>
+      </p:transition>
     </mc:Fallback>
   </mc:AlternateContent>
 </p:sld>
@@ -4070,12 +4133,16 @@
   <p:clrMapOvr>
     <a:masterClrMapping/>
   </p:clrMapOvr>
-  <mc:AlternateContent xmlns:mc="http://schemas.openxmlformats.org/markup-compatibility/2006" xmlns:p14="http://schemas.microsoft.com/office/powerpoint/2010/main">
-    <mc:Choice Requires="p14">
-      <p:transition p14:dur="0"/>
+  <mc:AlternateContent xmlns:mc="http://schemas.openxmlformats.org/markup-compatibility/2006">
+    <mc:Choice xmlns:p14="http://schemas.microsoft.com/office/powerpoint/2010/main" Requires="p14">
+      <p:transition p14:dur="300">
+        <p:fade/>
+      </p:transition>
     </mc:Choice>
-    <mc:Fallback xmlns="">
-      <p:transition/>
+    <mc:Fallback>
+      <p:transition>
+        <p:fade/>
+      </p:transition>
     </mc:Fallback>
   </mc:AlternateContent>
 </p:sld>
@@ -4193,12 +4260,16 @@
   <p:clrMapOvr>
     <a:masterClrMapping/>
   </p:clrMapOvr>
-  <mc:AlternateContent xmlns:mc="http://schemas.openxmlformats.org/markup-compatibility/2006" xmlns:p14="http://schemas.microsoft.com/office/powerpoint/2010/main">
-    <mc:Choice Requires="p14">
-      <p:transition p14:dur="0"/>
+  <mc:AlternateContent xmlns:mc="http://schemas.openxmlformats.org/markup-compatibility/2006">
+    <mc:Choice xmlns:p14="http://schemas.microsoft.com/office/powerpoint/2010/main" Requires="p14">
+      <p:transition p14:dur="300">
+        <p:fade/>
+      </p:transition>
     </mc:Choice>
-    <mc:Fallback xmlns="">
-      <p:transition/>
+    <mc:Fallback>
+      <p:transition>
+        <p:fade/>
+      </p:transition>
     </mc:Fallback>
   </mc:AlternateContent>
 </p:sld>
@@ -4313,12 +4384,16 @@
   <p:clrMapOvr>
     <a:masterClrMapping/>
   </p:clrMapOvr>
-  <mc:AlternateContent xmlns:mc="http://schemas.openxmlformats.org/markup-compatibility/2006" xmlns:p14="http://schemas.microsoft.com/office/powerpoint/2010/main">
-    <mc:Choice Requires="p14">
-      <p:transition p14:dur="0"/>
+  <mc:AlternateContent xmlns:mc="http://schemas.openxmlformats.org/markup-compatibility/2006">
+    <mc:Choice xmlns:p14="http://schemas.microsoft.com/office/powerpoint/2010/main" Requires="p14">
+      <p:transition p14:dur="300">
+        <p:fade/>
+      </p:transition>
     </mc:Choice>
-    <mc:Fallback xmlns="">
-      <p:transition/>
+    <mc:Fallback>
+      <p:transition>
+        <p:fade/>
+      </p:transition>
     </mc:Fallback>
   </mc:AlternateContent>
 </p:sld>
@@ -4417,12 +4492,16 @@
   <p:clrMapOvr>
     <a:masterClrMapping/>
   </p:clrMapOvr>
-  <mc:AlternateContent xmlns:mc="http://schemas.openxmlformats.org/markup-compatibility/2006" xmlns:p14="http://schemas.microsoft.com/office/powerpoint/2010/main">
-    <mc:Choice Requires="p14">
-      <p:transition p14:dur="0"/>
+  <mc:AlternateContent xmlns:mc="http://schemas.openxmlformats.org/markup-compatibility/2006">
+    <mc:Choice xmlns:p14="http://schemas.microsoft.com/office/powerpoint/2010/main" Requires="p14">
+      <p:transition p14:dur="300">
+        <p:fade/>
+      </p:transition>
     </mc:Choice>
-    <mc:Fallback xmlns="">
-      <p:transition/>
+    <mc:Fallback>
+      <p:transition>
+        <p:fade/>
+      </p:transition>
     </mc:Fallback>
   </mc:AlternateContent>
 </p:sld>
@@ -4541,12 +4620,16 @@
   <p:clrMapOvr>
     <a:masterClrMapping/>
   </p:clrMapOvr>
-  <mc:AlternateContent xmlns:mc="http://schemas.openxmlformats.org/markup-compatibility/2006" xmlns:p14="http://schemas.microsoft.com/office/powerpoint/2010/main">
-    <mc:Choice Requires="p14">
-      <p:transition p14:dur="0"/>
+  <mc:AlternateContent xmlns:mc="http://schemas.openxmlformats.org/markup-compatibility/2006">
+    <mc:Choice xmlns:p14="http://schemas.microsoft.com/office/powerpoint/2010/main" Requires="p14">
+      <p:transition p14:dur="300">
+        <p:fade/>
+      </p:transition>
     </mc:Choice>
-    <mc:Fallback xmlns="">
-      <p:transition/>
+    <mc:Fallback>
+      <p:transition>
+        <p:fade/>
+      </p:transition>
     </mc:Fallback>
   </mc:AlternateContent>
 </p:sld>
@@ -4677,12 +4760,16 @@
   <p:clrMapOvr>
     <a:masterClrMapping/>
   </p:clrMapOvr>
-  <mc:AlternateContent xmlns:mc="http://schemas.openxmlformats.org/markup-compatibility/2006" xmlns:p14="http://schemas.microsoft.com/office/powerpoint/2010/main">
-    <mc:Choice Requires="p14">
-      <p:transition p14:dur="0"/>
+  <mc:AlternateContent xmlns:mc="http://schemas.openxmlformats.org/markup-compatibility/2006">
+    <mc:Choice xmlns:p14="http://schemas.microsoft.com/office/powerpoint/2010/main" Requires="p14">
+      <p:transition p14:dur="300">
+        <p:fade/>
+      </p:transition>
     </mc:Choice>
-    <mc:Fallback xmlns="">
-      <p:transition/>
+    <mc:Fallback>
+      <p:transition>
+        <p:fade/>
+      </p:transition>
     </mc:Fallback>
   </mc:AlternateContent>
 </p:sld>
@@ -4793,12 +4880,16 @@
   <p:clrMapOvr>
     <a:masterClrMapping/>
   </p:clrMapOvr>
-  <mc:AlternateContent xmlns:mc="http://schemas.openxmlformats.org/markup-compatibility/2006" xmlns:p14="http://schemas.microsoft.com/office/powerpoint/2010/main">
-    <mc:Choice Requires="p14">
-      <p:transition p14:dur="0"/>
+  <mc:AlternateContent xmlns:mc="http://schemas.openxmlformats.org/markup-compatibility/2006">
+    <mc:Choice xmlns:p14="http://schemas.microsoft.com/office/powerpoint/2010/main" Requires="p14">
+      <p:transition p14:dur="300">
+        <p:fade/>
+      </p:transition>
     </mc:Choice>
-    <mc:Fallback xmlns="">
-      <p:transition/>
+    <mc:Fallback>
+      <p:transition>
+        <p:fade/>
+      </p:transition>
     </mc:Fallback>
   </mc:AlternateContent>
 </p:sld>
@@ -4905,12 +4996,16 @@
   <p:clrMapOvr>
     <a:masterClrMapping/>
   </p:clrMapOvr>
-  <mc:AlternateContent xmlns:mc="http://schemas.openxmlformats.org/markup-compatibility/2006" xmlns:p14="http://schemas.microsoft.com/office/powerpoint/2010/main">
-    <mc:Choice Requires="p14">
-      <p:transition p14:dur="0"/>
+  <mc:AlternateContent xmlns:mc="http://schemas.openxmlformats.org/markup-compatibility/2006">
+    <mc:Choice xmlns:p14="http://schemas.microsoft.com/office/powerpoint/2010/main" Requires="p14">
+      <p:transition p14:dur="300">
+        <p:fade/>
+      </p:transition>
     </mc:Choice>
-    <mc:Fallback xmlns="">
-      <p:transition/>
+    <mc:Fallback>
+      <p:transition>
+        <p:fade/>
+      </p:transition>
     </mc:Fallback>
   </mc:AlternateContent>
 </p:sld>
@@ -5009,12 +5104,16 @@
   <p:clrMapOvr>
     <a:masterClrMapping/>
   </p:clrMapOvr>
-  <mc:AlternateContent xmlns:mc="http://schemas.openxmlformats.org/markup-compatibility/2006" xmlns:p14="http://schemas.microsoft.com/office/powerpoint/2010/main">
-    <mc:Choice Requires="p14">
-      <p:transition p14:dur="0"/>
+  <mc:AlternateContent xmlns:mc="http://schemas.openxmlformats.org/markup-compatibility/2006">
+    <mc:Choice xmlns:p14="http://schemas.microsoft.com/office/powerpoint/2010/main" Requires="p14">
+      <p:transition p14:dur="300">
+        <p:fade/>
+      </p:transition>
     </mc:Choice>
-    <mc:Fallback xmlns="">
-      <p:transition/>
+    <mc:Fallback>
+      <p:transition>
+        <p:fade/>
+      </p:transition>
     </mc:Fallback>
   </mc:AlternateContent>
 </p:sld>
@@ -5118,12 +5217,16 @@
   <p:clrMapOvr>
     <a:masterClrMapping/>
   </p:clrMapOvr>
-  <mc:AlternateContent xmlns:mc="http://schemas.openxmlformats.org/markup-compatibility/2006" xmlns:p14="http://schemas.microsoft.com/office/powerpoint/2010/main">
-    <mc:Choice Requires="p14">
-      <p:transition p14:dur="0"/>
+  <mc:AlternateContent xmlns:mc="http://schemas.openxmlformats.org/markup-compatibility/2006">
+    <mc:Choice xmlns:p14="http://schemas.microsoft.com/office/powerpoint/2010/main" Requires="p14">
+      <p:transition p14:dur="300">
+        <p:fade/>
+      </p:transition>
     </mc:Choice>
-    <mc:Fallback xmlns="">
-      <p:transition/>
+    <mc:Fallback>
+      <p:transition>
+        <p:fade/>
+      </p:transition>
     </mc:Fallback>
   </mc:AlternateContent>
 </p:sld>
@@ -5207,7 +5310,15 @@
           <a:p>
             <a:r>
               <a:rPr lang="en-US" dirty="0"/>
-              <a:t>For the pain and severity of chastisement?</a:t>
+              <a:t>For the pain and severity of </a:t>
+            </a:r>
+            <a:r>
+              <a:rPr lang="en-US" dirty="0" err="1"/>
+              <a:t>chaveisement</a:t>
+            </a:r>
+            <a:r>
+              <a:rPr lang="en-US" dirty="0"/>
+              <a:t>?</a:t>
             </a:r>
           </a:p>
         </p:txBody>
@@ -5222,12 +5333,16 @@
   <p:clrMapOvr>
     <a:masterClrMapping/>
   </p:clrMapOvr>
-  <mc:AlternateContent xmlns:mc="http://schemas.openxmlformats.org/markup-compatibility/2006" xmlns:p14="http://schemas.microsoft.com/office/powerpoint/2010/main">
-    <mc:Choice Requires="p14">
-      <p:transition p14:dur="0"/>
+  <mc:AlternateContent xmlns:mc="http://schemas.openxmlformats.org/markup-compatibility/2006">
+    <mc:Choice xmlns:p14="http://schemas.microsoft.com/office/powerpoint/2010/main" Requires="p14">
+      <p:transition p14:dur="300">
+        <p:fade/>
+      </p:transition>
     </mc:Choice>
-    <mc:Fallback xmlns="">
-      <p:transition/>
+    <mc:Fallback>
+      <p:transition>
+        <p:fade/>
+      </p:transition>
     </mc:Fallback>
   </mc:AlternateContent>
 </p:sld>
@@ -5326,12 +5441,16 @@
   <p:clrMapOvr>
     <a:masterClrMapping/>
   </p:clrMapOvr>
-  <mc:AlternateContent xmlns:mc="http://schemas.openxmlformats.org/markup-compatibility/2006" xmlns:p14="http://schemas.microsoft.com/office/powerpoint/2010/main">
-    <mc:Choice Requires="p14">
-      <p:transition p14:dur="0"/>
+  <mc:AlternateContent xmlns:mc="http://schemas.openxmlformats.org/markup-compatibility/2006">
+    <mc:Choice xmlns:p14="http://schemas.microsoft.com/office/powerpoint/2010/main" Requires="p14">
+      <p:transition p14:dur="300">
+        <p:fade/>
+      </p:transition>
     </mc:Choice>
-    <mc:Fallback xmlns="">
-      <p:transition/>
+    <mc:Fallback>
+      <p:transition>
+        <p:fade/>
+      </p:transition>
     </mc:Fallback>
   </mc:AlternateContent>
 </p:sld>
@@ -5438,12 +5557,16 @@
   <p:clrMapOvr>
     <a:masterClrMapping/>
   </p:clrMapOvr>
-  <mc:AlternateContent xmlns:mc="http://schemas.openxmlformats.org/markup-compatibility/2006" xmlns:p14="http://schemas.microsoft.com/office/powerpoint/2010/main">
-    <mc:Choice Requires="p14">
-      <p:transition p14:dur="0"/>
+  <mc:AlternateContent xmlns:mc="http://schemas.openxmlformats.org/markup-compatibility/2006">
+    <mc:Choice xmlns:p14="http://schemas.microsoft.com/office/powerpoint/2010/main" Requires="p14">
+      <p:transition p14:dur="300">
+        <p:fade/>
+      </p:transition>
     </mc:Choice>
-    <mc:Fallback xmlns="">
-      <p:transition/>
+    <mc:Fallback>
+      <p:transition>
+        <p:fade/>
+      </p:transition>
     </mc:Fallback>
   </mc:AlternateContent>
 </p:sld>
@@ -5558,12 +5681,16 @@
   <p:clrMapOvr>
     <a:masterClrMapping/>
   </p:clrMapOvr>
-  <mc:AlternateContent xmlns:mc="http://schemas.openxmlformats.org/markup-compatibility/2006" xmlns:p14="http://schemas.microsoft.com/office/powerpoint/2010/main">
-    <mc:Choice Requires="p14">
-      <p:transition p14:dur="0"/>
+  <mc:AlternateContent xmlns:mc="http://schemas.openxmlformats.org/markup-compatibility/2006">
+    <mc:Choice xmlns:p14="http://schemas.microsoft.com/office/powerpoint/2010/main" Requires="p14">
+      <p:transition p14:dur="300">
+        <p:fade/>
+      </p:transition>
     </mc:Choice>
-    <mc:Fallback xmlns="">
-      <p:transition/>
+    <mc:Fallback>
+      <p:transition>
+        <p:fade/>
+      </p:transition>
     </mc:Fallback>
   </mc:AlternateContent>
 </p:sld>
@@ -5678,12 +5805,16 @@
   <p:clrMapOvr>
     <a:masterClrMapping/>
   </p:clrMapOvr>
-  <mc:AlternateContent xmlns:mc="http://schemas.openxmlformats.org/markup-compatibility/2006" xmlns:p14="http://schemas.microsoft.com/office/powerpoint/2010/main">
-    <mc:Choice Requires="p14">
-      <p:transition p14:dur="0"/>
+  <mc:AlternateContent xmlns:mc="http://schemas.openxmlformats.org/markup-compatibility/2006">
+    <mc:Choice xmlns:p14="http://schemas.microsoft.com/office/powerpoint/2010/main" Requires="p14">
+      <p:transition p14:dur="300">
+        <p:fade/>
+      </p:transition>
     </mc:Choice>
-    <mc:Fallback xmlns="">
-      <p:transition/>
+    <mc:Fallback>
+      <p:transition>
+        <p:fade/>
+      </p:transition>
     </mc:Fallback>
   </mc:AlternateContent>
 </p:sld>
@@ -5798,7 +5929,15 @@
           <a:p>
             <a:r>
               <a:rPr lang="en-US" dirty="0"/>
-              <a:t>Then suppose, My God, my Master, my Protector, and my Lord, that I am able to endure Your chastisement,</a:t>
+              <a:t>Then suppose, My God, my Master, my Protector, and my Lord, that I am able to endure Your </a:t>
+            </a:r>
+            <a:r>
+              <a:rPr lang="en-US" dirty="0" err="1"/>
+              <a:t>chaveisement</a:t>
+            </a:r>
+            <a:r>
+              <a:rPr lang="en-US" dirty="0"/>
+              <a:t>,</a:t>
             </a:r>
           </a:p>
         </p:txBody>
@@ -5813,12 +5952,16 @@
   <p:clrMapOvr>
     <a:masterClrMapping/>
   </p:clrMapOvr>
-  <mc:AlternateContent xmlns:mc="http://schemas.openxmlformats.org/markup-compatibility/2006" xmlns:p14="http://schemas.microsoft.com/office/powerpoint/2010/main">
-    <mc:Choice Requires="p14">
-      <p:transition p14:dur="0"/>
+  <mc:AlternateContent xmlns:mc="http://schemas.openxmlformats.org/markup-compatibility/2006">
+    <mc:Choice xmlns:p14="http://schemas.microsoft.com/office/powerpoint/2010/main" Requires="p14">
+      <p:transition p14:dur="300">
+        <p:fade/>
+      </p:transition>
     </mc:Choice>
-    <mc:Fallback xmlns="">
-      <p:transition/>
+    <mc:Fallback>
+      <p:transition>
+        <p:fade/>
+      </p:transition>
     </mc:Fallback>
   </mc:AlternateContent>
 </p:sld>
@@ -5929,12 +6072,16 @@
   <p:clrMapOvr>
     <a:masterClrMapping/>
   </p:clrMapOvr>
-  <mc:AlternateContent xmlns:mc="http://schemas.openxmlformats.org/markup-compatibility/2006" xmlns:p14="http://schemas.microsoft.com/office/powerpoint/2010/main">
-    <mc:Choice Requires="p14">
-      <p:transition p14:dur="0"/>
+  <mc:AlternateContent xmlns:mc="http://schemas.openxmlformats.org/markup-compatibility/2006">
+    <mc:Choice xmlns:p14="http://schemas.microsoft.com/office/powerpoint/2010/main" Requires="p14">
+      <p:transition p14:dur="300">
+        <p:fade/>
+      </p:transition>
     </mc:Choice>
-    <mc:Fallback xmlns="">
-      <p:transition/>
+    <mc:Fallback>
+      <p:transition>
+        <p:fade/>
+      </p:transition>
     </mc:Fallback>
   </mc:AlternateContent>
 </p:sld>
@@ -6041,12 +6188,16 @@
   <p:clrMapOvr>
     <a:masterClrMapping/>
   </p:clrMapOvr>
-  <mc:AlternateContent xmlns:mc="http://schemas.openxmlformats.org/markup-compatibility/2006" xmlns:p14="http://schemas.microsoft.com/office/powerpoint/2010/main">
-    <mc:Choice Requires="p14">
-      <p:transition p14:dur="0"/>
+  <mc:AlternateContent xmlns:mc="http://schemas.openxmlformats.org/markup-compatibility/2006">
+    <mc:Choice xmlns:p14="http://schemas.microsoft.com/office/powerpoint/2010/main" Requires="p14">
+      <p:transition p14:dur="300">
+        <p:fade/>
+      </p:transition>
     </mc:Choice>
-    <mc:Fallback xmlns="">
-      <p:transition/>
+    <mc:Fallback>
+      <p:transition>
+        <p:fade/>
+      </p:transition>
     </mc:Fallback>
   </mc:AlternateContent>
 </p:sld>
@@ -6157,12 +6308,16 @@
   <p:clrMapOvr>
     <a:masterClrMapping/>
   </p:clrMapOvr>
-  <mc:AlternateContent xmlns:mc="http://schemas.openxmlformats.org/markup-compatibility/2006" xmlns:p14="http://schemas.microsoft.com/office/powerpoint/2010/main">
-    <mc:Choice Requires="p14">
-      <p:transition p14:dur="0"/>
+  <mc:AlternateContent xmlns:mc="http://schemas.openxmlformats.org/markup-compatibility/2006">
+    <mc:Choice xmlns:p14="http://schemas.microsoft.com/office/powerpoint/2010/main" Requires="p14">
+      <p:transition p14:dur="300">
+        <p:fade/>
+      </p:transition>
     </mc:Choice>
-    <mc:Fallback xmlns="">
-      <p:transition/>
+    <mc:Fallback>
+      <p:transition>
+        <p:fade/>
+      </p:transition>
     </mc:Fallback>
   </mc:AlternateContent>
 </p:sld>
@@ -6277,12 +6432,16 @@
   <p:clrMapOvr>
     <a:masterClrMapping/>
   </p:clrMapOvr>
-  <mc:AlternateContent xmlns:mc="http://schemas.openxmlformats.org/markup-compatibility/2006" xmlns:p14="http://schemas.microsoft.com/office/powerpoint/2010/main">
-    <mc:Choice Requires="p14">
-      <p:transition p14:dur="0"/>
+  <mc:AlternateContent xmlns:mc="http://schemas.openxmlformats.org/markup-compatibility/2006">
+    <mc:Choice xmlns:p14="http://schemas.microsoft.com/office/powerpoint/2010/main" Requires="p14">
+      <p:transition p14:dur="300">
+        <p:fade/>
+      </p:transition>
     </mc:Choice>
-    <mc:Fallback xmlns="">
-      <p:transition/>
+    <mc:Fallback>
+      <p:transition>
+        <p:fade/>
+      </p:transition>
     </mc:Fallback>
   </mc:AlternateContent>
 </p:sld>
@@ -6394,12 +6553,16 @@
   <p:clrMapOvr>
     <a:masterClrMapping/>
   </p:clrMapOvr>
-  <mc:AlternateContent xmlns:mc="http://schemas.openxmlformats.org/markup-compatibility/2006" xmlns:p14="http://schemas.microsoft.com/office/powerpoint/2010/main">
-    <mc:Choice Requires="p14">
-      <p:transition p14:dur="0"/>
+  <mc:AlternateContent xmlns:mc="http://schemas.openxmlformats.org/markup-compatibility/2006">
+    <mc:Choice xmlns:p14="http://schemas.microsoft.com/office/powerpoint/2010/main" Requires="p14">
+      <p:transition p14:dur="300">
+        <p:fade/>
+      </p:transition>
     </mc:Choice>
-    <mc:Fallback xmlns="">
-      <p:transition/>
+    <mc:Fallback>
+      <p:transition>
+        <p:fade/>
+      </p:transition>
     </mc:Fallback>
   </mc:AlternateContent>
 </p:sld>
@@ -6529,12 +6692,16 @@
   <p:clrMapOvr>
     <a:masterClrMapping/>
   </p:clrMapOvr>
-  <mc:AlternateContent xmlns:mc="http://schemas.openxmlformats.org/markup-compatibility/2006" xmlns:p14="http://schemas.microsoft.com/office/powerpoint/2010/main">
-    <mc:Choice Requires="p14">
-      <p:transition p14:dur="0"/>
+  <mc:AlternateContent xmlns:mc="http://schemas.openxmlformats.org/markup-compatibility/2006">
+    <mc:Choice xmlns:p14="http://schemas.microsoft.com/office/powerpoint/2010/main" Requires="p14">
+      <p:transition p14:dur="300">
+        <p:fade/>
+      </p:transition>
     </mc:Choice>
-    <mc:Fallback xmlns="">
-      <p:transition/>
+    <mc:Fallback>
+      <p:transition>
+        <p:fade/>
+      </p:transition>
     </mc:Fallback>
   </mc:AlternateContent>
 </p:sld>
@@ -6661,12 +6828,16 @@
   <p:clrMapOvr>
     <a:masterClrMapping/>
   </p:clrMapOvr>
-  <mc:AlternateContent xmlns:mc="http://schemas.openxmlformats.org/markup-compatibility/2006" xmlns:p14="http://schemas.microsoft.com/office/powerpoint/2010/main">
-    <mc:Choice Requires="p14">
-      <p:transition p14:dur="0"/>
+  <mc:AlternateContent xmlns:mc="http://schemas.openxmlformats.org/markup-compatibility/2006">
+    <mc:Choice xmlns:p14="http://schemas.microsoft.com/office/powerpoint/2010/main" Requires="p14">
+      <p:transition p14:dur="300">
+        <p:fade/>
+      </p:transition>
     </mc:Choice>
-    <mc:Fallback xmlns="">
-      <p:transition/>
+    <mc:Fallback>
+      <p:transition>
+        <p:fade/>
+      </p:transition>
     </mc:Fallback>
   </mc:AlternateContent>
 </p:sld>
@@ -6782,12 +6953,16 @@
   <p:clrMapOvr>
     <a:masterClrMapping/>
   </p:clrMapOvr>
-  <mc:AlternateContent xmlns:mc="http://schemas.openxmlformats.org/markup-compatibility/2006" xmlns:p14="http://schemas.microsoft.com/office/powerpoint/2010/main">
-    <mc:Choice Requires="p14">
-      <p:transition p14:dur="0"/>
+  <mc:AlternateContent xmlns:mc="http://schemas.openxmlformats.org/markup-compatibility/2006">
+    <mc:Choice xmlns:p14="http://schemas.microsoft.com/office/powerpoint/2010/main" Requires="p14">
+      <p:transition p14:dur="300">
+        <p:fade/>
+      </p:transition>
     </mc:Choice>
-    <mc:Fallback xmlns="">
-      <p:transition/>
+    <mc:Fallback>
+      <p:transition>
+        <p:fade/>
+      </p:transition>
     </mc:Fallback>
   </mc:AlternateContent>
 </p:sld>
@@ -6903,12 +7078,16 @@
   <p:clrMapOvr>
     <a:masterClrMapping/>
   </p:clrMapOvr>
-  <mc:AlternateContent xmlns:mc="http://schemas.openxmlformats.org/markup-compatibility/2006" xmlns:p14="http://schemas.microsoft.com/office/powerpoint/2010/main">
-    <mc:Choice Requires="p14">
-      <p:transition p14:dur="0"/>
+  <mc:AlternateContent xmlns:mc="http://schemas.openxmlformats.org/markup-compatibility/2006">
+    <mc:Choice xmlns:p14="http://schemas.microsoft.com/office/powerpoint/2010/main" Requires="p14">
+      <p:transition p14:dur="300">
+        <p:fade/>
+      </p:transition>
     </mc:Choice>
-    <mc:Fallback xmlns="">
-      <p:transition/>
+    <mc:Fallback>
+      <p:transition>
+        <p:fade/>
+      </p:transition>
     </mc:Fallback>
   </mc:AlternateContent>
 </p:sld>
@@ -7027,12 +7206,16 @@
   <p:clrMapOvr>
     <a:masterClrMapping/>
   </p:clrMapOvr>
-  <mc:AlternateContent xmlns:mc="http://schemas.openxmlformats.org/markup-compatibility/2006" xmlns:p14="http://schemas.microsoft.com/office/powerpoint/2010/main">
-    <mc:Choice Requires="p14">
-      <p:transition p14:dur="0"/>
+  <mc:AlternateContent xmlns:mc="http://schemas.openxmlformats.org/markup-compatibility/2006">
+    <mc:Choice xmlns:p14="http://schemas.microsoft.com/office/powerpoint/2010/main" Requires="p14">
+      <p:transition p14:dur="300">
+        <p:fade/>
+      </p:transition>
     </mc:Choice>
-    <mc:Fallback xmlns="">
-      <p:transition/>
+    <mc:Fallback>
+      <p:transition>
+        <p:fade/>
+      </p:transition>
     </mc:Fallback>
   </mc:AlternateContent>
 </p:sld>
@@ -7148,12 +7331,16 @@
   <p:clrMapOvr>
     <a:masterClrMapping/>
   </p:clrMapOvr>
-  <mc:AlternateContent xmlns:mc="http://schemas.openxmlformats.org/markup-compatibility/2006" xmlns:p14="http://schemas.microsoft.com/office/powerpoint/2010/main">
-    <mc:Choice Requires="p14">
-      <p:transition p14:dur="0"/>
+  <mc:AlternateContent xmlns:mc="http://schemas.openxmlformats.org/markup-compatibility/2006">
+    <mc:Choice xmlns:p14="http://schemas.microsoft.com/office/powerpoint/2010/main" Requires="p14">
+      <p:transition p14:dur="300">
+        <p:fade/>
+      </p:transition>
     </mc:Choice>
-    <mc:Fallback xmlns="">
-      <p:transition/>
+    <mc:Fallback>
+      <p:transition>
+        <p:fade/>
+      </p:transition>
     </mc:Fallback>
   </mc:AlternateContent>
 </p:sld>
@@ -7269,12 +7456,16 @@
   <p:clrMapOvr>
     <a:masterClrMapping/>
   </p:clrMapOvr>
-  <mc:AlternateContent xmlns:mc="http://schemas.openxmlformats.org/markup-compatibility/2006" xmlns:p14="http://schemas.microsoft.com/office/powerpoint/2010/main">
-    <mc:Choice Requires="p14">
-      <p:transition p14:dur="0"/>
+  <mc:AlternateContent xmlns:mc="http://schemas.openxmlformats.org/markup-compatibility/2006">
+    <mc:Choice xmlns:p14="http://schemas.microsoft.com/office/powerpoint/2010/main" Requires="p14">
+      <p:transition p14:dur="300">
+        <p:fade/>
+      </p:transition>
     </mc:Choice>
-    <mc:Fallback xmlns="">
-      <p:transition/>
+    <mc:Fallback>
+      <p:transition>
+        <p:fade/>
+      </p:transition>
     </mc:Fallback>
   </mc:AlternateContent>
 </p:sld>
@@ -7390,12 +7581,16 @@
   <p:clrMapOvr>
     <a:masterClrMapping/>
   </p:clrMapOvr>
-  <mc:AlternateContent xmlns:mc="http://schemas.openxmlformats.org/markup-compatibility/2006" xmlns:p14="http://schemas.microsoft.com/office/powerpoint/2010/main">
-    <mc:Choice Requires="p14">
-      <p:transition p14:dur="0"/>
+  <mc:AlternateContent xmlns:mc="http://schemas.openxmlformats.org/markup-compatibility/2006">
+    <mc:Choice xmlns:p14="http://schemas.microsoft.com/office/powerpoint/2010/main" Requires="p14">
+      <p:transition p14:dur="300">
+        <p:fade/>
+      </p:transition>
     </mc:Choice>
-    <mc:Fallback xmlns="">
-      <p:transition/>
+    <mc:Fallback>
+      <p:transition>
+        <p:fade/>
+      </p:transition>
     </mc:Fallback>
   </mc:AlternateContent>
 </p:sld>
@@ -7503,12 +7698,16 @@
   <p:clrMapOvr>
     <a:masterClrMapping/>
   </p:clrMapOvr>
-  <mc:AlternateContent xmlns:mc="http://schemas.openxmlformats.org/markup-compatibility/2006" xmlns:p14="http://schemas.microsoft.com/office/powerpoint/2010/main">
-    <mc:Choice Requires="p14">
-      <p:transition p14:dur="0"/>
+  <mc:AlternateContent xmlns:mc="http://schemas.openxmlformats.org/markup-compatibility/2006">
+    <mc:Choice xmlns:p14="http://schemas.microsoft.com/office/powerpoint/2010/main" Requires="p14">
+      <p:transition p14:dur="300">
+        <p:fade/>
+      </p:transition>
     </mc:Choice>
-    <mc:Fallback xmlns="">
-      <p:transition/>
+    <mc:Fallback>
+      <p:transition>
+        <p:fade/>
+      </p:transition>
     </mc:Fallback>
   </mc:AlternateContent>
 </p:sld>
@@ -7605,8 +7804,8 @@
         </p:nvSpPr>
         <p:spPr>
           <a:xfrm>
-            <a:off x="1829594" y="4495801"/>
-            <a:ext cx="8532812" cy="1905000"/>
+            <a:off x="2171700" y="4495801"/>
+            <a:ext cx="7848600" cy="1905000"/>
           </a:xfrm>
         </p:spPr>
         <p:txBody>
@@ -7630,12 +7829,16 @@
   <p:clrMapOvr>
     <a:masterClrMapping/>
   </p:clrMapOvr>
-  <mc:AlternateContent xmlns:mc="http://schemas.openxmlformats.org/markup-compatibility/2006" xmlns:p14="http://schemas.microsoft.com/office/powerpoint/2010/main">
-    <mc:Choice Requires="p14">
-      <p:transition p14:dur="0"/>
+  <mc:AlternateContent xmlns:mc="http://schemas.openxmlformats.org/markup-compatibility/2006">
+    <mc:Choice xmlns:p14="http://schemas.microsoft.com/office/powerpoint/2010/main" Requires="p14">
+      <p:transition p14:dur="300">
+        <p:fade/>
+      </p:transition>
     </mc:Choice>
-    <mc:Fallback xmlns="">
-      <p:transition/>
+    <mc:Fallback>
+      <p:transition>
+        <p:fade/>
+      </p:transition>
     </mc:Fallback>
   </mc:AlternateContent>
 </p:sld>
@@ -7739,12 +7942,16 @@
   <p:clrMapOvr>
     <a:masterClrMapping/>
   </p:clrMapOvr>
-  <mc:AlternateContent xmlns:mc="http://schemas.openxmlformats.org/markup-compatibility/2006" xmlns:p14="http://schemas.microsoft.com/office/powerpoint/2010/main">
-    <mc:Choice Requires="p14">
-      <p:transition p14:dur="0"/>
+  <mc:AlternateContent xmlns:mc="http://schemas.openxmlformats.org/markup-compatibility/2006">
+    <mc:Choice xmlns:p14="http://schemas.microsoft.com/office/powerpoint/2010/main" Requires="p14">
+      <p:transition p14:dur="300">
+        <p:fade/>
+      </p:transition>
     </mc:Choice>
-    <mc:Fallback xmlns="">
-      <p:transition/>
+    <mc:Fallback>
+      <p:transition>
+        <p:fade/>
+      </p:transition>
     </mc:Fallback>
   </mc:AlternateContent>
 </p:sld>
@@ -7851,12 +8058,16 @@
   <p:clrMapOvr>
     <a:masterClrMapping/>
   </p:clrMapOvr>
-  <mc:AlternateContent xmlns:mc="http://schemas.openxmlformats.org/markup-compatibility/2006" xmlns:p14="http://schemas.microsoft.com/office/powerpoint/2010/main">
-    <mc:Choice Requires="p14">
-      <p:transition p14:dur="0"/>
+  <mc:AlternateContent xmlns:mc="http://schemas.openxmlformats.org/markup-compatibility/2006">
+    <mc:Choice xmlns:p14="http://schemas.microsoft.com/office/powerpoint/2010/main" Requires="p14">
+      <p:transition p14:dur="300">
+        <p:fade/>
+      </p:transition>
     </mc:Choice>
-    <mc:Fallback xmlns="">
-      <p:transition/>
+    <mc:Fallback>
+      <p:transition>
+        <p:fade/>
+      </p:transition>
     </mc:Fallback>
   </mc:AlternateContent>
 </p:sld>
@@ -7960,12 +8171,16 @@
   <p:clrMapOvr>
     <a:masterClrMapping/>
   </p:clrMapOvr>
-  <mc:AlternateContent xmlns:mc="http://schemas.openxmlformats.org/markup-compatibility/2006" xmlns:p14="http://schemas.microsoft.com/office/powerpoint/2010/main">
-    <mc:Choice Requires="p14">
-      <p:transition p14:dur="0"/>
+  <mc:AlternateContent xmlns:mc="http://schemas.openxmlformats.org/markup-compatibility/2006">
+    <mc:Choice xmlns:p14="http://schemas.microsoft.com/office/powerpoint/2010/main" Requires="p14">
+      <p:transition p14:dur="300">
+        <p:fade/>
+      </p:transition>
     </mc:Choice>
-    <mc:Fallback xmlns="">
-      <p:transition/>
+    <mc:Fallback>
+      <p:transition>
+        <p:fade/>
+      </p:transition>
     </mc:Fallback>
   </mc:AlternateContent>
 </p:sld>
@@ -8077,12 +8292,16 @@
   <p:clrMapOvr>
     <a:masterClrMapping/>
   </p:clrMapOvr>
-  <mc:AlternateContent xmlns:mc="http://schemas.openxmlformats.org/markup-compatibility/2006" xmlns:p14="http://schemas.microsoft.com/office/powerpoint/2010/main">
-    <mc:Choice Requires="p14">
-      <p:transition p14:dur="0"/>
+  <mc:AlternateContent xmlns:mc="http://schemas.openxmlformats.org/markup-compatibility/2006">
+    <mc:Choice xmlns:p14="http://schemas.microsoft.com/office/powerpoint/2010/main" Requires="p14">
+      <p:transition p14:dur="300">
+        <p:fade/>
+      </p:transition>
     </mc:Choice>
-    <mc:Fallback xmlns="">
-      <p:transition/>
+    <mc:Fallback>
+      <p:transition>
+        <p:fade/>
+      </p:transition>
     </mc:Fallback>
   </mc:AlternateContent>
 </p:sld>
@@ -8205,12 +8424,16 @@
   <p:clrMapOvr>
     <a:masterClrMapping/>
   </p:clrMapOvr>
-  <mc:AlternateContent xmlns:mc="http://schemas.openxmlformats.org/markup-compatibility/2006" xmlns:p14="http://schemas.microsoft.com/office/powerpoint/2010/main">
-    <mc:Choice Requires="p14">
-      <p:transition p14:dur="0"/>
+  <mc:AlternateContent xmlns:mc="http://schemas.openxmlformats.org/markup-compatibility/2006">
+    <mc:Choice xmlns:p14="http://schemas.microsoft.com/office/powerpoint/2010/main" Requires="p14">
+      <p:transition p14:dur="300">
+        <p:fade/>
+      </p:transition>
     </mc:Choice>
-    <mc:Fallback xmlns="">
-      <p:transition/>
+    <mc:Fallback>
+      <p:transition>
+        <p:fade/>
+      </p:transition>
     </mc:Fallback>
   </mc:AlternateContent>
 </p:sld>
@@ -8318,12 +8541,16 @@
   <p:clrMapOvr>
     <a:masterClrMapping/>
   </p:clrMapOvr>
-  <mc:AlternateContent xmlns:mc="http://schemas.openxmlformats.org/markup-compatibility/2006" xmlns:p14="http://schemas.microsoft.com/office/powerpoint/2010/main">
-    <mc:Choice Requires="p14">
-      <p:transition p14:dur="0"/>
+  <mc:AlternateContent xmlns:mc="http://schemas.openxmlformats.org/markup-compatibility/2006">
+    <mc:Choice xmlns:p14="http://schemas.microsoft.com/office/powerpoint/2010/main" Requires="p14">
+      <p:transition p14:dur="300">
+        <p:fade/>
+      </p:transition>
     </mc:Choice>
-    <mc:Fallback xmlns="">
-      <p:transition/>
+    <mc:Fallback>
+      <p:transition>
+        <p:fade/>
+      </p:transition>
     </mc:Fallback>
   </mc:AlternateContent>
 </p:sld>
@@ -8434,12 +8661,16 @@
   <p:clrMapOvr>
     <a:masterClrMapping/>
   </p:clrMapOvr>
-  <mc:AlternateContent xmlns:mc="http://schemas.openxmlformats.org/markup-compatibility/2006" xmlns:p14="http://schemas.microsoft.com/office/powerpoint/2010/main">
-    <mc:Choice Requires="p14">
-      <p:transition p14:dur="0"/>
+  <mc:AlternateContent xmlns:mc="http://schemas.openxmlformats.org/markup-compatibility/2006">
+    <mc:Choice xmlns:p14="http://schemas.microsoft.com/office/powerpoint/2010/main" Requires="p14">
+      <p:transition p14:dur="300">
+        <p:fade/>
+      </p:transition>
     </mc:Choice>
-    <mc:Fallback xmlns="">
-      <p:transition/>
+    <mc:Fallback>
+      <p:transition>
+        <p:fade/>
+      </p:transition>
     </mc:Fallback>
   </mc:AlternateContent>
 </p:sld>
@@ -8558,7 +8789,15 @@
           <a:p>
             <a:r>
               <a:rPr lang="en-US" dirty="0"/>
-              <a:t>My Protector, so how should he remain in the chastisement, while he has hope for Your previous clemency?</a:t>
+              <a:t>My Protector, so how should he remain in the </a:t>
+            </a:r>
+            <a:r>
+              <a:rPr lang="en-US" dirty="0" err="1"/>
+              <a:t>chaveisement</a:t>
+            </a:r>
+            <a:r>
+              <a:rPr lang="en-US" dirty="0"/>
+              <a:t>, while he has hope for Your previous clemency?</a:t>
             </a:r>
           </a:p>
         </p:txBody>
@@ -8573,12 +8812,16 @@
   <p:clrMapOvr>
     <a:masterClrMapping/>
   </p:clrMapOvr>
-  <mc:AlternateContent xmlns:mc="http://schemas.openxmlformats.org/markup-compatibility/2006" xmlns:p14="http://schemas.microsoft.com/office/powerpoint/2010/main">
-    <mc:Choice Requires="p14">
-      <p:transition p14:dur="0"/>
+  <mc:AlternateContent xmlns:mc="http://schemas.openxmlformats.org/markup-compatibility/2006">
+    <mc:Choice xmlns:p14="http://schemas.microsoft.com/office/powerpoint/2010/main" Requires="p14">
+      <p:transition p14:dur="300">
+        <p:fade/>
+      </p:transition>
     </mc:Choice>
-    <mc:Fallback xmlns="">
-      <p:transition/>
+    <mc:Fallback>
+      <p:transition>
+        <p:fade/>
+      </p:transition>
     </mc:Fallback>
   </mc:AlternateContent>
 </p:sld>
@@ -8685,12 +8928,16 @@
   <p:clrMapOvr>
     <a:masterClrMapping/>
   </p:clrMapOvr>
-  <mc:AlternateContent xmlns:mc="http://schemas.openxmlformats.org/markup-compatibility/2006" xmlns:p14="http://schemas.microsoft.com/office/powerpoint/2010/main">
-    <mc:Choice Requires="p14">
-      <p:transition p14:dur="0"/>
+  <mc:AlternateContent xmlns:mc="http://schemas.openxmlformats.org/markup-compatibility/2006">
+    <mc:Choice xmlns:p14="http://schemas.microsoft.com/office/powerpoint/2010/main" Requires="p14">
+      <p:transition p14:dur="300">
+        <p:fade/>
+      </p:transition>
     </mc:Choice>
-    <mc:Fallback xmlns="">
-      <p:transition/>
+    <mc:Fallback>
+      <p:transition>
+        <p:fade/>
+      </p:transition>
     </mc:Fallback>
   </mc:AlternateContent>
 </p:sld>
@@ -8813,12 +9060,16 @@
   <p:clrMapOvr>
     <a:masterClrMapping/>
   </p:clrMapOvr>
-  <mc:AlternateContent xmlns:mc="http://schemas.openxmlformats.org/markup-compatibility/2006" xmlns:p14="http://schemas.microsoft.com/office/powerpoint/2010/main">
-    <mc:Choice Requires="p14">
-      <p:transition p14:dur="0"/>
+  <mc:AlternateContent xmlns:mc="http://schemas.openxmlformats.org/markup-compatibility/2006">
+    <mc:Choice xmlns:p14="http://schemas.microsoft.com/office/powerpoint/2010/main" Requires="p14">
+      <p:transition p14:dur="300">
+        <p:fade/>
+      </p:transition>
     </mc:Choice>
-    <mc:Fallback xmlns="">
-      <p:transition/>
+    <mc:Fallback>
+      <p:transition>
+        <p:fade/>
+      </p:transition>
     </mc:Fallback>
   </mc:AlternateContent>
 </p:sld>
@@ -8949,12 +9200,16 @@
   <p:clrMapOvr>
     <a:masterClrMapping/>
   </p:clrMapOvr>
-  <mc:AlternateContent xmlns:mc="http://schemas.openxmlformats.org/markup-compatibility/2006" xmlns:p14="http://schemas.microsoft.com/office/powerpoint/2010/main">
-    <mc:Choice Requires="p14">
-      <p:transition p14:dur="0"/>
+  <mc:AlternateContent xmlns:mc="http://schemas.openxmlformats.org/markup-compatibility/2006">
+    <mc:Choice xmlns:p14="http://schemas.microsoft.com/office/powerpoint/2010/main" Requires="p14">
+      <p:transition p14:dur="300">
+        <p:fade/>
+      </p:transition>
     </mc:Choice>
-    <mc:Fallback xmlns="">
-      <p:transition/>
+    <mc:Fallback>
+      <p:transition>
+        <p:fade/>
+      </p:transition>
     </mc:Fallback>
   </mc:AlternateContent>
 </p:sld>
@@ -9058,12 +9313,16 @@
   <p:clrMapOvr>
     <a:masterClrMapping/>
   </p:clrMapOvr>
-  <mc:AlternateContent xmlns:mc="http://schemas.openxmlformats.org/markup-compatibility/2006" xmlns:p14="http://schemas.microsoft.com/office/powerpoint/2010/main">
-    <mc:Choice Requires="p14">
-      <p:transition p14:dur="0"/>
+  <mc:AlternateContent xmlns:mc="http://schemas.openxmlformats.org/markup-compatibility/2006">
+    <mc:Choice xmlns:p14="http://schemas.microsoft.com/office/powerpoint/2010/main" Requires="p14">
+      <p:transition p14:dur="300">
+        <p:fade/>
+      </p:transition>
     </mc:Choice>
-    <mc:Fallback xmlns="">
-      <p:transition/>
+    <mc:Fallback>
+      <p:transition>
+        <p:fade/>
+      </p:transition>
     </mc:Fallback>
   </mc:AlternateContent>
 </p:sld>
@@ -9186,12 +9445,16 @@
   <p:clrMapOvr>
     <a:masterClrMapping/>
   </p:clrMapOvr>
-  <mc:AlternateContent xmlns:mc="http://schemas.openxmlformats.org/markup-compatibility/2006" xmlns:p14="http://schemas.microsoft.com/office/powerpoint/2010/main">
-    <mc:Choice Requires="p14">
-      <p:transition p14:dur="0"/>
+  <mc:AlternateContent xmlns:mc="http://schemas.openxmlformats.org/markup-compatibility/2006">
+    <mc:Choice xmlns:p14="http://schemas.microsoft.com/office/powerpoint/2010/main" Requires="p14">
+      <p:transition p14:dur="300">
+        <p:fade/>
+      </p:transition>
     </mc:Choice>
-    <mc:Fallback xmlns="">
-      <p:transition/>
+    <mc:Fallback>
+      <p:transition>
+        <p:fade/>
+      </p:transition>
     </mc:Fallback>
   </mc:AlternateContent>
 </p:sld>
@@ -9314,12 +9577,16 @@
   <p:clrMapOvr>
     <a:masterClrMapping/>
   </p:clrMapOvr>
-  <mc:AlternateContent xmlns:mc="http://schemas.openxmlformats.org/markup-compatibility/2006" xmlns:p14="http://schemas.microsoft.com/office/powerpoint/2010/main">
-    <mc:Choice Requires="p14">
-      <p:transition p14:dur="0"/>
+  <mc:AlternateContent xmlns:mc="http://schemas.openxmlformats.org/markup-compatibility/2006">
+    <mc:Choice xmlns:p14="http://schemas.microsoft.com/office/powerpoint/2010/main" Requires="p14">
+      <p:transition p14:dur="300">
+        <p:fade/>
+      </p:transition>
     </mc:Choice>
-    <mc:Fallback xmlns="">
-      <p:transition/>
+    <mc:Fallback>
+      <p:transition>
+        <p:fade/>
+      </p:transition>
     </mc:Fallback>
   </mc:AlternateContent>
 </p:sld>
@@ -9447,12 +9714,16 @@
   <p:clrMapOvr>
     <a:masterClrMapping/>
   </p:clrMapOvr>
-  <mc:AlternateContent xmlns:mc="http://schemas.openxmlformats.org/markup-compatibility/2006" xmlns:p14="http://schemas.microsoft.com/office/powerpoint/2010/main">
-    <mc:Choice Requires="p14">
-      <p:transition p14:dur="0"/>
+  <mc:AlternateContent xmlns:mc="http://schemas.openxmlformats.org/markup-compatibility/2006">
+    <mc:Choice xmlns:p14="http://schemas.microsoft.com/office/powerpoint/2010/main" Requires="p14">
+      <p:transition p14:dur="300">
+        <p:fade/>
+      </p:transition>
     </mc:Choice>
-    <mc:Fallback xmlns="">
-      <p:transition/>
+    <mc:Fallback>
+      <p:transition>
+        <p:fade/>
+      </p:transition>
     </mc:Fallback>
   </mc:AlternateContent>
 </p:sld>
@@ -9555,12 +9826,16 @@
   <p:clrMapOvr>
     <a:masterClrMapping/>
   </p:clrMapOvr>
-  <mc:AlternateContent xmlns:mc="http://schemas.openxmlformats.org/markup-compatibility/2006" xmlns:p14="http://schemas.microsoft.com/office/powerpoint/2010/main">
-    <mc:Choice Requires="p14">
-      <p:transition p14:dur="0"/>
+  <mc:AlternateContent xmlns:mc="http://schemas.openxmlformats.org/markup-compatibility/2006">
+    <mc:Choice xmlns:p14="http://schemas.microsoft.com/office/powerpoint/2010/main" Requires="p14">
+      <p:transition p14:dur="300">
+        <p:fade/>
+      </p:transition>
     </mc:Choice>
-    <mc:Fallback xmlns="">
-      <p:transition/>
+    <mc:Fallback>
+      <p:transition>
+        <p:fade/>
+      </p:transition>
     </mc:Fallback>
   </mc:AlternateContent>
 </p:sld>
@@ -9659,12 +9934,16 @@
   <p:clrMapOvr>
     <a:masterClrMapping/>
   </p:clrMapOvr>
-  <mc:AlternateContent xmlns:mc="http://schemas.openxmlformats.org/markup-compatibility/2006" xmlns:p14="http://schemas.microsoft.com/office/powerpoint/2010/main">
-    <mc:Choice Requires="p14">
-      <p:transition p14:dur="0"/>
+  <mc:AlternateContent xmlns:mc="http://schemas.openxmlformats.org/markup-compatibility/2006">
+    <mc:Choice xmlns:p14="http://schemas.microsoft.com/office/powerpoint/2010/main" Requires="p14">
+      <p:transition p14:dur="300">
+        <p:fade/>
+      </p:transition>
     </mc:Choice>
-    <mc:Fallback xmlns="">
-      <p:transition/>
+    <mc:Fallback>
+      <p:transition>
+        <p:fade/>
+      </p:transition>
     </mc:Fallback>
   </mc:AlternateContent>
 </p:sld>
@@ -9759,7 +10038,7 @@
           <a:p>
             <a:r>
               <a:rPr lang="en-US" dirty="0"/>
-              <a:t>Nor it is similar to the goodness and kindness You hast shown to those who profess Your Unity.</a:t>
+              <a:t>Nor it is like the goodness and kindness You have shown to those who profess Your Unity.</a:t>
             </a:r>
           </a:p>
         </p:txBody>
@@ -9774,12 +10053,16 @@
   <p:clrMapOvr>
     <a:masterClrMapping/>
   </p:clrMapOvr>
-  <mc:AlternateContent xmlns:mc="http://schemas.openxmlformats.org/markup-compatibility/2006" xmlns:p14="http://schemas.microsoft.com/office/powerpoint/2010/main">
-    <mc:Choice Requires="p14">
-      <p:transition p14:dur="0"/>
+  <mc:AlternateContent xmlns:mc="http://schemas.openxmlformats.org/markup-compatibility/2006">
+    <mc:Choice xmlns:p14="http://schemas.microsoft.com/office/powerpoint/2010/main" Requires="p14">
+      <p:transition p14:dur="300">
+        <p:fade/>
+      </p:transition>
     </mc:Choice>
-    <mc:Fallback xmlns="">
-      <p:transition/>
+    <mc:Fallback>
+      <p:transition>
+        <p:fade/>
+      </p:transition>
     </mc:Fallback>
   </mc:AlternateContent>
 </p:sld>
@@ -9887,7 +10170,15 @@
           <a:p>
             <a:r>
               <a:rPr lang="en-US" dirty="0"/>
-              <a:t>So I declare with certainty that were it not for what You hast decreed concerning the chastisement of Your deniers</a:t>
+              <a:t>So I declare with certainty that were it not for what You have decreed concerning the </a:t>
+            </a:r>
+            <a:r>
+              <a:rPr lang="en-US" dirty="0" err="1"/>
+              <a:t>chaveisement</a:t>
+            </a:r>
+            <a:r>
+              <a:rPr lang="en-US" dirty="0"/>
+              <a:t> of Your deniers</a:t>
             </a:r>
           </a:p>
         </p:txBody>
@@ -9902,12 +10193,16 @@
   <p:clrMapOvr>
     <a:masterClrMapping/>
   </p:clrMapOvr>
-  <mc:AlternateContent xmlns:mc="http://schemas.openxmlformats.org/markup-compatibility/2006" xmlns:p14="http://schemas.microsoft.com/office/powerpoint/2010/main">
-    <mc:Choice Requires="p14">
-      <p:transition p14:dur="0"/>
+  <mc:AlternateContent xmlns:mc="http://schemas.openxmlformats.org/markup-compatibility/2006">
+    <mc:Choice xmlns:p14="http://schemas.microsoft.com/office/powerpoint/2010/main" Requires="p14">
+      <p:transition p14:dur="300">
+        <p:fade/>
+      </p:transition>
     </mc:Choice>
-    <mc:Fallback xmlns="">
-      <p:transition/>
+    <mc:Fallback>
+      <p:transition>
+        <p:fade/>
+      </p:transition>
     </mc:Fallback>
   </mc:AlternateContent>
 </p:sld>
@@ -10000,7 +10295,7 @@
           <a:p>
             <a:r>
               <a:rPr lang="en-US" dirty="0"/>
-              <a:t>And what You hast foreordained concerning the everlasting home of those who stubbornly resist,</a:t>
+              <a:t>And what You have foreordained concerning the everlasting home of those who stubbornly resist,</a:t>
             </a:r>
           </a:p>
         </p:txBody>
@@ -10015,12 +10310,16 @@
   <p:clrMapOvr>
     <a:masterClrMapping/>
   </p:clrMapOvr>
-  <mc:AlternateContent xmlns:mc="http://schemas.openxmlformats.org/markup-compatibility/2006" xmlns:p14="http://schemas.microsoft.com/office/powerpoint/2010/main">
-    <mc:Choice Requires="p14">
-      <p:transition p14:dur="0"/>
+  <mc:AlternateContent xmlns:mc="http://schemas.openxmlformats.org/markup-compatibility/2006">
+    <mc:Choice xmlns:p14="http://schemas.microsoft.com/office/powerpoint/2010/main" Requires="p14">
+      <p:transition p14:dur="300">
+        <p:fade/>
+      </p:transition>
     </mc:Choice>
-    <mc:Fallback xmlns="">
-      <p:transition/>
+    <mc:Fallback>
+      <p:transition>
+        <p:fade/>
+      </p:transition>
     </mc:Fallback>
   </mc:AlternateContent>
 </p:sld>
@@ -10104,7 +10403,7 @@
           <a:p>
             <a:r>
               <a:rPr lang="en-US" dirty="0"/>
-              <a:t>You wouldst make the Fire, all of it, coolness and safety,</a:t>
+              <a:t>You would make the Fire, all of it, coolness and safety,</a:t>
             </a:r>
           </a:p>
         </p:txBody>
@@ -10119,12 +10418,16 @@
   <p:clrMapOvr>
     <a:masterClrMapping/>
   </p:clrMapOvr>
-  <mc:AlternateContent xmlns:mc="http://schemas.openxmlformats.org/markup-compatibility/2006" xmlns:p14="http://schemas.microsoft.com/office/powerpoint/2010/main">
-    <mc:Choice Requires="p14">
-      <p:transition p14:dur="0"/>
+  <mc:AlternateContent xmlns:mc="http://schemas.openxmlformats.org/markup-compatibility/2006">
+    <mc:Choice xmlns:p14="http://schemas.microsoft.com/office/powerpoint/2010/main" Requires="p14">
+      <p:transition p14:dur="300">
+        <p:fade/>
+      </p:transition>
     </mc:Choice>
-    <mc:Fallback xmlns="">
-      <p:transition/>
+    <mc:Fallback>
+      <p:transition>
+        <p:fade/>
+      </p:transition>
     </mc:Fallback>
   </mc:AlternateContent>
 </p:sld>
@@ -10231,12 +10534,16 @@
   <p:clrMapOvr>
     <a:masterClrMapping/>
   </p:clrMapOvr>
-  <mc:AlternateContent xmlns:mc="http://schemas.openxmlformats.org/markup-compatibility/2006" xmlns:p14="http://schemas.microsoft.com/office/powerpoint/2010/main">
-    <mc:Choice Requires="p14">
-      <p:transition p14:dur="0"/>
+  <mc:AlternateContent xmlns:mc="http://schemas.openxmlformats.org/markup-compatibility/2006">
+    <mc:Choice xmlns:p14="http://schemas.microsoft.com/office/powerpoint/2010/main" Requires="p14">
+      <p:transition p14:dur="300">
+        <p:fade/>
+      </p:transition>
     </mc:Choice>
-    <mc:Fallback xmlns="">
-      <p:transition/>
+    <mc:Fallback>
+      <p:transition>
+        <p:fade/>
+      </p:transition>
     </mc:Fallback>
   </mc:AlternateContent>
 </p:sld>
@@ -10347,12 +10654,16 @@
   <p:clrMapOvr>
     <a:masterClrMapping/>
   </p:clrMapOvr>
-  <mc:AlternateContent xmlns:mc="http://schemas.openxmlformats.org/markup-compatibility/2006" xmlns:p14="http://schemas.microsoft.com/office/powerpoint/2010/main">
-    <mc:Choice Requires="p14">
-      <p:transition p14:dur="0"/>
+  <mc:AlternateContent xmlns:mc="http://schemas.openxmlformats.org/markup-compatibility/2006">
+    <mc:Choice xmlns:p14="http://schemas.microsoft.com/office/powerpoint/2010/main" Requires="p14">
+      <p:transition p14:dur="300">
+        <p:fade/>
+      </p:transition>
     </mc:Choice>
-    <mc:Fallback xmlns="">
-      <p:transition/>
+    <mc:Fallback>
+      <p:transition>
+        <p:fade/>
+      </p:transition>
     </mc:Fallback>
   </mc:AlternateContent>
 </p:sld>
@@ -10403,7 +10714,7 @@
           <a:p>
             <a:r>
               <a:rPr lang="ar-SA" dirty="0"/>
-              <a:t>لكِنَّكَ تَقَدَّسَتْ أَسْمَاؤُكَ</a:t>
+              <a:t>لٰكِنَّكَ تَقَدَّسَتْ أَسْمَاؤُكَ</a:t>
             </a:r>
             <a:br>
               <a:rPr lang="ar-SA" dirty="0"/>
@@ -10448,7 +10759,7 @@
           <a:p>
             <a:r>
               <a:rPr lang="en-US" dirty="0"/>
-              <a:t>But You—holy are Your Names—hast sworn that You will fill it with the unbelievers,</a:t>
+              <a:t>But You—holy are Your Names—have sworn that You will fill it with the unbelievers,</a:t>
             </a:r>
           </a:p>
         </p:txBody>
@@ -10463,12 +10774,16 @@
   <p:clrMapOvr>
     <a:masterClrMapping/>
   </p:clrMapOvr>
-  <mc:AlternateContent xmlns:mc="http://schemas.openxmlformats.org/markup-compatibility/2006" xmlns:p14="http://schemas.microsoft.com/office/powerpoint/2010/main">
-    <mc:Choice Requires="p14">
-      <p:transition p14:dur="0"/>
+  <mc:AlternateContent xmlns:mc="http://schemas.openxmlformats.org/markup-compatibility/2006">
+    <mc:Choice xmlns:p14="http://schemas.microsoft.com/office/powerpoint/2010/main" Requires="p14">
+      <p:transition p14:dur="300">
+        <p:fade/>
+      </p:transition>
     </mc:Choice>
-    <mc:Fallback xmlns="">
-      <p:transition/>
+    <mc:Fallback>
+      <p:transition>
+        <p:fade/>
+      </p:transition>
     </mc:Fallback>
   </mc:AlternateContent>
 </p:sld>
@@ -10572,12 +10887,16 @@
   <p:clrMapOvr>
     <a:masterClrMapping/>
   </p:clrMapOvr>
-  <mc:AlternateContent xmlns:mc="http://schemas.openxmlformats.org/markup-compatibility/2006" xmlns:p14="http://schemas.microsoft.com/office/powerpoint/2010/main">
-    <mc:Choice Requires="p14">
-      <p:transition p14:dur="0"/>
+  <mc:AlternateContent xmlns:mc="http://schemas.openxmlformats.org/markup-compatibility/2006">
+    <mc:Choice xmlns:p14="http://schemas.microsoft.com/office/powerpoint/2010/main" Requires="p14">
+      <p:transition p14:dur="300">
+        <p:fade/>
+      </p:transition>
     </mc:Choice>
-    <mc:Fallback xmlns="">
-      <p:transition/>
+    <mc:Fallback>
+      <p:transition>
+        <p:fade/>
+      </p:transition>
     </mc:Fallback>
   </mc:AlternateContent>
 </p:sld>
@@ -10689,12 +11008,16 @@
   <p:clrMapOvr>
     <a:masterClrMapping/>
   </p:clrMapOvr>
-  <mc:AlternateContent xmlns:mc="http://schemas.openxmlformats.org/markup-compatibility/2006" xmlns:p14="http://schemas.microsoft.com/office/powerpoint/2010/main">
-    <mc:Choice Requires="p14">
-      <p:transition p14:dur="0"/>
+  <mc:AlternateContent xmlns:mc="http://schemas.openxmlformats.org/markup-compatibility/2006">
+    <mc:Choice xmlns:p14="http://schemas.microsoft.com/office/powerpoint/2010/main" Requires="p14">
+      <p:transition p14:dur="300">
+        <p:fade/>
+      </p:transition>
     </mc:Choice>
-    <mc:Fallback xmlns="">
-      <p:transition/>
+    <mc:Fallback>
+      <p:transition>
+        <p:fade/>
+      </p:transition>
     </mc:Fallback>
   </mc:AlternateContent>
 </p:sld>
@@ -10800,12 +11123,16 @@
   <p:clrMapOvr>
     <a:masterClrMapping/>
   </p:clrMapOvr>
-  <mc:AlternateContent xmlns:mc="http://schemas.openxmlformats.org/markup-compatibility/2006" xmlns:p14="http://schemas.microsoft.com/office/powerpoint/2010/main">
-    <mc:Choice Requires="p14">
-      <p:transition p14:dur="0"/>
+  <mc:AlternateContent xmlns:mc="http://schemas.openxmlformats.org/markup-compatibility/2006">
+    <mc:Choice xmlns:p14="http://schemas.microsoft.com/office/powerpoint/2010/main" Requires="p14">
+      <p:transition p14:dur="300">
+        <p:fade/>
+      </p:transition>
     </mc:Choice>
-    <mc:Fallback xmlns="">
-      <p:transition/>
+    <mc:Fallback>
+      <p:transition>
+        <p:fade/>
+      </p:transition>
     </mc:Fallback>
   </mc:AlternateContent>
 </p:sld>
@@ -10913,12 +11240,16 @@
   <p:clrMapOvr>
     <a:masterClrMapping/>
   </p:clrMapOvr>
-  <mc:AlternateContent xmlns:mc="http://schemas.openxmlformats.org/markup-compatibility/2006" xmlns:p14="http://schemas.microsoft.com/office/powerpoint/2010/main">
-    <mc:Choice Requires="p14">
-      <p:transition p14:dur="0"/>
+  <mc:AlternateContent xmlns:mc="http://schemas.openxmlformats.org/markup-compatibility/2006">
+    <mc:Choice xmlns:p14="http://schemas.microsoft.com/office/powerpoint/2010/main" Requires="p14">
+      <p:transition p14:dur="300">
+        <p:fade/>
+      </p:transition>
     </mc:Choice>
-    <mc:Fallback xmlns="">
-      <p:transition/>
+    <mc:Fallback>
+      <p:transition>
+        <p:fade/>
+      </p:transition>
     </mc:Fallback>
   </mc:AlternateContent>
 </p:sld>
@@ -11026,7 +11357,7 @@
           <a:p>
             <a:r>
               <a:rPr lang="en-US" dirty="0"/>
-              <a:t>My God and my Master! So I ask You by the power You hast apportioned</a:t>
+              <a:t>My God and my Master! So I ask You by the power You have apportioned</a:t>
             </a:r>
           </a:p>
         </p:txBody>
@@ -11041,12 +11372,16 @@
   <p:clrMapOvr>
     <a:masterClrMapping/>
   </p:clrMapOvr>
-  <mc:AlternateContent xmlns:mc="http://schemas.openxmlformats.org/markup-compatibility/2006" xmlns:p14="http://schemas.microsoft.com/office/powerpoint/2010/main">
-    <mc:Choice Requires="p14">
-      <p:transition p14:dur="0"/>
+  <mc:AlternateContent xmlns:mc="http://schemas.openxmlformats.org/markup-compatibility/2006">
+    <mc:Choice xmlns:p14="http://schemas.microsoft.com/office/powerpoint/2010/main" Requires="p14">
+      <p:transition p14:dur="300">
+        <p:fade/>
+      </p:transition>
     </mc:Choice>
-    <mc:Fallback xmlns="">
-      <p:transition/>
+    <mc:Fallback>
+      <p:transition>
+        <p:fade/>
+      </p:transition>
     </mc:Fallback>
   </mc:AlternateContent>
 </p:sld>
@@ -11151,8 +11486,8 @@
         </p:nvSpPr>
         <p:spPr>
           <a:xfrm>
-            <a:off x="1721582" y="4495801"/>
-            <a:ext cx="8748836" cy="1905000"/>
+            <a:off x="2171700" y="4495801"/>
+            <a:ext cx="7848600" cy="1905000"/>
           </a:xfrm>
         </p:spPr>
         <p:txBody>
@@ -11161,7 +11496,7 @@
           <a:p>
             <a:r>
               <a:rPr lang="en-US" dirty="0"/>
-              <a:t>And by the decision which You hast determined and imposed and through which You hast overcome him toward whom it has been put into effect,</a:t>
+              <a:t>And by the decision which You have determined and imposed and through which You have overcome him toward whom it has been put into effect,</a:t>
             </a:r>
           </a:p>
         </p:txBody>
@@ -11176,12 +11511,16 @@
   <p:clrMapOvr>
     <a:masterClrMapping/>
   </p:clrMapOvr>
-  <mc:AlternateContent xmlns:mc="http://schemas.openxmlformats.org/markup-compatibility/2006" xmlns:p14="http://schemas.microsoft.com/office/powerpoint/2010/main">
-    <mc:Choice Requires="p14">
-      <p:transition p14:dur="0"/>
+  <mc:AlternateContent xmlns:mc="http://schemas.openxmlformats.org/markup-compatibility/2006">
+    <mc:Choice xmlns:p14="http://schemas.microsoft.com/office/powerpoint/2010/main" Requires="p14">
+      <p:transition p14:dur="300">
+        <p:fade/>
+      </p:transition>
     </mc:Choice>
-    <mc:Fallback xmlns="">
-      <p:transition/>
+    <mc:Fallback>
+      <p:transition>
+        <p:fade/>
+      </p:transition>
     </mc:Fallback>
   </mc:AlternateContent>
 </p:sld>
@@ -11289,15 +11628,7 @@
           <a:p>
             <a:r>
               <a:rPr lang="en-US" dirty="0"/>
-              <a:t>That You </a:t>
-            </a:r>
-            <a:r>
-              <a:rPr lang="en-US" dirty="0" err="1"/>
-              <a:t>forgivest</a:t>
-            </a:r>
-            <a:r>
-              <a:rPr lang="en-US" dirty="0"/>
-              <a:t> me in this night and at this hour</a:t>
+              <a:t>That You forgive me in this night and at this hour</a:t>
             </a:r>
           </a:p>
         </p:txBody>
@@ -11312,12 +11643,16 @@
   <p:clrMapOvr>
     <a:masterClrMapping/>
   </p:clrMapOvr>
-  <mc:AlternateContent xmlns:mc="http://schemas.openxmlformats.org/markup-compatibility/2006" xmlns:p14="http://schemas.microsoft.com/office/powerpoint/2010/main">
-    <mc:Choice Requires="p14">
-      <p:transition p14:dur="0"/>
+  <mc:AlternateContent xmlns:mc="http://schemas.openxmlformats.org/markup-compatibility/2006">
+    <mc:Choice xmlns:p14="http://schemas.microsoft.com/office/powerpoint/2010/main" Requires="p14">
+      <p:transition p14:dur="300">
+        <p:fade/>
+      </p:transition>
     </mc:Choice>
-    <mc:Fallback xmlns="">
-      <p:transition/>
+    <mc:Fallback>
+      <p:transition>
+        <p:fade/>
+      </p:transition>
     </mc:Fallback>
   </mc:AlternateContent>
 </p:sld>
@@ -11416,12 +11751,16 @@
   <p:clrMapOvr>
     <a:masterClrMapping/>
   </p:clrMapOvr>
-  <mc:AlternateContent xmlns:mc="http://schemas.openxmlformats.org/markup-compatibility/2006" xmlns:p14="http://schemas.microsoft.com/office/powerpoint/2010/main">
-    <mc:Choice Requires="p14">
-      <p:transition p14:dur="0"/>
+  <mc:AlternateContent xmlns:mc="http://schemas.openxmlformats.org/markup-compatibility/2006">
+    <mc:Choice xmlns:p14="http://schemas.microsoft.com/office/powerpoint/2010/main" Requires="p14">
+      <p:transition p14:dur="300">
+        <p:fade/>
+      </p:transition>
     </mc:Choice>
-    <mc:Fallback xmlns="">
-      <p:transition/>
+    <mc:Fallback>
+      <p:transition>
+        <p:fade/>
+      </p:transition>
     </mc:Fallback>
   </mc:AlternateContent>
 </p:sld>
@@ -11520,12 +11859,16 @@
   <p:clrMapOvr>
     <a:masterClrMapping/>
   </p:clrMapOvr>
-  <mc:AlternateContent xmlns:mc="http://schemas.openxmlformats.org/markup-compatibility/2006" xmlns:p14="http://schemas.microsoft.com/office/powerpoint/2010/main">
-    <mc:Choice Requires="p14">
-      <p:transition p14:dur="0"/>
+  <mc:AlternateContent xmlns:mc="http://schemas.openxmlformats.org/markup-compatibility/2006">
+    <mc:Choice xmlns:p14="http://schemas.microsoft.com/office/powerpoint/2010/main" Requires="p14">
+      <p:transition p14:dur="300">
+        <p:fade/>
+      </p:transition>
     </mc:Choice>
-    <mc:Fallback xmlns="">
-      <p:transition/>
+    <mc:Fallback>
+      <p:transition>
+        <p:fade/>
+      </p:transition>
     </mc:Fallback>
   </mc:AlternateContent>
 </p:sld>
@@ -11628,12 +11971,16 @@
   <p:clrMapOvr>
     <a:masterClrMapping/>
   </p:clrMapOvr>
-  <mc:AlternateContent xmlns:mc="http://schemas.openxmlformats.org/markup-compatibility/2006" xmlns:p14="http://schemas.microsoft.com/office/powerpoint/2010/main">
-    <mc:Choice Requires="p14">
-      <p:transition p14:dur="0"/>
+  <mc:AlternateContent xmlns:mc="http://schemas.openxmlformats.org/markup-compatibility/2006">
+    <mc:Choice xmlns:p14="http://schemas.microsoft.com/office/powerpoint/2010/main" Requires="p14">
+      <p:transition p14:dur="300">
+        <p:fade/>
+      </p:transition>
     </mc:Choice>
-    <mc:Fallback xmlns="">
-      <p:transition/>
+    <mc:Fallback>
+      <p:transition>
+        <p:fade/>
+      </p:transition>
     </mc:Fallback>
   </mc:AlternateContent>
 </p:sld>
@@ -11732,12 +12079,16 @@
   <p:clrMapOvr>
     <a:masterClrMapping/>
   </p:clrMapOvr>
-  <mc:AlternateContent xmlns:mc="http://schemas.openxmlformats.org/markup-compatibility/2006" xmlns:p14="http://schemas.microsoft.com/office/powerpoint/2010/main">
-    <mc:Choice Requires="p14">
-      <p:transition p14:dur="0"/>
+  <mc:AlternateContent xmlns:mc="http://schemas.openxmlformats.org/markup-compatibility/2006">
+    <mc:Choice xmlns:p14="http://schemas.microsoft.com/office/powerpoint/2010/main" Requires="p14">
+      <p:transition p14:dur="300">
+        <p:fade/>
+      </p:transition>
     </mc:Choice>
-    <mc:Fallback xmlns="">
-      <p:transition/>
+    <mc:Fallback>
+      <p:transition>
+        <p:fade/>
+      </p:transition>
     </mc:Fallback>
   </mc:AlternateContent>
 </p:sld>
@@ -11836,12 +12187,16 @@
   <p:clrMapOvr>
     <a:masterClrMapping/>
   </p:clrMapOvr>
-  <mc:AlternateContent xmlns:mc="http://schemas.openxmlformats.org/markup-compatibility/2006" xmlns:p14="http://schemas.microsoft.com/office/powerpoint/2010/main">
-    <mc:Choice Requires="p14">
-      <p:transition p14:dur="0"/>
+  <mc:AlternateContent xmlns:mc="http://schemas.openxmlformats.org/markup-compatibility/2006">
+    <mc:Choice xmlns:p14="http://schemas.microsoft.com/office/powerpoint/2010/main" Requires="p14">
+      <p:transition p14:dur="300">
+        <p:fade/>
+      </p:transition>
     </mc:Choice>
-    <mc:Fallback xmlns="">
-      <p:transition/>
+    <mc:Fallback>
+      <p:transition>
+        <p:fade/>
+      </p:transition>
     </mc:Fallback>
   </mc:AlternateContent>
 </p:sld>
@@ -11940,12 +12295,16 @@
   <p:clrMapOvr>
     <a:masterClrMapping/>
   </p:clrMapOvr>
-  <mc:AlternateContent xmlns:mc="http://schemas.openxmlformats.org/markup-compatibility/2006" xmlns:p14="http://schemas.microsoft.com/office/powerpoint/2010/main">
-    <mc:Choice Requires="p14">
-      <p:transition p14:dur="0"/>
+  <mc:AlternateContent xmlns:mc="http://schemas.openxmlformats.org/markup-compatibility/2006">
+    <mc:Choice xmlns:p14="http://schemas.microsoft.com/office/powerpoint/2010/main" Requires="p14">
+      <p:transition p14:dur="300">
+        <p:fade/>
+      </p:transition>
     </mc:Choice>
-    <mc:Fallback xmlns="">
-      <p:transition/>
+    <mc:Fallback>
+      <p:transition>
+        <p:fade/>
+      </p:transition>
     </mc:Fallback>
   </mc:AlternateContent>
 </p:sld>
@@ -12048,12 +12407,16 @@
   <p:clrMapOvr>
     <a:masterClrMapping/>
   </p:clrMapOvr>
-  <mc:AlternateContent xmlns:mc="http://schemas.openxmlformats.org/markup-compatibility/2006" xmlns:p14="http://schemas.microsoft.com/office/powerpoint/2010/main">
-    <mc:Choice Requires="p14">
-      <p:transition p14:dur="0"/>
+  <mc:AlternateContent xmlns:mc="http://schemas.openxmlformats.org/markup-compatibility/2006">
+    <mc:Choice xmlns:p14="http://schemas.microsoft.com/office/powerpoint/2010/main" Requires="p14">
+      <p:transition p14:dur="300">
+        <p:fade/>
+      </p:transition>
     </mc:Choice>
-    <mc:Fallback xmlns="">
-      <p:transition/>
+    <mc:Fallback>
+      <p:transition>
+        <p:fade/>
+      </p:transition>
     </mc:Fallback>
   </mc:AlternateContent>
 </p:sld>
@@ -12165,12 +12528,16 @@
   <p:clrMapOvr>
     <a:masterClrMapping/>
   </p:clrMapOvr>
-  <mc:AlternateContent xmlns:mc="http://schemas.openxmlformats.org/markup-compatibility/2006" xmlns:p14="http://schemas.microsoft.com/office/powerpoint/2010/main">
-    <mc:Choice Requires="p14">
-      <p:transition p14:dur="0"/>
+  <mc:AlternateContent xmlns:mc="http://schemas.openxmlformats.org/markup-compatibility/2006">
+    <mc:Choice xmlns:p14="http://schemas.microsoft.com/office/powerpoint/2010/main" Requires="p14">
+      <p:transition p14:dur="300">
+        <p:fade/>
+      </p:transition>
     </mc:Choice>
-    <mc:Fallback xmlns="">
-      <p:transition/>
+    <mc:Fallback>
+      <p:transition>
+        <p:fade/>
+      </p:transition>
     </mc:Fallback>
   </mc:AlternateContent>
 </p:sld>
@@ -12281,12 +12648,16 @@
   <p:clrMapOvr>
     <a:masterClrMapping/>
   </p:clrMapOvr>
-  <mc:AlternateContent xmlns:mc="http://schemas.openxmlformats.org/markup-compatibility/2006" xmlns:p14="http://schemas.microsoft.com/office/powerpoint/2010/main">
-    <mc:Choice Requires="p14">
-      <p:transition p14:dur="0"/>
+  <mc:AlternateContent xmlns:mc="http://schemas.openxmlformats.org/markup-compatibility/2006">
+    <mc:Choice xmlns:p14="http://schemas.microsoft.com/office/powerpoint/2010/main" Requires="p14">
+      <p:transition p14:dur="300">
+        <p:fade/>
+      </p:transition>
     </mc:Choice>
-    <mc:Fallback xmlns="">
-      <p:transition/>
+    <mc:Fallback>
+      <p:transition>
+        <p:fade/>
+      </p:transition>
     </mc:Fallback>
   </mc:AlternateContent>
 </p:sld>
@@ -12385,12 +12756,16 @@
   <p:clrMapOvr>
     <a:masterClrMapping/>
   </p:clrMapOvr>
-  <mc:AlternateContent xmlns:mc="http://schemas.openxmlformats.org/markup-compatibility/2006" xmlns:p14="http://schemas.microsoft.com/office/powerpoint/2010/main">
-    <mc:Choice Requires="p14">
-      <p:transition p14:dur="0"/>
+  <mc:AlternateContent xmlns:mc="http://schemas.openxmlformats.org/markup-compatibility/2006">
+    <mc:Choice xmlns:p14="http://schemas.microsoft.com/office/powerpoint/2010/main" Requires="p14">
+      <p:transition p14:dur="300">
+        <p:fade/>
+      </p:transition>
     </mc:Choice>
-    <mc:Fallback xmlns="">
-      <p:transition/>
+    <mc:Fallback>
+      <p:transition>
+        <p:fade/>
+      </p:transition>
     </mc:Fallback>
   </mc:AlternateContent>
 </p:sld>
@@ -12497,12 +12872,16 @@
   <p:clrMapOvr>
     <a:masterClrMapping/>
   </p:clrMapOvr>
-  <mc:AlternateContent xmlns:mc="http://schemas.openxmlformats.org/markup-compatibility/2006" xmlns:p14="http://schemas.microsoft.com/office/powerpoint/2010/main">
-    <mc:Choice Requires="p14">
-      <p:transition p14:dur="0"/>
+  <mc:AlternateContent xmlns:mc="http://schemas.openxmlformats.org/markup-compatibility/2006">
+    <mc:Choice xmlns:p14="http://schemas.microsoft.com/office/powerpoint/2010/main" Requires="p14">
+      <p:transition p14:dur="300">
+        <p:fade/>
+      </p:transition>
     </mc:Choice>
-    <mc:Fallback xmlns="">
-      <p:transition/>
+    <mc:Fallback>
+      <p:transition>
+        <p:fade/>
+      </p:transition>
     </mc:Fallback>
   </mc:AlternateContent>
 </p:sld>
@@ -12601,12 +12980,16 @@
   <p:clrMapOvr>
     <a:masterClrMapping/>
   </p:clrMapOvr>
-  <mc:AlternateContent xmlns:mc="http://schemas.openxmlformats.org/markup-compatibility/2006" xmlns:p14="http://schemas.microsoft.com/office/powerpoint/2010/main">
-    <mc:Choice Requires="p14">
-      <p:transition p14:dur="0"/>
+  <mc:AlternateContent xmlns:mc="http://schemas.openxmlformats.org/markup-compatibility/2006">
+    <mc:Choice xmlns:p14="http://schemas.microsoft.com/office/powerpoint/2010/main" Requires="p14">
+      <p:transition p14:dur="300">
+        <p:fade/>
+      </p:transition>
     </mc:Choice>
-    <mc:Fallback xmlns="">
-      <p:transition/>
+    <mc:Fallback>
+      <p:transition>
+        <p:fade/>
+      </p:transition>
     </mc:Fallback>
   </mc:AlternateContent>
 </p:sld>
@@ -12710,12 +13093,16 @@
   <p:clrMapOvr>
     <a:masterClrMapping/>
   </p:clrMapOvr>
-  <mc:AlternateContent xmlns:mc="http://schemas.openxmlformats.org/markup-compatibility/2006" xmlns:p14="http://schemas.microsoft.com/office/powerpoint/2010/main">
-    <mc:Choice Requires="p14">
-      <p:transition p14:dur="0"/>
+  <mc:AlternateContent xmlns:mc="http://schemas.openxmlformats.org/markup-compatibility/2006">
+    <mc:Choice xmlns:p14="http://schemas.microsoft.com/office/powerpoint/2010/main" Requires="p14">
+      <p:transition p14:dur="300">
+        <p:fade/>
+      </p:transition>
     </mc:Choice>
-    <mc:Fallback xmlns="">
-      <p:transition/>
+    <mc:Fallback>
+      <p:transition>
+        <p:fade/>
+      </p:transition>
     </mc:Fallback>
   </mc:AlternateContent>
 </p:sld>
@@ -12823,12 +13210,16 @@
   <p:clrMapOvr>
     <a:masterClrMapping/>
   </p:clrMapOvr>
-  <mc:AlternateContent xmlns:mc="http://schemas.openxmlformats.org/markup-compatibility/2006" xmlns:p14="http://schemas.microsoft.com/office/powerpoint/2010/main">
-    <mc:Choice Requires="p14">
-      <p:transition p14:dur="0"/>
+  <mc:AlternateContent xmlns:mc="http://schemas.openxmlformats.org/markup-compatibility/2006">
+    <mc:Choice xmlns:p14="http://schemas.microsoft.com/office/powerpoint/2010/main" Requires="p14">
+      <p:transition p14:dur="300">
+        <p:fade/>
+      </p:transition>
     </mc:Choice>
-    <mc:Fallback xmlns="">
-      <p:transition/>
+    <mc:Fallback>
+      <p:transition>
+        <p:fade/>
+      </p:transition>
     </mc:Fallback>
   </mc:AlternateContent>
 </p:sld>
@@ -12927,12 +13318,16 @@
   <p:clrMapOvr>
     <a:masterClrMapping/>
   </p:clrMapOvr>
-  <mc:AlternateContent xmlns:mc="http://schemas.openxmlformats.org/markup-compatibility/2006" xmlns:p14="http://schemas.microsoft.com/office/powerpoint/2010/main">
-    <mc:Choice Requires="p14">
-      <p:transition p14:dur="0"/>
+  <mc:AlternateContent xmlns:mc="http://schemas.openxmlformats.org/markup-compatibility/2006">
+    <mc:Choice xmlns:p14="http://schemas.microsoft.com/office/powerpoint/2010/main" Requires="p14">
+      <p:transition p14:dur="300">
+        <p:fade/>
+      </p:transition>
     </mc:Choice>
-    <mc:Fallback xmlns="">
-      <p:transition/>
+    <mc:Fallback>
+      <p:transition>
+        <p:fade/>
+      </p:transition>
     </mc:Fallback>
   </mc:AlternateContent>
 </p:sld>
@@ -13044,12 +13439,16 @@
   <p:clrMapOvr>
     <a:masterClrMapping/>
   </p:clrMapOvr>
-  <mc:AlternateContent xmlns:mc="http://schemas.openxmlformats.org/markup-compatibility/2006" xmlns:p14="http://schemas.microsoft.com/office/powerpoint/2010/main">
-    <mc:Choice Requires="p14">
-      <p:transition p14:dur="0"/>
+  <mc:AlternateContent xmlns:mc="http://schemas.openxmlformats.org/markup-compatibility/2006">
+    <mc:Choice xmlns:p14="http://schemas.microsoft.com/office/powerpoint/2010/main" Requires="p14">
+      <p:transition p14:dur="300">
+        <p:fade/>
+      </p:transition>
     </mc:Choice>
-    <mc:Fallback xmlns="">
-      <p:transition/>
+    <mc:Fallback>
+      <p:transition>
+        <p:fade/>
+      </p:transition>
     </mc:Fallback>
   </mc:AlternateContent>
 </p:sld>
@@ -13148,12 +13547,16 @@
   <p:clrMapOvr>
     <a:masterClrMapping/>
   </p:clrMapOvr>
-  <mc:AlternateContent xmlns:mc="http://schemas.openxmlformats.org/markup-compatibility/2006" xmlns:p14="http://schemas.microsoft.com/office/powerpoint/2010/main">
-    <mc:Choice Requires="p14">
-      <p:transition p14:dur="0"/>
+  <mc:AlternateContent xmlns:mc="http://schemas.openxmlformats.org/markup-compatibility/2006">
+    <mc:Choice xmlns:p14="http://schemas.microsoft.com/office/powerpoint/2010/main" Requires="p14">
+      <p:transition p14:dur="300">
+        <p:fade/>
+      </p:transition>
     </mc:Choice>
-    <mc:Fallback xmlns="">
-      <p:transition/>
+    <mc:Fallback>
+      <p:transition>
+        <p:fade/>
+      </p:transition>
     </mc:Fallback>
   </mc:AlternateContent>
 </p:sld>
@@ -13256,12 +13659,16 @@
   <p:clrMapOvr>
     <a:masterClrMapping/>
   </p:clrMapOvr>
-  <mc:AlternateContent xmlns:mc="http://schemas.openxmlformats.org/markup-compatibility/2006" xmlns:p14="http://schemas.microsoft.com/office/powerpoint/2010/main">
-    <mc:Choice Requires="p14">
-      <p:transition p14:dur="0"/>
+  <mc:AlternateContent xmlns:mc="http://schemas.openxmlformats.org/markup-compatibility/2006">
+    <mc:Choice xmlns:p14="http://schemas.microsoft.com/office/powerpoint/2010/main" Requires="p14">
+      <p:transition p14:dur="300">
+        <p:fade/>
+      </p:transition>
     </mc:Choice>
-    <mc:Fallback xmlns="">
-      <p:transition/>
+    <mc:Fallback>
+      <p:transition>
+        <p:fade/>
+      </p:transition>
     </mc:Fallback>
   </mc:AlternateContent>
 </p:sld>
@@ -13364,12 +13771,16 @@
   <p:clrMapOvr>
     <a:masterClrMapping/>
   </p:clrMapOvr>
-  <mc:AlternateContent xmlns:mc="http://schemas.openxmlformats.org/markup-compatibility/2006" xmlns:p14="http://schemas.microsoft.com/office/powerpoint/2010/main">
-    <mc:Choice Requires="p14">
-      <p:transition p14:dur="0"/>
+  <mc:AlternateContent xmlns:mc="http://schemas.openxmlformats.org/markup-compatibility/2006">
+    <mc:Choice xmlns:p14="http://schemas.microsoft.com/office/powerpoint/2010/main" Requires="p14">
+      <p:transition p14:dur="300">
+        <p:fade/>
+      </p:transition>
     </mc:Choice>
-    <mc:Fallback xmlns="">
-      <p:transition/>
+    <mc:Fallback>
+      <p:transition>
+        <p:fade/>
+      </p:transition>
     </mc:Fallback>
   </mc:AlternateContent>
 </p:sld>
@@ -13472,12 +13883,16 @@
   <p:clrMapOvr>
     <a:masterClrMapping/>
   </p:clrMapOvr>
-  <mc:AlternateContent xmlns:mc="http://schemas.openxmlformats.org/markup-compatibility/2006" xmlns:p14="http://schemas.microsoft.com/office/powerpoint/2010/main">
-    <mc:Choice Requires="p14">
-      <p:transition p14:dur="0"/>
+  <mc:AlternateContent xmlns:mc="http://schemas.openxmlformats.org/markup-compatibility/2006">
+    <mc:Choice xmlns:p14="http://schemas.microsoft.com/office/powerpoint/2010/main" Requires="p14">
+      <p:transition p14:dur="300">
+        <p:fade/>
+      </p:transition>
     </mc:Choice>
-    <mc:Fallback xmlns="">
-      <p:transition/>
+    <mc:Fallback>
+      <p:transition>
+        <p:fade/>
+      </p:transition>
     </mc:Fallback>
   </mc:AlternateContent>
 </p:sld>
@@ -13569,15 +13984,7 @@
           <a:p>
             <a:r>
               <a:rPr lang="en-US" dirty="0"/>
-              <a:t>Or error You </a:t>
-            </a:r>
-            <a:r>
-              <a:rPr lang="en-US" dirty="0" err="1"/>
-              <a:t>covere</a:t>
-            </a:r>
-            <a:r>
-              <a:rPr lang="en-US" dirty="0"/>
-              <a:t>.</a:t>
+              <a:t>Or error You cover.</a:t>
             </a:r>
           </a:p>
         </p:txBody>
@@ -13592,12 +13999,16 @@
   <p:clrMapOvr>
     <a:masterClrMapping/>
   </p:clrMapOvr>
-  <mc:AlternateContent xmlns:mc="http://schemas.openxmlformats.org/markup-compatibility/2006" xmlns:p14="http://schemas.microsoft.com/office/powerpoint/2010/main">
-    <mc:Choice Requires="p14">
-      <p:transition p14:dur="0"/>
+  <mc:AlternateContent xmlns:mc="http://schemas.openxmlformats.org/markup-compatibility/2006">
+    <mc:Choice xmlns:p14="http://schemas.microsoft.com/office/powerpoint/2010/main" Requires="p14">
+      <p:transition p14:dur="300">
+        <p:fade/>
+      </p:transition>
     </mc:Choice>
-    <mc:Fallback xmlns="">
-      <p:transition/>
+    <mc:Fallback>
+      <p:transition>
+        <p:fade/>
+      </p:transition>
     </mc:Fallback>
   </mc:AlternateContent>
 </p:sld>
@@ -13716,12 +14127,16 @@
   <p:clrMapOvr>
     <a:masterClrMapping/>
   </p:clrMapOvr>
-  <mc:AlternateContent xmlns:mc="http://schemas.openxmlformats.org/markup-compatibility/2006" xmlns:p14="http://schemas.microsoft.com/office/powerpoint/2010/main">
-    <mc:Choice Requires="p14">
-      <p:transition p14:dur="0"/>
+  <mc:AlternateContent xmlns:mc="http://schemas.openxmlformats.org/markup-compatibility/2006">
+    <mc:Choice xmlns:p14="http://schemas.microsoft.com/office/powerpoint/2010/main" Requires="p14">
+      <p:transition p14:dur="300">
+        <p:fade/>
+      </p:transition>
     </mc:Choice>
-    <mc:Fallback xmlns="">
-      <p:transition/>
+    <mc:Fallback>
+      <p:transition>
+        <p:fade/>
+      </p:transition>
     </mc:Fallback>
   </mc:AlternateContent>
 </p:sld>
@@ -13832,12 +14247,16 @@
   <p:clrMapOvr>
     <a:masterClrMapping/>
   </p:clrMapOvr>
-  <mc:AlternateContent xmlns:mc="http://schemas.openxmlformats.org/markup-compatibility/2006" xmlns:p14="http://schemas.microsoft.com/office/powerpoint/2010/main">
-    <mc:Choice Requires="p14">
-      <p:transition p14:dur="0"/>
+  <mc:AlternateContent xmlns:mc="http://schemas.openxmlformats.org/markup-compatibility/2006">
+    <mc:Choice xmlns:p14="http://schemas.microsoft.com/office/powerpoint/2010/main" Requires="p14">
+      <p:transition p14:dur="300">
+        <p:fade/>
+      </p:transition>
     </mc:Choice>
-    <mc:Fallback xmlns="">
-      <p:transition/>
+    <mc:Fallback>
+      <p:transition>
+        <p:fade/>
+      </p:transition>
     </mc:Fallback>
   </mc:AlternateContent>
 </p:sld>
@@ -13953,12 +14372,16 @@
   <p:clrMapOvr>
     <a:masterClrMapping/>
   </p:clrMapOvr>
-  <mc:AlternateContent xmlns:mc="http://schemas.openxmlformats.org/markup-compatibility/2006" xmlns:p14="http://schemas.microsoft.com/office/powerpoint/2010/main">
-    <mc:Choice Requires="p14">
-      <p:transition p14:dur="0"/>
+  <mc:AlternateContent xmlns:mc="http://schemas.openxmlformats.org/markup-compatibility/2006">
+    <mc:Choice xmlns:p14="http://schemas.microsoft.com/office/powerpoint/2010/main" Requires="p14">
+      <p:transition p14:dur="300">
+        <p:fade/>
+      </p:transition>
     </mc:Choice>
-    <mc:Fallback xmlns="">
-      <p:transition/>
+    <mc:Fallback>
+      <p:transition>
+        <p:fade/>
+      </p:transition>
     </mc:Fallback>
   </mc:AlternateContent>
 </p:sld>
@@ -14065,12 +14488,16 @@
   <p:clrMapOvr>
     <a:masterClrMapping/>
   </p:clrMapOvr>
-  <mc:AlternateContent xmlns:mc="http://schemas.openxmlformats.org/markup-compatibility/2006" xmlns:p14="http://schemas.microsoft.com/office/powerpoint/2010/main">
-    <mc:Choice Requires="p14">
-      <p:transition p14:dur="0"/>
+  <mc:AlternateContent xmlns:mc="http://schemas.openxmlformats.org/markup-compatibility/2006">
+    <mc:Choice xmlns:p14="http://schemas.microsoft.com/office/powerpoint/2010/main" Requires="p14">
+      <p:transition p14:dur="300">
+        <p:fade/>
+      </p:transition>
     </mc:Choice>
-    <mc:Fallback xmlns="">
-      <p:transition/>
+    <mc:Fallback>
+      <p:transition>
+        <p:fade/>
+      </p:transition>
     </mc:Fallback>
   </mc:AlternateContent>
 </p:sld>
@@ -14178,12 +14605,16 @@
   <p:clrMapOvr>
     <a:masterClrMapping/>
   </p:clrMapOvr>
-  <mc:AlternateContent xmlns:mc="http://schemas.openxmlformats.org/markup-compatibility/2006" xmlns:p14="http://schemas.microsoft.com/office/powerpoint/2010/main">
-    <mc:Choice Requires="p14">
-      <p:transition p14:dur="0"/>
+  <mc:AlternateContent xmlns:mc="http://schemas.openxmlformats.org/markup-compatibility/2006">
+    <mc:Choice xmlns:p14="http://schemas.microsoft.com/office/powerpoint/2010/main" Requires="p14">
+      <p:transition p14:dur="300">
+        <p:fade/>
+      </p:transition>
     </mc:Choice>
-    <mc:Fallback xmlns="">
-      <p:transition/>
+    <mc:Fallback>
+      <p:transition>
+        <p:fade/>
+      </p:transition>
     </mc:Fallback>
   </mc:AlternateContent>
 </p:sld>
@@ -14299,12 +14730,16 @@
   <p:clrMapOvr>
     <a:masterClrMapping/>
   </p:clrMapOvr>
-  <mc:AlternateContent xmlns:mc="http://schemas.openxmlformats.org/markup-compatibility/2006" xmlns:p14="http://schemas.microsoft.com/office/powerpoint/2010/main">
-    <mc:Choice Requires="p14">
-      <p:transition p14:dur="0"/>
+  <mc:AlternateContent xmlns:mc="http://schemas.openxmlformats.org/markup-compatibility/2006">
+    <mc:Choice xmlns:p14="http://schemas.microsoft.com/office/powerpoint/2010/main" Requires="p14">
+      <p:transition p14:dur="300">
+        <p:fade/>
+      </p:transition>
     </mc:Choice>
-    <mc:Fallback xmlns="">
-      <p:transition/>
+    <mc:Fallback>
+      <p:transition>
+        <p:fade/>
+      </p:transition>
     </mc:Fallback>
   </mc:AlternateContent>
 </p:sld>
@@ -14423,12 +14858,16 @@
   <p:clrMapOvr>
     <a:masterClrMapping/>
   </p:clrMapOvr>
-  <mc:AlternateContent xmlns:mc="http://schemas.openxmlformats.org/markup-compatibility/2006" xmlns:p14="http://schemas.microsoft.com/office/powerpoint/2010/main">
-    <mc:Choice Requires="p14">
-      <p:transition p14:dur="0"/>
+  <mc:AlternateContent xmlns:mc="http://schemas.openxmlformats.org/markup-compatibility/2006">
+    <mc:Choice xmlns:p14="http://schemas.microsoft.com/office/powerpoint/2010/main" Requires="p14">
+      <p:transition p14:dur="300">
+        <p:fade/>
+      </p:transition>
     </mc:Choice>
-    <mc:Fallback xmlns="">
-      <p:transition/>
+    <mc:Fallback>
+      <p:transition>
+        <p:fade/>
+      </p:transition>
     </mc:Fallback>
   </mc:AlternateContent>
 </p:sld>
@@ -14527,12 +14966,16 @@
   <p:clrMapOvr>
     <a:masterClrMapping/>
   </p:clrMapOvr>
-  <mc:AlternateContent xmlns:mc="http://schemas.openxmlformats.org/markup-compatibility/2006" xmlns:p14="http://schemas.microsoft.com/office/powerpoint/2010/main">
-    <mc:Choice Requires="p14">
-      <p:transition p14:dur="0"/>
+  <mc:AlternateContent xmlns:mc="http://schemas.openxmlformats.org/markup-compatibility/2006">
+    <mc:Choice xmlns:p14="http://schemas.microsoft.com/office/powerpoint/2010/main" Requires="p14">
+      <p:transition p14:dur="300">
+        <p:fade/>
+      </p:transition>
     </mc:Choice>
-    <mc:Fallback xmlns="">
-      <p:transition/>
+    <mc:Fallback>
+      <p:transition>
+        <p:fade/>
+      </p:transition>
     </mc:Fallback>
   </mc:AlternateContent>
 </p:sld>
@@ -14631,12 +15074,16 @@
   <p:clrMapOvr>
     <a:masterClrMapping/>
   </p:clrMapOvr>
-  <mc:AlternateContent xmlns:mc="http://schemas.openxmlformats.org/markup-compatibility/2006" xmlns:p14="http://schemas.microsoft.com/office/powerpoint/2010/main">
-    <mc:Choice Requires="p14">
-      <p:transition p14:dur="0"/>
+  <mc:AlternateContent xmlns:mc="http://schemas.openxmlformats.org/markup-compatibility/2006">
+    <mc:Choice xmlns:p14="http://schemas.microsoft.com/office/powerpoint/2010/main" Requires="p14">
+      <p:transition p14:dur="300">
+        <p:fade/>
+      </p:transition>
     </mc:Choice>
-    <mc:Fallback xmlns="">
-      <p:transition/>
+    <mc:Fallback>
+      <p:transition>
+        <p:fade/>
+      </p:transition>
     </mc:Fallback>
   </mc:AlternateContent>
 </p:sld>
@@ -14743,12 +15190,16 @@
   <p:clrMapOvr>
     <a:masterClrMapping/>
   </p:clrMapOvr>
-  <mc:AlternateContent xmlns:mc="http://schemas.openxmlformats.org/markup-compatibility/2006" xmlns:p14="http://schemas.microsoft.com/office/powerpoint/2010/main">
-    <mc:Choice Requires="p14">
-      <p:transition p14:dur="0"/>
+  <mc:AlternateContent xmlns:mc="http://schemas.openxmlformats.org/markup-compatibility/2006">
+    <mc:Choice xmlns:p14="http://schemas.microsoft.com/office/powerpoint/2010/main" Requires="p14">
+      <p:transition p14:dur="300">
+        <p:fade/>
+      </p:transition>
     </mc:Choice>
-    <mc:Fallback xmlns="">
-      <p:transition/>
+    <mc:Fallback>
+      <p:transition>
+        <p:fade/>
+      </p:transition>
     </mc:Fallback>
   </mc:AlternateContent>
 </p:sld>
@@ -14847,12 +15298,16 @@
   <p:clrMapOvr>
     <a:masterClrMapping/>
   </p:clrMapOvr>
-  <mc:AlternateContent xmlns:mc="http://schemas.openxmlformats.org/markup-compatibility/2006" xmlns:p14="http://schemas.microsoft.com/office/powerpoint/2010/main">
-    <mc:Choice Requires="p14">
-      <p:transition p14:dur="0"/>
+  <mc:AlternateContent xmlns:mc="http://schemas.openxmlformats.org/markup-compatibility/2006">
+    <mc:Choice xmlns:p14="http://schemas.microsoft.com/office/powerpoint/2010/main" Requires="p14">
+      <p:transition p14:dur="300">
+        <p:fade/>
+      </p:transition>
     </mc:Choice>
-    <mc:Fallback xmlns="">
-      <p:transition/>
+    <mc:Fallback>
+      <p:transition>
+        <p:fade/>
+      </p:transition>
     </mc:Fallback>
   </mc:AlternateContent>
 </p:sld>
@@ -14951,12 +15406,16 @@
   <p:clrMapOvr>
     <a:masterClrMapping/>
   </p:clrMapOvr>
-  <mc:AlternateContent xmlns:mc="http://schemas.openxmlformats.org/markup-compatibility/2006" xmlns:p14="http://schemas.microsoft.com/office/powerpoint/2010/main">
-    <mc:Choice Requires="p14">
-      <p:transition p14:dur="0"/>
+  <mc:AlternateContent xmlns:mc="http://schemas.openxmlformats.org/markup-compatibility/2006">
+    <mc:Choice xmlns:p14="http://schemas.microsoft.com/office/powerpoint/2010/main" Requires="p14">
+      <p:transition p14:dur="300">
+        <p:fade/>
+      </p:transition>
     </mc:Choice>
-    <mc:Fallback xmlns="">
-      <p:transition/>
+    <mc:Fallback>
+      <p:transition>
+        <p:fade/>
+      </p:transition>
     </mc:Fallback>
   </mc:AlternateContent>
 </p:sld>
@@ -15059,12 +15518,16 @@
   <p:clrMapOvr>
     <a:masterClrMapping/>
   </p:clrMapOvr>
-  <mc:AlternateContent xmlns:mc="http://schemas.openxmlformats.org/markup-compatibility/2006" xmlns:p14="http://schemas.microsoft.com/office/powerpoint/2010/main">
-    <mc:Choice Requires="p14">
-      <p:transition p14:dur="0"/>
+  <mc:AlternateContent xmlns:mc="http://schemas.openxmlformats.org/markup-compatibility/2006">
+    <mc:Choice xmlns:p14="http://schemas.microsoft.com/office/powerpoint/2010/main" Requires="p14">
+      <p:transition p14:dur="300">
+        <p:fade/>
+      </p:transition>
     </mc:Choice>
-    <mc:Fallback xmlns="">
-      <p:transition/>
+    <mc:Fallback>
+      <p:transition>
+        <p:fade/>
+      </p:transition>
     </mc:Fallback>
   </mc:AlternateContent>
 </p:sld>
@@ -15171,12 +15634,16 @@
   <p:clrMapOvr>
     <a:masterClrMapping/>
   </p:clrMapOvr>
-  <mc:AlternateContent xmlns:mc="http://schemas.openxmlformats.org/markup-compatibility/2006" xmlns:p14="http://schemas.microsoft.com/office/powerpoint/2010/main">
-    <mc:Choice Requires="p14">
-      <p:transition p14:dur="0"/>
+  <mc:AlternateContent xmlns:mc="http://schemas.openxmlformats.org/markup-compatibility/2006">
+    <mc:Choice xmlns:p14="http://schemas.microsoft.com/office/powerpoint/2010/main" Requires="p14">
+      <p:transition p14:dur="300">
+        <p:fade/>
+      </p:transition>
     </mc:Choice>
-    <mc:Fallback xmlns="">
-      <p:transition/>
+    <mc:Fallback>
+      <p:transition>
+        <p:fade/>
+      </p:transition>
     </mc:Fallback>
   </mc:AlternateContent>
 </p:sld>
@@ -15275,19 +15742,23 @@
     </p:spTree>
     <p:extLst>
       <p:ext uri="{BB962C8B-B14F-4D97-AF65-F5344CB8AC3E}">
-        <p14:creationId xmlns:p14="http://schemas.microsoft.com/office/powerpoint/2010/main" val="2707577324"/>
+        <p14:creationId xmlns:p14="http://schemas.microsoft.com/office/powerpoint/2010/main" val="3573451054"/>
       </p:ext>
     </p:extLst>
   </p:cSld>
   <p:clrMapOvr>
     <a:masterClrMapping/>
   </p:clrMapOvr>
-  <mc:AlternateContent xmlns:mc="http://schemas.openxmlformats.org/markup-compatibility/2006" xmlns:p14="http://schemas.microsoft.com/office/powerpoint/2010/main">
-    <mc:Choice Requires="p14">
-      <p:transition p14:dur="0"/>
+  <mc:AlternateContent xmlns:mc="http://schemas.openxmlformats.org/markup-compatibility/2006">
+    <mc:Choice xmlns:p14="http://schemas.microsoft.com/office/powerpoint/2010/main" Requires="p14">
+      <p:transition p14:dur="300">
+        <p:fade/>
+      </p:transition>
     </mc:Choice>
-    <mc:Fallback xmlns="">
-      <p:transition/>
+    <mc:Fallback>
+      <p:transition>
+        <p:fade/>
+      </p:transition>
     </mc:Fallback>
   </mc:AlternateContent>
 </p:sld>
@@ -15394,12 +15865,16 @@
   <p:clrMapOvr>
     <a:masterClrMapping/>
   </p:clrMapOvr>
-  <mc:AlternateContent xmlns:mc="http://schemas.openxmlformats.org/markup-compatibility/2006" xmlns:p14="http://schemas.microsoft.com/office/powerpoint/2010/main">
-    <mc:Choice Requires="p14">
-      <p:transition p14:dur="0"/>
+  <mc:AlternateContent xmlns:mc="http://schemas.openxmlformats.org/markup-compatibility/2006">
+    <mc:Choice xmlns:p14="http://schemas.microsoft.com/office/powerpoint/2010/main" Requires="p14">
+      <p:transition p14:dur="300">
+        <p:fade/>
+      </p:transition>
     </mc:Choice>
-    <mc:Fallback xmlns="">
-      <p:transition/>
+    <mc:Fallback>
+      <p:transition>
+        <p:fade/>
+      </p:transition>
     </mc:Fallback>
   </mc:AlternateContent>
 </p:sld>
@@ -15526,12 +16001,16 @@
   <p:clrMapOvr>
     <a:masterClrMapping/>
   </p:clrMapOvr>
-  <mc:AlternateContent xmlns:mc="http://schemas.openxmlformats.org/markup-compatibility/2006" xmlns:p14="http://schemas.microsoft.com/office/powerpoint/2010/main">
-    <mc:Choice Requires="p14">
-      <p:transition p14:dur="0"/>
+  <mc:AlternateContent xmlns:mc="http://schemas.openxmlformats.org/markup-compatibility/2006">
+    <mc:Choice xmlns:p14="http://schemas.microsoft.com/office/powerpoint/2010/main" Requires="p14">
+      <p:transition p14:dur="300">
+        <p:fade/>
+      </p:transition>
     </mc:Choice>
-    <mc:Fallback xmlns="">
-      <p:transition/>
+    <mc:Fallback>
+      <p:transition>
+        <p:fade/>
+      </p:transition>
     </mc:Fallback>
   </mc:AlternateContent>
 </p:sld>
@@ -15642,12 +16121,16 @@
   <p:clrMapOvr>
     <a:masterClrMapping/>
   </p:clrMapOvr>
-  <mc:AlternateContent xmlns:mc="http://schemas.openxmlformats.org/markup-compatibility/2006" xmlns:p14="http://schemas.microsoft.com/office/powerpoint/2010/main">
-    <mc:Choice Requires="p14">
-      <p:transition p14:dur="0"/>
+  <mc:AlternateContent xmlns:mc="http://schemas.openxmlformats.org/markup-compatibility/2006">
+    <mc:Choice xmlns:p14="http://schemas.microsoft.com/office/powerpoint/2010/main" Requires="p14">
+      <p:transition p14:dur="300">
+        <p:fade/>
+      </p:transition>
     </mc:Choice>
-    <mc:Fallback xmlns="">
-      <p:transition/>
+    <mc:Fallback>
+      <p:transition>
+        <p:fade/>
+      </p:transition>
     </mc:Fallback>
   </mc:AlternateContent>
 </p:sld>
@@ -15766,12 +16249,16 @@
   <p:clrMapOvr>
     <a:masterClrMapping/>
   </p:clrMapOvr>
-  <mc:AlternateContent xmlns:mc="http://schemas.openxmlformats.org/markup-compatibility/2006" xmlns:p14="http://schemas.microsoft.com/office/powerpoint/2010/main">
-    <mc:Choice Requires="p14">
-      <p:transition p14:dur="0"/>
+  <mc:AlternateContent xmlns:mc="http://schemas.openxmlformats.org/markup-compatibility/2006">
+    <mc:Choice xmlns:p14="http://schemas.microsoft.com/office/powerpoint/2010/main" Requires="p14">
+      <p:transition p14:dur="300">
+        <p:fade/>
+      </p:transition>
     </mc:Choice>
-    <mc:Fallback xmlns="">
-      <p:transition/>
+    <mc:Fallback>
+      <p:transition>
+        <p:fade/>
+      </p:transition>
     </mc:Fallback>
   </mc:AlternateContent>
 </p:sld>
@@ -15878,12 +16365,16 @@
   <p:clrMapOvr>
     <a:masterClrMapping/>
   </p:clrMapOvr>
-  <mc:AlternateContent xmlns:mc="http://schemas.openxmlformats.org/markup-compatibility/2006" xmlns:p14="http://schemas.microsoft.com/office/powerpoint/2010/main">
-    <mc:Choice Requires="p14">
-      <p:transition p14:dur="0"/>
+  <mc:AlternateContent xmlns:mc="http://schemas.openxmlformats.org/markup-compatibility/2006">
+    <mc:Choice xmlns:p14="http://schemas.microsoft.com/office/powerpoint/2010/main" Requires="p14">
+      <p:transition p14:dur="300">
+        <p:fade/>
+      </p:transition>
     </mc:Choice>
-    <mc:Fallback xmlns="">
-      <p:transition/>
+    <mc:Fallback>
+      <p:transition>
+        <p:fade/>
+      </p:transition>
     </mc:Fallback>
   </mc:AlternateContent>
 </p:sld>
@@ -16002,12 +16493,16 @@
   <p:clrMapOvr>
     <a:masterClrMapping/>
   </p:clrMapOvr>
-  <mc:AlternateContent xmlns:mc="http://schemas.openxmlformats.org/markup-compatibility/2006" xmlns:p14="http://schemas.microsoft.com/office/powerpoint/2010/main">
-    <mc:Choice Requires="p14">
-      <p:transition p14:dur="0"/>
+  <mc:AlternateContent xmlns:mc="http://schemas.openxmlformats.org/markup-compatibility/2006">
+    <mc:Choice xmlns:p14="http://schemas.microsoft.com/office/powerpoint/2010/main" Requires="p14">
+      <p:transition p14:dur="300">
+        <p:fade/>
+      </p:transition>
     </mc:Choice>
-    <mc:Fallback xmlns="">
-      <p:transition/>
+    <mc:Fallback>
+      <p:transition>
+        <p:fade/>
+      </p:transition>
     </mc:Fallback>
   </mc:AlternateContent>
 </p:sld>
@@ -16119,12 +16614,16 @@
   <p:clrMapOvr>
     <a:masterClrMapping/>
   </p:clrMapOvr>
-  <mc:AlternateContent xmlns:mc="http://schemas.openxmlformats.org/markup-compatibility/2006" xmlns:p14="http://schemas.microsoft.com/office/powerpoint/2010/main">
-    <mc:Choice Requires="p14">
-      <p:transition p14:dur="0"/>
+  <mc:AlternateContent xmlns:mc="http://schemas.openxmlformats.org/markup-compatibility/2006">
+    <mc:Choice xmlns:p14="http://schemas.microsoft.com/office/powerpoint/2010/main" Requires="p14">
+      <p:transition p14:dur="300">
+        <p:fade/>
+      </p:transition>
     </mc:Choice>
-    <mc:Fallback xmlns="">
-      <p:transition/>
+    <mc:Fallback>
+      <p:transition>
+        <p:fade/>
+      </p:transition>
     </mc:Fallback>
   </mc:AlternateContent>
 </p:sld>
@@ -16240,12 +16739,16 @@
   <p:clrMapOvr>
     <a:masterClrMapping/>
   </p:clrMapOvr>
-  <mc:AlternateContent xmlns:mc="http://schemas.openxmlformats.org/markup-compatibility/2006" xmlns:p14="http://schemas.microsoft.com/office/powerpoint/2010/main">
-    <mc:Choice Requires="p14">
-      <p:transition p14:dur="0"/>
+  <mc:AlternateContent xmlns:mc="http://schemas.openxmlformats.org/markup-compatibility/2006">
+    <mc:Choice xmlns:p14="http://schemas.microsoft.com/office/powerpoint/2010/main" Requires="p14">
+      <p:transition p14:dur="300">
+        <p:fade/>
+      </p:transition>
     </mc:Choice>
-    <mc:Fallback xmlns="">
-      <p:transition/>
+    <mc:Fallback>
+      <p:transition>
+        <p:fade/>
+      </p:transition>
     </mc:Fallback>
   </mc:AlternateContent>
 </p:sld>
@@ -16377,12 +16880,16 @@
   <p:clrMapOvr>
     <a:masterClrMapping/>
   </p:clrMapOvr>
-  <mc:AlternateContent xmlns:mc="http://schemas.openxmlformats.org/markup-compatibility/2006" xmlns:p14="http://schemas.microsoft.com/office/powerpoint/2010/main">
-    <mc:Choice Requires="p14">
-      <p:transition p14:dur="0"/>
+  <mc:AlternateContent xmlns:mc="http://schemas.openxmlformats.org/markup-compatibility/2006">
+    <mc:Choice xmlns:p14="http://schemas.microsoft.com/office/powerpoint/2010/main" Requires="p14">
+      <p:transition p14:dur="300">
+        <p:fade/>
+      </p:transition>
     </mc:Choice>
-    <mc:Fallback xmlns="">
-      <p:transition/>
+    <mc:Fallback>
+      <p:transition>
+        <p:fade/>
+      </p:transition>
     </mc:Fallback>
   </mc:AlternateContent>
 </p:sld>
@@ -16497,12 +17004,16 @@
   <p:clrMapOvr>
     <a:masterClrMapping/>
   </p:clrMapOvr>
-  <mc:AlternateContent xmlns:mc="http://schemas.openxmlformats.org/markup-compatibility/2006" xmlns:p14="http://schemas.microsoft.com/office/powerpoint/2010/main">
-    <mc:Choice Requires="p14">
-      <p:transition p14:dur="0"/>
+  <mc:AlternateContent xmlns:mc="http://schemas.openxmlformats.org/markup-compatibility/2006">
+    <mc:Choice xmlns:p14="http://schemas.microsoft.com/office/powerpoint/2010/main" Requires="p14">
+      <p:transition p14:dur="300">
+        <p:fade/>
+      </p:transition>
     </mc:Choice>
-    <mc:Fallback xmlns="">
-      <p:transition/>
+    <mc:Fallback>
+      <p:transition>
+        <p:fade/>
+      </p:transition>
     </mc:Fallback>
   </mc:AlternateContent>
 </p:sld>
@@ -16628,12 +17139,16 @@
   <p:clrMapOvr>
     <a:masterClrMapping/>
   </p:clrMapOvr>
-  <mc:AlternateContent xmlns:mc="http://schemas.openxmlformats.org/markup-compatibility/2006" xmlns:p14="http://schemas.microsoft.com/office/powerpoint/2010/main">
-    <mc:Choice Requires="p14">
-      <p:transition p14:dur="0"/>
+  <mc:AlternateContent xmlns:mc="http://schemas.openxmlformats.org/markup-compatibility/2006">
+    <mc:Choice xmlns:p14="http://schemas.microsoft.com/office/powerpoint/2010/main" Requires="p14">
+      <p:transition p14:dur="300">
+        <p:fade/>
+      </p:transition>
     </mc:Choice>
-    <mc:Fallback xmlns="">
-      <p:transition/>
+    <mc:Fallback>
+      <p:transition>
+        <p:fade/>
+      </p:transition>
     </mc:Fallback>
   </mc:AlternateContent>
 </p:sld>
@@ -16748,12 +17263,16 @@
   <p:clrMapOvr>
     <a:masterClrMapping/>
   </p:clrMapOvr>
-  <mc:AlternateContent xmlns:mc="http://schemas.openxmlformats.org/markup-compatibility/2006" xmlns:p14="http://schemas.microsoft.com/office/powerpoint/2010/main">
-    <mc:Choice Requires="p14">
-      <p:transition p14:dur="0"/>
+  <mc:AlternateContent xmlns:mc="http://schemas.openxmlformats.org/markup-compatibility/2006">
+    <mc:Choice xmlns:p14="http://schemas.microsoft.com/office/powerpoint/2010/main" Requires="p14">
+      <p:transition p14:dur="300">
+        <p:fade/>
+      </p:transition>
     </mc:Choice>
-    <mc:Fallback xmlns="">
-      <p:transition/>
+    <mc:Fallback>
+      <p:transition>
+        <p:fade/>
+      </p:transition>
     </mc:Fallback>
   </mc:AlternateContent>
 </p:sld>
@@ -16857,12 +17376,16 @@
   <p:clrMapOvr>
     <a:masterClrMapping/>
   </p:clrMapOvr>
-  <mc:AlternateContent xmlns:mc="http://schemas.openxmlformats.org/markup-compatibility/2006" xmlns:p14="http://schemas.microsoft.com/office/powerpoint/2010/main">
-    <mc:Choice Requires="p14">
-      <p:transition p14:dur="0"/>
+  <mc:AlternateContent xmlns:mc="http://schemas.openxmlformats.org/markup-compatibility/2006">
+    <mc:Choice xmlns:p14="http://schemas.microsoft.com/office/powerpoint/2010/main" Requires="p14">
+      <p:transition p14:dur="300">
+        <p:fade/>
+      </p:transition>
     </mc:Choice>
-    <mc:Fallback xmlns="">
-      <p:transition/>
+    <mc:Fallback>
+      <p:transition>
+        <p:fade/>
+      </p:transition>
     </mc:Fallback>
   </mc:AlternateContent>
 </p:sld>
@@ -16961,12 +17484,16 @@
   <p:clrMapOvr>
     <a:masterClrMapping/>
   </p:clrMapOvr>
-  <mc:AlternateContent xmlns:mc="http://schemas.openxmlformats.org/markup-compatibility/2006" xmlns:p14="http://schemas.microsoft.com/office/powerpoint/2010/main">
-    <mc:Choice Requires="p14">
-      <p:transition p14:dur="0"/>
+  <mc:AlternateContent xmlns:mc="http://schemas.openxmlformats.org/markup-compatibility/2006">
+    <mc:Choice xmlns:p14="http://schemas.microsoft.com/office/powerpoint/2010/main" Requires="p14">
+      <p:transition p14:dur="300">
+        <p:fade/>
+      </p:transition>
     </mc:Choice>
-    <mc:Fallback xmlns="">
-      <p:transition/>
+    <mc:Fallback>
+      <p:transition>
+        <p:fade/>
+      </p:transition>
     </mc:Fallback>
   </mc:AlternateContent>
 </p:sld>
@@ -17073,12 +17600,16 @@
   <p:clrMapOvr>
     <a:masterClrMapping/>
   </p:clrMapOvr>
-  <mc:AlternateContent xmlns:mc="http://schemas.openxmlformats.org/markup-compatibility/2006" xmlns:p14="http://schemas.microsoft.com/office/powerpoint/2010/main">
-    <mc:Choice Requires="p14">
-      <p:transition p14:dur="0"/>
+  <mc:AlternateContent xmlns:mc="http://schemas.openxmlformats.org/markup-compatibility/2006">
+    <mc:Choice xmlns:p14="http://schemas.microsoft.com/office/powerpoint/2010/main" Requires="p14">
+      <p:transition p14:dur="300">
+        <p:fade/>
+      </p:transition>
     </mc:Choice>
-    <mc:Fallback xmlns="">
-      <p:transition/>
+    <mc:Fallback>
+      <p:transition>
+        <p:fade/>
+      </p:transition>
     </mc:Fallback>
   </mc:AlternateContent>
 </p:sld>
@@ -17177,12 +17708,16 @@
   <p:clrMapOvr>
     <a:masterClrMapping/>
   </p:clrMapOvr>
-  <mc:AlternateContent xmlns:mc="http://schemas.openxmlformats.org/markup-compatibility/2006" xmlns:p14="http://schemas.microsoft.com/office/powerpoint/2010/main">
-    <mc:Choice Requires="p14">
-      <p:transition p14:dur="0"/>
+  <mc:AlternateContent xmlns:mc="http://schemas.openxmlformats.org/markup-compatibility/2006">
+    <mc:Choice xmlns:p14="http://schemas.microsoft.com/office/powerpoint/2010/main" Requires="p14">
+      <p:transition p14:dur="300">
+        <p:fade/>
+      </p:transition>
     </mc:Choice>
-    <mc:Fallback xmlns="">
-      <p:transition/>
+    <mc:Fallback>
+      <p:transition>
+        <p:fade/>
+      </p:transition>
     </mc:Fallback>
   </mc:AlternateContent>
 </p:sld>
@@ -17289,12 +17824,16 @@
   <p:clrMapOvr>
     <a:masterClrMapping/>
   </p:clrMapOvr>
-  <mc:AlternateContent xmlns:mc="http://schemas.openxmlformats.org/markup-compatibility/2006" xmlns:p14="http://schemas.microsoft.com/office/powerpoint/2010/main">
-    <mc:Choice Requires="p14">
-      <p:transition p14:dur="0"/>
+  <mc:AlternateContent xmlns:mc="http://schemas.openxmlformats.org/markup-compatibility/2006">
+    <mc:Choice xmlns:p14="http://schemas.microsoft.com/office/powerpoint/2010/main" Requires="p14">
+      <p:transition p14:dur="300">
+        <p:fade/>
+      </p:transition>
     </mc:Choice>
-    <mc:Fallback xmlns="">
-      <p:transition/>
+    <mc:Fallback>
+      <p:transition>
+        <p:fade/>
+      </p:transition>
     </mc:Fallback>
   </mc:AlternateContent>
 </p:sld>
@@ -17409,12 +17948,16 @@
   <p:clrMapOvr>
     <a:masterClrMapping/>
   </p:clrMapOvr>
-  <mc:AlternateContent xmlns:mc="http://schemas.openxmlformats.org/markup-compatibility/2006" xmlns:p14="http://schemas.microsoft.com/office/powerpoint/2010/main">
-    <mc:Choice Requires="p14">
-      <p:transition p14:dur="0"/>
+  <mc:AlternateContent xmlns:mc="http://schemas.openxmlformats.org/markup-compatibility/2006">
+    <mc:Choice xmlns:p14="http://schemas.microsoft.com/office/powerpoint/2010/main" Requires="p14">
+      <p:transition p14:dur="300">
+        <p:fade/>
+      </p:transition>
     </mc:Choice>
-    <mc:Fallback xmlns="">
-      <p:transition/>
+    <mc:Fallback>
+      <p:transition>
+        <p:fade/>
+      </p:transition>
     </mc:Fallback>
   </mc:AlternateContent>
 </p:sld>
@@ -17513,12 +18056,16 @@
   <p:clrMapOvr>
     <a:masterClrMapping/>
   </p:clrMapOvr>
-  <mc:AlternateContent xmlns:mc="http://schemas.openxmlformats.org/markup-compatibility/2006" xmlns:p14="http://schemas.microsoft.com/office/powerpoint/2010/main">
-    <mc:Choice Requires="p14">
-      <p:transition p14:dur="0"/>
+  <mc:AlternateContent xmlns:mc="http://schemas.openxmlformats.org/markup-compatibility/2006">
+    <mc:Choice xmlns:p14="http://schemas.microsoft.com/office/powerpoint/2010/main" Requires="p14">
+      <p:transition p14:dur="300">
+        <p:fade/>
+      </p:transition>
     </mc:Choice>
-    <mc:Fallback xmlns="">
-      <p:transition/>
+    <mc:Fallback>
+      <p:transition>
+        <p:fade/>
+      </p:transition>
     </mc:Fallback>
   </mc:AlternateContent>
 </p:sld>
@@ -17622,12 +18169,16 @@
   <p:clrMapOvr>
     <a:masterClrMapping/>
   </p:clrMapOvr>
-  <mc:AlternateContent xmlns:mc="http://schemas.openxmlformats.org/markup-compatibility/2006" xmlns:p14="http://schemas.microsoft.com/office/powerpoint/2010/main">
-    <mc:Choice Requires="p14">
-      <p:transition p14:dur="0"/>
+  <mc:AlternateContent xmlns:mc="http://schemas.openxmlformats.org/markup-compatibility/2006">
+    <mc:Choice xmlns:p14="http://schemas.microsoft.com/office/powerpoint/2010/main" Requires="p14">
+      <p:transition p14:dur="300">
+        <p:fade/>
+      </p:transition>
     </mc:Choice>
-    <mc:Fallback xmlns="">
-      <p:transition/>
+    <mc:Fallback>
+      <p:transition>
+        <p:fade/>
+      </p:transition>
     </mc:Fallback>
   </mc:AlternateContent>
 </p:sld>
@@ -17742,12 +18293,16 @@
   <p:clrMapOvr>
     <a:masterClrMapping/>
   </p:clrMapOvr>
-  <mc:AlternateContent xmlns:mc="http://schemas.openxmlformats.org/markup-compatibility/2006" xmlns:p14="http://schemas.microsoft.com/office/powerpoint/2010/main">
-    <mc:Choice Requires="p14">
-      <p:transition p14:dur="0"/>
+  <mc:AlternateContent xmlns:mc="http://schemas.openxmlformats.org/markup-compatibility/2006">
+    <mc:Choice xmlns:p14="http://schemas.microsoft.com/office/powerpoint/2010/main" Requires="p14">
+      <p:transition p14:dur="300">
+        <p:fade/>
+      </p:transition>
     </mc:Choice>
-    <mc:Fallback xmlns="">
-      <p:transition/>
+    <mc:Fallback>
+      <p:transition>
+        <p:fade/>
+      </p:transition>
     </mc:Fallback>
   </mc:AlternateContent>
 </p:sld>
@@ -17846,12 +18401,16 @@
   <p:clrMapOvr>
     <a:masterClrMapping/>
   </p:clrMapOvr>
-  <mc:AlternateContent xmlns:mc="http://schemas.openxmlformats.org/markup-compatibility/2006" xmlns:p14="http://schemas.microsoft.com/office/powerpoint/2010/main">
-    <mc:Choice Requires="p14">
-      <p:transition p14:dur="0"/>
+  <mc:AlternateContent xmlns:mc="http://schemas.openxmlformats.org/markup-compatibility/2006">
+    <mc:Choice xmlns:p14="http://schemas.microsoft.com/office/powerpoint/2010/main" Requires="p14">
+      <p:transition p14:dur="300">
+        <p:fade/>
+      </p:transition>
     </mc:Choice>
-    <mc:Fallback xmlns="">
-      <p:transition/>
+    <mc:Fallback>
+      <p:transition>
+        <p:fade/>
+      </p:transition>
     </mc:Fallback>
   </mc:AlternateContent>
 </p:sld>
@@ -17958,12 +18517,16 @@
   <p:clrMapOvr>
     <a:masterClrMapping/>
   </p:clrMapOvr>
-  <mc:AlternateContent xmlns:mc="http://schemas.openxmlformats.org/markup-compatibility/2006" xmlns:p14="http://schemas.microsoft.com/office/powerpoint/2010/main">
-    <mc:Choice Requires="p14">
-      <p:transition p14:dur="0"/>
+  <mc:AlternateContent xmlns:mc="http://schemas.openxmlformats.org/markup-compatibility/2006">
+    <mc:Choice xmlns:p14="http://schemas.microsoft.com/office/powerpoint/2010/main" Requires="p14">
+      <p:transition p14:dur="300">
+        <p:fade/>
+      </p:transition>
     </mc:Choice>
-    <mc:Fallback xmlns="">
-      <p:transition/>
+    <mc:Fallback>
+      <p:transition>
+        <p:fade/>
+      </p:transition>
     </mc:Fallback>
   </mc:AlternateContent>
 </p:sld>
@@ -18062,12 +18625,16 @@
   <p:clrMapOvr>
     <a:masterClrMapping/>
   </p:clrMapOvr>
-  <mc:AlternateContent xmlns:mc="http://schemas.openxmlformats.org/markup-compatibility/2006" xmlns:p14="http://schemas.microsoft.com/office/powerpoint/2010/main">
-    <mc:Choice Requires="p14">
-      <p:transition p14:dur="0"/>
+  <mc:AlternateContent xmlns:mc="http://schemas.openxmlformats.org/markup-compatibility/2006">
+    <mc:Choice xmlns:p14="http://schemas.microsoft.com/office/powerpoint/2010/main" Requires="p14">
+      <p:transition p14:dur="300">
+        <p:fade/>
+      </p:transition>
     </mc:Choice>
-    <mc:Fallback xmlns="">
-      <p:transition/>
+    <mc:Fallback>
+      <p:transition>
+        <p:fade/>
+      </p:transition>
     </mc:Fallback>
   </mc:AlternateContent>
 </p:sld>
@@ -18170,12 +18737,16 @@
   <p:clrMapOvr>
     <a:masterClrMapping/>
   </p:clrMapOvr>
-  <mc:AlternateContent xmlns:mc="http://schemas.openxmlformats.org/markup-compatibility/2006" xmlns:p14="http://schemas.microsoft.com/office/powerpoint/2010/main">
-    <mc:Choice Requires="p14">
-      <p:transition p14:dur="0"/>
+  <mc:AlternateContent xmlns:mc="http://schemas.openxmlformats.org/markup-compatibility/2006">
+    <mc:Choice xmlns:p14="http://schemas.microsoft.com/office/powerpoint/2010/main" Requires="p14">
+      <p:transition p14:dur="300">
+        <p:fade/>
+      </p:transition>
     </mc:Choice>
-    <mc:Fallback xmlns="">
-      <p:transition/>
+    <mc:Fallback>
+      <p:transition>
+        <p:fade/>
+      </p:transition>
     </mc:Fallback>
   </mc:AlternateContent>
 </p:sld>
@@ -18274,12 +18845,16 @@
   <p:clrMapOvr>
     <a:masterClrMapping/>
   </p:clrMapOvr>
-  <mc:AlternateContent xmlns:mc="http://schemas.openxmlformats.org/markup-compatibility/2006" xmlns:p14="http://schemas.microsoft.com/office/powerpoint/2010/main">
-    <mc:Choice Requires="p14">
-      <p:transition p14:dur="0"/>
+  <mc:AlternateContent xmlns:mc="http://schemas.openxmlformats.org/markup-compatibility/2006">
+    <mc:Choice xmlns:p14="http://schemas.microsoft.com/office/powerpoint/2010/main" Requires="p14">
+      <p:transition p14:dur="300">
+        <p:fade/>
+      </p:transition>
     </mc:Choice>
-    <mc:Fallback xmlns="">
-      <p:transition/>
+    <mc:Fallback>
+      <p:transition>
+        <p:fade/>
+      </p:transition>
     </mc:Fallback>
   </mc:AlternateContent>
 </p:sld>
@@ -18378,12 +18953,16 @@
   <p:clrMapOvr>
     <a:masterClrMapping/>
   </p:clrMapOvr>
-  <mc:AlternateContent xmlns:mc="http://schemas.openxmlformats.org/markup-compatibility/2006" xmlns:p14="http://schemas.microsoft.com/office/powerpoint/2010/main">
-    <mc:Choice Requires="p14">
-      <p:transition p14:dur="0"/>
+  <mc:AlternateContent xmlns:mc="http://schemas.openxmlformats.org/markup-compatibility/2006">
+    <mc:Choice xmlns:p14="http://schemas.microsoft.com/office/powerpoint/2010/main" Requires="p14">
+      <p:transition p14:dur="300">
+        <p:fade/>
+      </p:transition>
     </mc:Choice>
-    <mc:Fallback xmlns="">
-      <p:transition/>
+    <mc:Fallback>
+      <p:transition>
+        <p:fade/>
+      </p:transition>
     </mc:Fallback>
   </mc:AlternateContent>
 </p:sld>
@@ -18482,12 +19061,16 @@
   <p:clrMapOvr>
     <a:masterClrMapping/>
   </p:clrMapOvr>
-  <mc:AlternateContent xmlns:mc="http://schemas.openxmlformats.org/markup-compatibility/2006" xmlns:p14="http://schemas.microsoft.com/office/powerpoint/2010/main">
-    <mc:Choice Requires="p14">
-      <p:transition p14:dur="0"/>
+  <mc:AlternateContent xmlns:mc="http://schemas.openxmlformats.org/markup-compatibility/2006">
+    <mc:Choice xmlns:p14="http://schemas.microsoft.com/office/powerpoint/2010/main" Requires="p14">
+      <p:transition p14:dur="300">
+        <p:fade/>
+      </p:transition>
     </mc:Choice>
-    <mc:Fallback xmlns="">
-      <p:transition/>
+    <mc:Fallback>
+      <p:transition>
+        <p:fade/>
+      </p:transition>
     </mc:Fallback>
   </mc:AlternateContent>
 </p:sld>
@@ -18586,12 +19169,16 @@
   <p:clrMapOvr>
     <a:masterClrMapping/>
   </p:clrMapOvr>
-  <mc:AlternateContent xmlns:mc="http://schemas.openxmlformats.org/markup-compatibility/2006" xmlns:p14="http://schemas.microsoft.com/office/powerpoint/2010/main">
-    <mc:Choice Requires="p14">
-      <p:transition p14:dur="0"/>
+  <mc:AlternateContent xmlns:mc="http://schemas.openxmlformats.org/markup-compatibility/2006">
+    <mc:Choice xmlns:p14="http://schemas.microsoft.com/office/powerpoint/2010/main" Requires="p14">
+      <p:transition p14:dur="300">
+        <p:fade/>
+      </p:transition>
     </mc:Choice>
-    <mc:Fallback xmlns="">
-      <p:transition/>
+    <mc:Fallback>
+      <p:transition>
+        <p:fade/>
+      </p:transition>
     </mc:Fallback>
   </mc:AlternateContent>
 </p:sld>
@@ -18695,12 +19282,16 @@
   <p:clrMapOvr>
     <a:masterClrMapping/>
   </p:clrMapOvr>
-  <mc:AlternateContent xmlns:mc="http://schemas.openxmlformats.org/markup-compatibility/2006" xmlns:p14="http://schemas.microsoft.com/office/powerpoint/2010/main">
-    <mc:Choice Requires="p14">
-      <p:transition p14:dur="0"/>
+  <mc:AlternateContent xmlns:mc="http://schemas.openxmlformats.org/markup-compatibility/2006">
+    <mc:Choice xmlns:p14="http://schemas.microsoft.com/office/powerpoint/2010/main" Requires="p14">
+      <p:transition p14:dur="300">
+        <p:fade/>
+      </p:transition>
     </mc:Choice>
-    <mc:Fallback xmlns="">
-      <p:transition/>
+    <mc:Fallback>
+      <p:transition>
+        <p:fade/>
+      </p:transition>
     </mc:Fallback>
   </mc:AlternateContent>
 </p:sld>
@@ -18800,7 +19391,7 @@
           <a:p>
             <a:r>
               <a:rPr lang="en-US" dirty="0"/>
-              <a:t>For You hast decreed Your worship for Your servants</a:t>
+              <a:t>For You have decreed Your worship for Your servants</a:t>
             </a:r>
           </a:p>
         </p:txBody>
@@ -18815,12 +19406,16 @@
   <p:clrMapOvr>
     <a:masterClrMapping/>
   </p:clrMapOvr>
-  <mc:AlternateContent xmlns:mc="http://schemas.openxmlformats.org/markup-compatibility/2006" xmlns:p14="http://schemas.microsoft.com/office/powerpoint/2010/main">
-    <mc:Choice Requires="p14">
-      <p:transition p14:dur="0"/>
+  <mc:AlternateContent xmlns:mc="http://schemas.openxmlformats.org/markup-compatibility/2006">
+    <mc:Choice xmlns:p14="http://schemas.microsoft.com/office/powerpoint/2010/main" Requires="p14">
+      <p:transition p14:dur="300">
+        <p:fade/>
+      </p:transition>
     </mc:Choice>
-    <mc:Fallback xmlns="">
-      <p:transition/>
+    <mc:Fallback>
+      <p:transition>
+        <p:fade/>
+      </p:transition>
     </mc:Fallback>
   </mc:AlternateContent>
 </p:sld>
@@ -18919,12 +19514,16 @@
   <p:clrMapOvr>
     <a:masterClrMapping/>
   </p:clrMapOvr>
-  <mc:AlternateContent xmlns:mc="http://schemas.openxmlformats.org/markup-compatibility/2006" xmlns:p14="http://schemas.microsoft.com/office/powerpoint/2010/main">
-    <mc:Choice Requires="p14">
-      <p:transition p14:dur="0"/>
+  <mc:AlternateContent xmlns:mc="http://schemas.openxmlformats.org/markup-compatibility/2006">
+    <mc:Choice xmlns:p14="http://schemas.microsoft.com/office/powerpoint/2010/main" Requires="p14">
+      <p:transition p14:dur="300">
+        <p:fade/>
+      </p:transition>
     </mc:Choice>
-    <mc:Fallback xmlns="">
-      <p:transition/>
+    <mc:Fallback>
+      <p:transition>
+        <p:fade/>
+      </p:transition>
     </mc:Fallback>
   </mc:AlternateContent>
 </p:sld>
@@ -19023,12 +19622,16 @@
   <p:clrMapOvr>
     <a:masterClrMapping/>
   </p:clrMapOvr>
-  <mc:AlternateContent xmlns:mc="http://schemas.openxmlformats.org/markup-compatibility/2006" xmlns:p14="http://schemas.microsoft.com/office/powerpoint/2010/main">
-    <mc:Choice Requires="p14">
-      <p:transition p14:dur="0"/>
+  <mc:AlternateContent xmlns:mc="http://schemas.openxmlformats.org/markup-compatibility/2006">
+    <mc:Choice xmlns:p14="http://schemas.microsoft.com/office/powerpoint/2010/main" Requires="p14">
+      <p:transition p14:dur="300">
+        <p:fade/>
+      </p:transition>
     </mc:Choice>
-    <mc:Fallback xmlns="">
-      <p:transition/>
+    <mc:Fallback>
+      <p:transition>
+        <p:fade/>
+      </p:transition>
     </mc:Fallback>
   </mc:AlternateContent>
 </p:sld>
@@ -19135,12 +19738,16 @@
   <p:clrMapOvr>
     <a:masterClrMapping/>
   </p:clrMapOvr>
-  <mc:AlternateContent xmlns:mc="http://schemas.openxmlformats.org/markup-compatibility/2006" xmlns:p14="http://schemas.microsoft.com/office/powerpoint/2010/main">
-    <mc:Choice Requires="p14">
-      <p:transition p14:dur="0"/>
+  <mc:AlternateContent xmlns:mc="http://schemas.openxmlformats.org/markup-compatibility/2006">
+    <mc:Choice xmlns:p14="http://schemas.microsoft.com/office/powerpoint/2010/main" Requires="p14">
+      <p:transition p14:dur="300">
+        <p:fade/>
+      </p:transition>
     </mc:Choice>
-    <mc:Fallback xmlns="">
-      <p:transition/>
+    <mc:Fallback>
+      <p:transition>
+        <p:fade/>
+      </p:transition>
     </mc:Fallback>
   </mc:AlternateContent>
 </p:sld>
@@ -19251,12 +19858,16 @@
   <p:clrMapOvr>
     <a:masterClrMapping/>
   </p:clrMapOvr>
-  <mc:AlternateContent xmlns:mc="http://schemas.openxmlformats.org/markup-compatibility/2006" xmlns:p14="http://schemas.microsoft.com/office/powerpoint/2010/main">
-    <mc:Choice Requires="p14">
-      <p:transition p14:dur="0"/>
+  <mc:AlternateContent xmlns:mc="http://schemas.openxmlformats.org/markup-compatibility/2006">
+    <mc:Choice xmlns:p14="http://schemas.microsoft.com/office/powerpoint/2010/main" Requires="p14">
+      <p:transition p14:dur="300">
+        <p:fade/>
+      </p:transition>
     </mc:Choice>
-    <mc:Fallback xmlns="">
-      <p:transition/>
+    <mc:Fallback>
+      <p:transition>
+        <p:fade/>
+      </p:transition>
     </mc:Fallback>
   </mc:AlternateContent>
 </p:sld>
@@ -19372,12 +19983,16 @@
   <p:clrMapOvr>
     <a:masterClrMapping/>
   </p:clrMapOvr>
-  <mc:AlternateContent xmlns:mc="http://schemas.openxmlformats.org/markup-compatibility/2006" xmlns:p14="http://schemas.microsoft.com/office/powerpoint/2010/main">
-    <mc:Choice Requires="p14">
-      <p:transition p14:dur="0"/>
+  <mc:AlternateContent xmlns:mc="http://schemas.openxmlformats.org/markup-compatibility/2006">
+    <mc:Choice xmlns:p14="http://schemas.microsoft.com/office/powerpoint/2010/main" Requires="p14">
+      <p:transition p14:dur="300">
+        <p:fade/>
+      </p:transition>
     </mc:Choice>
-    <mc:Fallback xmlns="">
-      <p:transition/>
+    <mc:Fallback>
+      <p:transition>
+        <p:fade/>
+      </p:transition>
     </mc:Fallback>
   </mc:AlternateContent>
 </p:sld>
@@ -19484,12 +20099,16 @@
   <p:clrMapOvr>
     <a:masterClrMapping/>
   </p:clrMapOvr>
-  <mc:AlternateContent xmlns:mc="http://schemas.openxmlformats.org/markup-compatibility/2006" xmlns:p14="http://schemas.microsoft.com/office/powerpoint/2010/main">
-    <mc:Choice Requires="p14">
-      <p:transition p14:dur="0"/>
+  <mc:AlternateContent xmlns:mc="http://schemas.openxmlformats.org/markup-compatibility/2006">
+    <mc:Choice xmlns:p14="http://schemas.microsoft.com/office/powerpoint/2010/main" Requires="p14">
+      <p:transition p14:dur="300">
+        <p:fade/>
+      </p:transition>
     </mc:Choice>
-    <mc:Fallback xmlns="">
-      <p:transition/>
+    <mc:Fallback>
+      <p:transition>
+        <p:fade/>
+      </p:transition>
     </mc:Fallback>
   </mc:AlternateContent>
 </p:sld>
@@ -19588,12 +20207,16 @@
   <p:clrMapOvr>
     <a:masterClrMapping/>
   </p:clrMapOvr>
-  <mc:AlternateContent xmlns:mc="http://schemas.openxmlformats.org/markup-compatibility/2006" xmlns:p14="http://schemas.microsoft.com/office/powerpoint/2010/main">
-    <mc:Choice Requires="p14">
-      <p:transition p14:dur="0"/>
+  <mc:AlternateContent xmlns:mc="http://schemas.openxmlformats.org/markup-compatibility/2006">
+    <mc:Choice xmlns:p14="http://schemas.microsoft.com/office/powerpoint/2010/main" Requires="p14">
+      <p:transition p14:dur="300">
+        <p:fade/>
+      </p:transition>
     </mc:Choice>
-    <mc:Fallback xmlns="">
-      <p:transition/>
+    <mc:Fallback>
+      <p:transition>
+        <p:fade/>
+      </p:transition>
     </mc:Fallback>
   </mc:AlternateContent>
 </p:sld>
@@ -19677,13 +20300,8 @@
           <a:p>
             <a:r>
               <a:rPr lang="en-US" dirty="0"/>
-              <a:t>Do not severe my hoping for Your </a:t>
-            </a:r>
-            <a:r>
-              <a:rPr lang="en-US" dirty="0" err="1"/>
-              <a:t>Favours</a:t>
-            </a:r>
-            <a:endParaRPr lang="en-US" dirty="0"/>
+              <a:t>Do not severe my hoping for Your favors</a:t>
+            </a:r>
           </a:p>
         </p:txBody>
       </p:sp>
@@ -19697,12 +20315,16 @@
   <p:clrMapOvr>
     <a:masterClrMapping/>
   </p:clrMapOvr>
-  <mc:AlternateContent xmlns:mc="http://schemas.openxmlformats.org/markup-compatibility/2006" xmlns:p14="http://schemas.microsoft.com/office/powerpoint/2010/main">
-    <mc:Choice Requires="p14">
-      <p:transition p14:dur="0"/>
+  <mc:AlternateContent xmlns:mc="http://schemas.openxmlformats.org/markup-compatibility/2006">
+    <mc:Choice xmlns:p14="http://schemas.microsoft.com/office/powerpoint/2010/main" Requires="p14">
+      <p:transition p14:dur="300">
+        <p:fade/>
+      </p:transition>
     </mc:Choice>
-    <mc:Fallback xmlns="">
-      <p:transition/>
+    <mc:Fallback>
+      <p:transition>
+        <p:fade/>
+      </p:transition>
     </mc:Fallback>
   </mc:AlternateContent>
 </p:sld>
@@ -19809,12 +20431,16 @@
   <p:clrMapOvr>
     <a:masterClrMapping/>
   </p:clrMapOvr>
-  <mc:AlternateContent xmlns:mc="http://schemas.openxmlformats.org/markup-compatibility/2006" xmlns:p14="http://schemas.microsoft.com/office/powerpoint/2010/main">
-    <mc:Choice Requires="p14">
-      <p:transition p14:dur="0"/>
+  <mc:AlternateContent xmlns:mc="http://schemas.openxmlformats.org/markup-compatibility/2006">
+    <mc:Choice xmlns:p14="http://schemas.microsoft.com/office/powerpoint/2010/main" Requires="p14">
+      <p:transition p14:dur="300">
+        <p:fade/>
+      </p:transition>
     </mc:Choice>
-    <mc:Fallback xmlns="">
-      <p:transition/>
+    <mc:Fallback>
+      <p:transition>
+        <p:fade/>
+      </p:transition>
     </mc:Fallback>
   </mc:AlternateContent>
 </p:sld>
@@ -19925,12 +20551,16 @@
   <p:clrMapOvr>
     <a:masterClrMapping/>
   </p:clrMapOvr>
-  <mc:AlternateContent xmlns:mc="http://schemas.openxmlformats.org/markup-compatibility/2006" xmlns:p14="http://schemas.microsoft.com/office/powerpoint/2010/main">
-    <mc:Choice Requires="p14">
-      <p:transition p14:dur="0"/>
+  <mc:AlternateContent xmlns:mc="http://schemas.openxmlformats.org/markup-compatibility/2006">
+    <mc:Choice xmlns:p14="http://schemas.microsoft.com/office/powerpoint/2010/main" Requires="p14">
+      <p:transition p14:dur="300">
+        <p:fade/>
+      </p:transition>
     </mc:Choice>
-    <mc:Fallback xmlns="">
-      <p:transition/>
+    <mc:Fallback>
+      <p:transition>
+        <p:fade/>
+      </p:transition>
     </mc:Fallback>
   </mc:AlternateContent>
 </p:sld>
@@ -20037,12 +20667,16 @@
   <p:clrMapOvr>
     <a:masterClrMapping/>
   </p:clrMapOvr>
-  <mc:AlternateContent xmlns:mc="http://schemas.openxmlformats.org/markup-compatibility/2006" xmlns:p14="http://schemas.microsoft.com/office/powerpoint/2010/main">
-    <mc:Choice Requires="p14">
-      <p:transition p14:dur="0"/>
+  <mc:AlternateContent xmlns:mc="http://schemas.openxmlformats.org/markup-compatibility/2006">
+    <mc:Choice xmlns:p14="http://schemas.microsoft.com/office/powerpoint/2010/main" Requires="p14">
+      <p:transition p14:dur="300">
+        <p:fade/>
+      </p:transition>
     </mc:Choice>
-    <mc:Fallback xmlns="">
-      <p:transition/>
+    <mc:Fallback>
+      <p:transition>
+        <p:fade/>
+      </p:transition>
     </mc:Fallback>
   </mc:AlternateContent>
 </p:sld>
@@ -20141,12 +20775,16 @@
   <p:clrMapOvr>
     <a:masterClrMapping/>
   </p:clrMapOvr>
-  <mc:AlternateContent xmlns:mc="http://schemas.openxmlformats.org/markup-compatibility/2006" xmlns:p14="http://schemas.microsoft.com/office/powerpoint/2010/main">
-    <mc:Choice Requires="p14">
-      <p:transition p14:dur="0"/>
+  <mc:AlternateContent xmlns:mc="http://schemas.openxmlformats.org/markup-compatibility/2006">
+    <mc:Choice xmlns:p14="http://schemas.microsoft.com/office/powerpoint/2010/main" Requires="p14">
+      <p:transition p14:dur="300">
+        <p:fade/>
+      </p:transition>
     </mc:Choice>
-    <mc:Fallback xmlns="">
-      <p:transition/>
+    <mc:Fallback>
+      <p:transition>
+        <p:fade/>
+      </p:transition>
     </mc:Fallback>
   </mc:AlternateContent>
 </p:sld>
@@ -20249,12 +20887,16 @@
   <p:clrMapOvr>
     <a:masterClrMapping/>
   </p:clrMapOvr>
-  <mc:AlternateContent xmlns:mc="http://schemas.openxmlformats.org/markup-compatibility/2006" xmlns:p14="http://schemas.microsoft.com/office/powerpoint/2010/main">
-    <mc:Choice Requires="p14">
-      <p:transition p14:dur="0"/>
+  <mc:AlternateContent xmlns:mc="http://schemas.openxmlformats.org/markup-compatibility/2006">
+    <mc:Choice xmlns:p14="http://schemas.microsoft.com/office/powerpoint/2010/main" Requires="p14">
+      <p:transition p14:dur="300">
+        <p:fade/>
+      </p:transition>
     </mc:Choice>
-    <mc:Fallback xmlns="">
-      <p:transition/>
+    <mc:Fallback>
+      <p:transition>
+        <p:fade/>
+      </p:transition>
     </mc:Fallback>
   </mc:AlternateContent>
 </p:sld>
@@ -20361,12 +21003,16 @@
   <p:clrMapOvr>
     <a:masterClrMapping/>
   </p:clrMapOvr>
-  <mc:AlternateContent xmlns:mc="http://schemas.openxmlformats.org/markup-compatibility/2006" xmlns:p14="http://schemas.microsoft.com/office/powerpoint/2010/main">
-    <mc:Choice Requires="p14">
-      <p:transition p14:dur="0"/>
+  <mc:AlternateContent xmlns:mc="http://schemas.openxmlformats.org/markup-compatibility/2006">
+    <mc:Choice xmlns:p14="http://schemas.microsoft.com/office/powerpoint/2010/main" Requires="p14">
+      <p:transition p14:dur="300">
+        <p:fade/>
+      </p:transition>
     </mc:Choice>
-    <mc:Fallback xmlns="">
-      <p:transition/>
+    <mc:Fallback>
+      <p:transition>
+        <p:fade/>
+      </p:transition>
     </mc:Fallback>
   </mc:AlternateContent>
 </p:sld>
@@ -20465,12 +21111,16 @@
   <p:clrMapOvr>
     <a:masterClrMapping/>
   </p:clrMapOvr>
-  <mc:AlternateContent xmlns:mc="http://schemas.openxmlformats.org/markup-compatibility/2006" xmlns:p14="http://schemas.microsoft.com/office/powerpoint/2010/main">
-    <mc:Choice Requires="p14">
-      <p:transition p14:dur="0"/>
+  <mc:AlternateContent xmlns:mc="http://schemas.openxmlformats.org/markup-compatibility/2006">
+    <mc:Choice xmlns:p14="http://schemas.microsoft.com/office/powerpoint/2010/main" Requires="p14">
+      <p:transition p14:dur="300">
+        <p:fade/>
+      </p:transition>
     </mc:Choice>
-    <mc:Fallback xmlns="">
-      <p:transition/>
+    <mc:Fallback>
+      <p:transition>
+        <p:fade/>
+      </p:transition>
     </mc:Fallback>
   </mc:AlternateContent>
 </p:sld>
@@ -20574,12 +21224,16 @@
   <p:clrMapOvr>
     <a:masterClrMapping/>
   </p:clrMapOvr>
-  <mc:AlternateContent xmlns:mc="http://schemas.openxmlformats.org/markup-compatibility/2006" xmlns:p14="http://schemas.microsoft.com/office/powerpoint/2010/main">
-    <mc:Choice Requires="p14">
-      <p:transition p14:dur="0"/>
+  <mc:AlternateContent xmlns:mc="http://schemas.openxmlformats.org/markup-compatibility/2006">
+    <mc:Choice xmlns:p14="http://schemas.microsoft.com/office/powerpoint/2010/main" Requires="p14">
+      <p:transition p14:dur="300">
+        <p:fade/>
+      </p:transition>
     </mc:Choice>
-    <mc:Fallback xmlns="">
-      <p:transition/>
+    <mc:Fallback>
+      <p:transition>
+        <p:fade/>
+      </p:transition>
     </mc:Fallback>
   </mc:AlternateContent>
 </p:sld>
@@ -20678,12 +21332,16 @@
   <p:clrMapOvr>
     <a:masterClrMapping/>
   </p:clrMapOvr>
-  <mc:AlternateContent xmlns:mc="http://schemas.openxmlformats.org/markup-compatibility/2006" xmlns:p14="http://schemas.microsoft.com/office/powerpoint/2010/main">
-    <mc:Choice Requires="p14">
-      <p:transition p14:dur="0"/>
+  <mc:AlternateContent xmlns:mc="http://schemas.openxmlformats.org/markup-compatibility/2006">
+    <mc:Choice xmlns:p14="http://schemas.microsoft.com/office/powerpoint/2010/main" Requires="p14">
+      <p:transition p14:dur="300">
+        <p:fade/>
+      </p:transition>
     </mc:Choice>
-    <mc:Fallback xmlns="">
-      <p:transition/>
+    <mc:Fallback>
+      <p:transition>
+        <p:fade/>
+      </p:transition>
     </mc:Fallback>
   </mc:AlternateContent>
 </p:sld>
@@ -20782,12 +21440,16 @@
   <p:clrMapOvr>
     <a:masterClrMapping/>
   </p:clrMapOvr>
-  <mc:AlternateContent xmlns:mc="http://schemas.openxmlformats.org/markup-compatibility/2006" xmlns:p14="http://schemas.microsoft.com/office/powerpoint/2010/main">
-    <mc:Choice Requires="p14">
-      <p:transition p14:dur="0"/>
+  <mc:AlternateContent xmlns:mc="http://schemas.openxmlformats.org/markup-compatibility/2006">
+    <mc:Choice xmlns:p14="http://schemas.microsoft.com/office/powerpoint/2010/main" Requires="p14">
+      <p:transition p14:dur="300">
+        <p:fade/>
+      </p:transition>
     </mc:Choice>
-    <mc:Fallback xmlns="">
-      <p:transition/>
+    <mc:Fallback>
+      <p:transition>
+        <p:fade/>
+      </p:transition>
     </mc:Fallback>
   </mc:AlternateContent>
 </p:sld>
@@ -20890,12 +21552,16 @@
   <p:clrMapOvr>
     <a:masterClrMapping/>
   </p:clrMapOvr>
-  <mc:AlternateContent xmlns:mc="http://schemas.openxmlformats.org/markup-compatibility/2006" xmlns:p14="http://schemas.microsoft.com/office/powerpoint/2010/main">
-    <mc:Choice Requires="p14">
-      <p:transition p14:dur="0"/>
+  <mc:AlternateContent xmlns:mc="http://schemas.openxmlformats.org/markup-compatibility/2006">
+    <mc:Choice xmlns:p14="http://schemas.microsoft.com/office/powerpoint/2010/main" Requires="p14">
+      <p:transition p14:dur="300">
+        <p:fade/>
+      </p:transition>
     </mc:Choice>
-    <mc:Fallback xmlns="">
-      <p:transition/>
+    <mc:Fallback>
+      <p:transition>
+        <p:fade/>
+      </p:transition>
     </mc:Fallback>
   </mc:AlternateContent>
 </p:sld>
@@ -20998,12 +21664,16 @@
   <p:clrMapOvr>
     <a:masterClrMapping/>
   </p:clrMapOvr>
-  <mc:AlternateContent xmlns:mc="http://schemas.openxmlformats.org/markup-compatibility/2006" xmlns:p14="http://schemas.microsoft.com/office/powerpoint/2010/main">
-    <mc:Choice Requires="p14">
-      <p:transition p14:dur="0"/>
+  <mc:AlternateContent xmlns:mc="http://schemas.openxmlformats.org/markup-compatibility/2006">
+    <mc:Choice xmlns:p14="http://schemas.microsoft.com/office/powerpoint/2010/main" Requires="p14">
+      <p:transition p14:dur="300">
+        <p:fade/>
+      </p:transition>
     </mc:Choice>
-    <mc:Fallback xmlns="">
-      <p:transition/>
+    <mc:Fallback>
+      <p:transition>
+        <p:fade/>
+      </p:transition>
     </mc:Fallback>
   </mc:AlternateContent>
 </p:sld>
@@ -21122,12 +21792,16 @@
   <p:clrMapOvr>
     <a:masterClrMapping/>
   </p:clrMapOvr>
-  <mc:AlternateContent xmlns:mc="http://schemas.openxmlformats.org/markup-compatibility/2006" xmlns:p14="http://schemas.microsoft.com/office/powerpoint/2010/main">
-    <mc:Choice Requires="p14">
-      <p:transition p14:dur="0"/>
+  <mc:AlternateContent xmlns:mc="http://schemas.openxmlformats.org/markup-compatibility/2006">
+    <mc:Choice xmlns:p14="http://schemas.microsoft.com/office/powerpoint/2010/main" Requires="p14">
+      <p:transition p14:dur="300">
+        <p:fade/>
+      </p:transition>
     </mc:Choice>
-    <mc:Fallback xmlns="">
-      <p:transition/>
+    <mc:Fallback>
+      <p:transition>
+        <p:fade/>
+      </p:transition>
     </mc:Fallback>
   </mc:AlternateContent>
 </p:sld>
@@ -21235,12 +21909,16 @@
   <p:clrMapOvr>
     <a:masterClrMapping/>
   </p:clrMapOvr>
-  <mc:AlternateContent xmlns:mc="http://schemas.openxmlformats.org/markup-compatibility/2006" xmlns:p14="http://schemas.microsoft.com/office/powerpoint/2010/main">
-    <mc:Choice Requires="p14">
-      <p:transition p14:dur="0"/>
+  <mc:AlternateContent xmlns:mc="http://schemas.openxmlformats.org/markup-compatibility/2006">
+    <mc:Choice xmlns:p14="http://schemas.microsoft.com/office/powerpoint/2010/main" Requires="p14">
+      <p:transition p14:dur="300">
+        <p:fade/>
+      </p:transition>
     </mc:Choice>
-    <mc:Fallback xmlns="">
-      <p:transition/>
+    <mc:Fallback>
+      <p:transition>
+        <p:fade/>
+      </p:transition>
     </mc:Fallback>
   </mc:AlternateContent>
 </p:sld>
@@ -21347,12 +22025,16 @@
   <p:clrMapOvr>
     <a:masterClrMapping/>
   </p:clrMapOvr>
-  <mc:AlternateContent xmlns:mc="http://schemas.openxmlformats.org/markup-compatibility/2006" xmlns:p14="http://schemas.microsoft.com/office/powerpoint/2010/main">
-    <mc:Choice Requires="p14">
-      <p:transition p14:dur="0"/>
+  <mc:AlternateContent xmlns:mc="http://schemas.openxmlformats.org/markup-compatibility/2006">
+    <mc:Choice xmlns:p14="http://schemas.microsoft.com/office/powerpoint/2010/main" Requires="p14">
+      <p:transition p14:dur="300">
+        <p:fade/>
+      </p:transition>
     </mc:Choice>
-    <mc:Fallback xmlns="">
-      <p:transition/>
+    <mc:Fallback>
+      <p:transition>
+        <p:fade/>
+      </p:transition>
     </mc:Fallback>
   </mc:AlternateContent>
 </p:sld>
@@ -21451,12 +22133,16 @@
   <p:clrMapOvr>
     <a:masterClrMapping/>
   </p:clrMapOvr>
-  <mc:AlternateContent xmlns:mc="http://schemas.openxmlformats.org/markup-compatibility/2006" xmlns:p14="http://schemas.microsoft.com/office/powerpoint/2010/main">
-    <mc:Choice Requires="p14">
-      <p:transition p14:dur="0"/>
+  <mc:AlternateContent xmlns:mc="http://schemas.openxmlformats.org/markup-compatibility/2006">
+    <mc:Choice xmlns:p14="http://schemas.microsoft.com/office/powerpoint/2010/main" Requires="p14">
+      <p:transition p14:dur="300">
+        <p:fade/>
+      </p:transition>
     </mc:Choice>
-    <mc:Fallback xmlns="">
-      <p:transition/>
+    <mc:Fallback>
+      <p:transition>
+        <p:fade/>
+      </p:transition>
     </mc:Fallback>
   </mc:AlternateContent>
 </p:sld>
@@ -21563,12 +22249,16 @@
   <p:clrMapOvr>
     <a:masterClrMapping/>
   </p:clrMapOvr>
-  <mc:AlternateContent xmlns:mc="http://schemas.openxmlformats.org/markup-compatibility/2006" xmlns:p14="http://schemas.microsoft.com/office/powerpoint/2010/main">
-    <mc:Choice Requires="p14">
-      <p:transition p14:dur="0"/>
+  <mc:AlternateContent xmlns:mc="http://schemas.openxmlformats.org/markup-compatibility/2006">
+    <mc:Choice xmlns:p14="http://schemas.microsoft.com/office/powerpoint/2010/main" Requires="p14">
+      <p:transition p14:dur="300">
+        <p:fade/>
+      </p:transition>
     </mc:Choice>
-    <mc:Fallback xmlns="">
-      <p:transition/>
+    <mc:Fallback>
+      <p:transition>
+        <p:fade/>
+      </p:transition>
     </mc:Fallback>
   </mc:AlternateContent>
 </p:sld>
@@ -21692,12 +22382,16 @@
   <p:clrMapOvr>
     <a:masterClrMapping/>
   </p:clrMapOvr>
-  <mc:AlternateContent xmlns:mc="http://schemas.openxmlformats.org/markup-compatibility/2006" xmlns:p14="http://schemas.microsoft.com/office/powerpoint/2010/main">
-    <mc:Choice Requires="p14">
-      <p:transition p14:dur="0"/>
+  <mc:AlternateContent xmlns:mc="http://schemas.openxmlformats.org/markup-compatibility/2006">
+    <mc:Choice xmlns:p14="http://schemas.microsoft.com/office/powerpoint/2010/main" Requires="p14">
+      <p:transition p14:dur="300">
+        <p:fade/>
+      </p:transition>
     </mc:Choice>
-    <mc:Fallback xmlns="">
-      <p:transition/>
+    <mc:Fallback>
+      <p:transition>
+        <p:fade/>
+      </p:transition>
     </mc:Fallback>
   </mc:AlternateContent>
 </p:sld>
@@ -21801,12 +22495,16 @@
   <p:clrMapOvr>
     <a:masterClrMapping/>
   </p:clrMapOvr>
-  <mc:AlternateContent xmlns:mc="http://schemas.openxmlformats.org/markup-compatibility/2006" xmlns:p14="http://schemas.microsoft.com/office/powerpoint/2010/main">
-    <mc:Choice Requires="p14">
-      <p:transition p14:dur="0"/>
+  <mc:AlternateContent xmlns:mc="http://schemas.openxmlformats.org/markup-compatibility/2006">
+    <mc:Choice xmlns:p14="http://schemas.microsoft.com/office/powerpoint/2010/main" Requires="p14">
+      <p:transition p14:dur="300">
+        <p:fade/>
+      </p:transition>
     </mc:Choice>
-    <mc:Fallback xmlns="">
-      <p:transition/>
+    <mc:Fallback>
+      <p:transition>
+        <p:fade/>
+      </p:transition>
     </mc:Fallback>
   </mc:AlternateContent>
 </p:sld>
@@ -21916,12 +22614,16 @@
   <p:clrMapOvr>
     <a:masterClrMapping/>
   </p:clrMapOvr>
-  <mc:AlternateContent xmlns:mc="http://schemas.openxmlformats.org/markup-compatibility/2006" xmlns:p14="http://schemas.microsoft.com/office/powerpoint/2010/main">
-    <mc:Choice Requires="p14">
-      <p:transition p14:dur="0"/>
+  <mc:AlternateContent xmlns:mc="http://schemas.openxmlformats.org/markup-compatibility/2006">
+    <mc:Choice xmlns:p14="http://schemas.microsoft.com/office/powerpoint/2010/main" Requires="p14">
+      <p:transition p14:dur="300">
+        <p:fade/>
+      </p:transition>
     </mc:Choice>
-    <mc:Fallback xmlns="">
-      <p:transition/>
+    <mc:Fallback>
+      <p:transition>
+        <p:fade/>
+      </p:transition>
     </mc:Fallback>
   </mc:AlternateContent>
 </p:sld>
@@ -22022,12 +22724,16 @@
   <p:clrMapOvr>
     <a:masterClrMapping/>
   </p:clrMapOvr>
-  <mc:AlternateContent xmlns:mc="http://schemas.openxmlformats.org/markup-compatibility/2006" xmlns:p14="http://schemas.microsoft.com/office/powerpoint/2010/main">
-    <mc:Choice Requires="p14">
-      <p:transition p14:dur="0"/>
+  <mc:AlternateContent xmlns:mc="http://schemas.openxmlformats.org/markup-compatibility/2006">
+    <mc:Choice xmlns:p14="http://schemas.microsoft.com/office/powerpoint/2010/main" Requires="p14">
+      <p:transition p14:dur="300">
+        <p:fade/>
+      </p:transition>
     </mc:Choice>
-    <mc:Fallback xmlns="">
-      <p:transition/>
+    <mc:Fallback>
+      <p:transition>
+        <p:fade/>
+      </p:transition>
     </mc:Fallback>
   </mc:AlternateContent>
 </p:sld>
@@ -22134,12 +22840,16 @@
   <p:clrMapOvr>
     <a:masterClrMapping/>
   </p:clrMapOvr>
-  <mc:AlternateContent xmlns:mc="http://schemas.openxmlformats.org/markup-compatibility/2006" xmlns:p14="http://schemas.microsoft.com/office/powerpoint/2010/main">
-    <mc:Choice Requires="p14">
-      <p:transition p14:dur="0"/>
+  <mc:AlternateContent xmlns:mc="http://schemas.openxmlformats.org/markup-compatibility/2006">
+    <mc:Choice xmlns:p14="http://schemas.microsoft.com/office/powerpoint/2010/main" Requires="p14">
+      <p:transition p14:dur="300">
+        <p:fade/>
+      </p:transition>
     </mc:Choice>
-    <mc:Fallback xmlns="">
-      <p:transition/>
+    <mc:Fallback>
+      <p:transition>
+        <p:fade/>
+      </p:transition>
     </mc:Fallback>
   </mc:AlternateContent>
 </p:sld>
@@ -22246,12 +22956,16 @@
   <p:clrMapOvr>
     <a:masterClrMapping/>
   </p:clrMapOvr>
-  <mc:AlternateContent xmlns:mc="http://schemas.openxmlformats.org/markup-compatibility/2006" xmlns:p14="http://schemas.microsoft.com/office/powerpoint/2010/main">
-    <mc:Choice Requires="p14">
-      <p:transition p14:dur="0"/>
+  <mc:AlternateContent xmlns:mc="http://schemas.openxmlformats.org/markup-compatibility/2006">
+    <mc:Choice xmlns:p14="http://schemas.microsoft.com/office/powerpoint/2010/main" Requires="p14">
+      <p:transition p14:dur="300">
+        <p:fade/>
+      </p:transition>
     </mc:Choice>
-    <mc:Fallback xmlns="">
-      <p:transition/>
+    <mc:Fallback>
+      <p:transition>
+        <p:fade/>
+      </p:transition>
     </mc:Fallback>
   </mc:AlternateContent>
 </p:sld>
@@ -22350,12 +23064,16 @@
   <p:clrMapOvr>
     <a:masterClrMapping/>
   </p:clrMapOvr>
-  <mc:AlternateContent xmlns:mc="http://schemas.openxmlformats.org/markup-compatibility/2006" xmlns:p14="http://schemas.microsoft.com/office/powerpoint/2010/main">
-    <mc:Choice Requires="p14">
-      <p:transition p14:dur="0"/>
+  <mc:AlternateContent xmlns:mc="http://schemas.openxmlformats.org/markup-compatibility/2006">
+    <mc:Choice xmlns:p14="http://schemas.microsoft.com/office/powerpoint/2010/main" Requires="p14">
+      <p:transition p14:dur="300">
+        <p:fade/>
+      </p:transition>
     </mc:Choice>
-    <mc:Fallback xmlns="">
-      <p:transition/>
+    <mc:Fallback>
+      <p:transition>
+        <p:fade/>
+      </p:transition>
     </mc:Fallback>
   </mc:AlternateContent>
 </p:sld>
@@ -22454,12 +23172,16 @@
   <p:clrMapOvr>
     <a:masterClrMapping/>
   </p:clrMapOvr>
-  <mc:AlternateContent xmlns:mc="http://schemas.openxmlformats.org/markup-compatibility/2006" xmlns:p14="http://schemas.microsoft.com/office/powerpoint/2010/main">
-    <mc:Choice Requires="p14">
-      <p:transition p14:dur="0"/>
+  <mc:AlternateContent xmlns:mc="http://schemas.openxmlformats.org/markup-compatibility/2006">
+    <mc:Choice xmlns:p14="http://schemas.microsoft.com/office/powerpoint/2010/main" Requires="p14">
+      <p:transition p14:dur="300">
+        <p:fade/>
+      </p:transition>
     </mc:Choice>
-    <mc:Fallback xmlns="">
-      <p:transition/>
+    <mc:Fallback>
+      <p:transition>
+        <p:fade/>
+      </p:transition>
     </mc:Fallback>
   </mc:AlternateContent>
 </p:sld>
@@ -22544,15 +23266,7 @@
           <a:p>
             <a:r>
               <a:rPr lang="en-US" dirty="0"/>
-              <a:t>In the Name of </a:t>
-            </a:r>
-            <a:r>
-              <a:rPr lang="en-US" dirty="0" err="1"/>
-              <a:t>Alláh</a:t>
-            </a:r>
-            <a:r>
-              <a:rPr lang="en-US" dirty="0"/>
-              <a:t>, </a:t>
+              <a:t>In the Name of Allah, </a:t>
             </a:r>
           </a:p>
           <a:p>
@@ -22568,12 +23282,16 @@
   <p:clrMapOvr>
     <a:masterClrMapping/>
   </p:clrMapOvr>
-  <mc:AlternateContent xmlns:mc="http://schemas.openxmlformats.org/markup-compatibility/2006" xmlns:p14="http://schemas.microsoft.com/office/powerpoint/2010/main">
-    <mc:Choice Requires="p14">
-      <p:transition p14:dur="0"/>
+  <mc:AlternateContent xmlns:mc="http://schemas.openxmlformats.org/markup-compatibility/2006">
+    <mc:Choice xmlns:p14="http://schemas.microsoft.com/office/powerpoint/2010/main" Requires="p14">
+      <p:transition p14:dur="300">
+        <p:fade/>
+      </p:transition>
     </mc:Choice>
-    <mc:Fallback xmlns="">
-      <p:transition/>
+    <mc:Fallback>
+      <p:transition>
+        <p:fade/>
+      </p:transition>
     </mc:Fallback>
   </mc:AlternateContent>
 </p:sld>
@@ -22679,12 +23397,16 @@
   <p:clrMapOvr>
     <a:masterClrMapping/>
   </p:clrMapOvr>
-  <mc:AlternateContent xmlns:mc="http://schemas.openxmlformats.org/markup-compatibility/2006" xmlns:p14="http://schemas.microsoft.com/office/powerpoint/2010/main">
-    <mc:Choice Requires="p14">
-      <p:transition p14:dur="0"/>
+  <mc:AlternateContent xmlns:mc="http://schemas.openxmlformats.org/markup-compatibility/2006">
+    <mc:Choice xmlns:p14="http://schemas.microsoft.com/office/powerpoint/2010/main" Requires="p14">
+      <p:transition p14:dur="300">
+        <p:fade/>
+      </p:transition>
     </mc:Choice>
-    <mc:Fallback xmlns="">
-      <p:transition/>
+    <mc:Fallback>
+      <p:transition>
+        <p:fade/>
+      </p:transition>
     </mc:Fallback>
   </mc:AlternateContent>
 </p:sld>
@@ -22810,12 +23532,16 @@
   <p:clrMapOvr>
     <a:masterClrMapping/>
   </p:clrMapOvr>
-  <mc:AlternateContent xmlns:mc="http://schemas.openxmlformats.org/markup-compatibility/2006" xmlns:p14="http://schemas.microsoft.com/office/powerpoint/2010/main">
-    <mc:Choice Requires="p14">
-      <p:transition p14:dur="0"/>
+  <mc:AlternateContent xmlns:mc="http://schemas.openxmlformats.org/markup-compatibility/2006">
+    <mc:Choice xmlns:p14="http://schemas.microsoft.com/office/powerpoint/2010/main" Requires="p14">
+      <p:transition p14:dur="300">
+        <p:fade/>
+      </p:transition>
     </mc:Choice>
-    <mc:Fallback xmlns="">
-      <p:transition/>
+    <mc:Fallback>
+      <p:transition>
+        <p:fade/>
+      </p:transition>
     </mc:Fallback>
   </mc:AlternateContent>
 </p:sld>
@@ -22914,12 +23640,16 @@
   <p:clrMapOvr>
     <a:masterClrMapping/>
   </p:clrMapOvr>
-  <mc:AlternateContent xmlns:mc="http://schemas.openxmlformats.org/markup-compatibility/2006" xmlns:p14="http://schemas.microsoft.com/office/powerpoint/2010/main">
-    <mc:Choice Requires="p14">
-      <p:transition p14:dur="0"/>
+  <mc:AlternateContent xmlns:mc="http://schemas.openxmlformats.org/markup-compatibility/2006">
+    <mc:Choice xmlns:p14="http://schemas.microsoft.com/office/powerpoint/2010/main" Requires="p14">
+      <p:transition p14:dur="300">
+        <p:fade/>
+      </p:transition>
     </mc:Choice>
-    <mc:Fallback xmlns="">
-      <p:transition/>
+    <mc:Fallback>
+      <p:transition>
+        <p:fade/>
+      </p:transition>
     </mc:Fallback>
   </mc:AlternateContent>
 </p:sld>
@@ -23018,12 +23748,16 @@
   <p:clrMapOvr>
     <a:masterClrMapping/>
   </p:clrMapOvr>
-  <mc:AlternateContent xmlns:mc="http://schemas.openxmlformats.org/markup-compatibility/2006" xmlns:p14="http://schemas.microsoft.com/office/powerpoint/2010/main">
-    <mc:Choice Requires="p14">
-      <p:transition p14:dur="0"/>
+  <mc:AlternateContent xmlns:mc="http://schemas.openxmlformats.org/markup-compatibility/2006">
+    <mc:Choice xmlns:p14="http://schemas.microsoft.com/office/powerpoint/2010/main" Requires="p14">
+      <p:transition p14:dur="300">
+        <p:fade/>
+      </p:transition>
     </mc:Choice>
-    <mc:Fallback xmlns="">
-      <p:transition/>
+    <mc:Fallback>
+      <p:transition>
+        <p:fade/>
+      </p:transition>
     </mc:Fallback>
   </mc:AlternateContent>
 </p:sld>
@@ -23130,12 +23864,16 @@
   <p:clrMapOvr>
     <a:masterClrMapping/>
   </p:clrMapOvr>
-  <mc:AlternateContent xmlns:mc="http://schemas.openxmlformats.org/markup-compatibility/2006" xmlns:p14="http://schemas.microsoft.com/office/powerpoint/2010/main">
-    <mc:Choice Requires="p14">
-      <p:transition p14:dur="0"/>
+  <mc:AlternateContent xmlns:mc="http://schemas.openxmlformats.org/markup-compatibility/2006">
+    <mc:Choice xmlns:p14="http://schemas.microsoft.com/office/powerpoint/2010/main" Requires="p14">
+      <p:transition p14:dur="300">
+        <p:fade/>
+      </p:transition>
     </mc:Choice>
-    <mc:Fallback xmlns="">
-      <p:transition/>
+    <mc:Fallback>
+      <p:transition>
+        <p:fade/>
+      </p:transition>
     </mc:Fallback>
   </mc:AlternateContent>
 </p:sld>
@@ -23234,12 +23972,16 @@
   <p:clrMapOvr>
     <a:masterClrMapping/>
   </p:clrMapOvr>
-  <mc:AlternateContent xmlns:mc="http://schemas.openxmlformats.org/markup-compatibility/2006" xmlns:p14="http://schemas.microsoft.com/office/powerpoint/2010/main">
-    <mc:Choice Requires="p14">
-      <p:transition p14:dur="0"/>
+  <mc:AlternateContent xmlns:mc="http://schemas.openxmlformats.org/markup-compatibility/2006">
+    <mc:Choice xmlns:p14="http://schemas.microsoft.com/office/powerpoint/2010/main" Requires="p14">
+      <p:transition p14:dur="300">
+        <p:fade/>
+      </p:transition>
     </mc:Choice>
-    <mc:Fallback xmlns="">
-      <p:transition/>
+    <mc:Fallback>
+      <p:transition>
+        <p:fade/>
+      </p:transition>
     </mc:Fallback>
   </mc:AlternateContent>
 </p:sld>
@@ -23338,12 +24080,16 @@
   <p:clrMapOvr>
     <a:masterClrMapping/>
   </p:clrMapOvr>
-  <mc:AlternateContent xmlns:mc="http://schemas.openxmlformats.org/markup-compatibility/2006" xmlns:p14="http://schemas.microsoft.com/office/powerpoint/2010/main">
-    <mc:Choice Requires="p14">
-      <p:transition p14:dur="0"/>
+  <mc:AlternateContent xmlns:mc="http://schemas.openxmlformats.org/markup-compatibility/2006">
+    <mc:Choice xmlns:p14="http://schemas.microsoft.com/office/powerpoint/2010/main" Requires="p14">
+      <p:transition p14:dur="300">
+        <p:fade/>
+      </p:transition>
     </mc:Choice>
-    <mc:Fallback xmlns="">
-      <p:transition/>
+    <mc:Fallback>
+      <p:transition>
+        <p:fade/>
+      </p:transition>
     </mc:Fallback>
   </mc:AlternateContent>
 </p:sld>
@@ -23442,12 +24188,16 @@
   <p:clrMapOvr>
     <a:masterClrMapping/>
   </p:clrMapOvr>
-  <mc:AlternateContent xmlns:mc="http://schemas.openxmlformats.org/markup-compatibility/2006" xmlns:p14="http://schemas.microsoft.com/office/powerpoint/2010/main">
-    <mc:Choice Requires="p14">
-      <p:transition p14:dur="0"/>
+  <mc:AlternateContent xmlns:mc="http://schemas.openxmlformats.org/markup-compatibility/2006">
+    <mc:Choice xmlns:p14="http://schemas.microsoft.com/office/powerpoint/2010/main" Requires="p14">
+      <p:transition p14:dur="300">
+        <p:fade/>
+      </p:transition>
     </mc:Choice>
-    <mc:Fallback xmlns="">
-      <p:transition/>
+    <mc:Fallback>
+      <p:transition>
+        <p:fade/>
+      </p:transition>
     </mc:Fallback>
   </mc:AlternateContent>
 </p:sld>
@@ -23554,12 +24304,16 @@
   <p:clrMapOvr>
     <a:masterClrMapping/>
   </p:clrMapOvr>
-  <mc:AlternateContent xmlns:mc="http://schemas.openxmlformats.org/markup-compatibility/2006" xmlns:p14="http://schemas.microsoft.com/office/powerpoint/2010/main">
-    <mc:Choice Requires="p14">
-      <p:transition p14:dur="0"/>
+  <mc:AlternateContent xmlns:mc="http://schemas.openxmlformats.org/markup-compatibility/2006">
+    <mc:Choice xmlns:p14="http://schemas.microsoft.com/office/powerpoint/2010/main" Requires="p14">
+      <p:transition p14:dur="300">
+        <p:fade/>
+      </p:transition>
     </mc:Choice>
-    <mc:Fallback xmlns="">
-      <p:transition/>
+    <mc:Fallback>
+      <p:transition>
+        <p:fade/>
+      </p:transition>
     </mc:Fallback>
   </mc:AlternateContent>
 </p:sld>
@@ -23658,12 +24412,16 @@
   <p:clrMapOvr>
     <a:masterClrMapping/>
   </p:clrMapOvr>
-  <mc:AlternateContent xmlns:mc="http://schemas.openxmlformats.org/markup-compatibility/2006" xmlns:p14="http://schemas.microsoft.com/office/powerpoint/2010/main">
-    <mc:Choice Requires="p14">
-      <p:transition p14:dur="0"/>
+  <mc:AlternateContent xmlns:mc="http://schemas.openxmlformats.org/markup-compatibility/2006">
+    <mc:Choice xmlns:p14="http://schemas.microsoft.com/office/powerpoint/2010/main" Requires="p14">
+      <p:transition p14:dur="300">
+        <p:fade/>
+      </p:transition>
     </mc:Choice>
-    <mc:Fallback xmlns="">
-      <p:transition/>
+    <mc:Fallback>
+      <p:transition>
+        <p:fade/>
+      </p:transition>
     </mc:Fallback>
   </mc:AlternateContent>
 </p:sld>
@@ -23767,12 +24525,16 @@
   <p:clrMapOvr>
     <a:masterClrMapping/>
   </p:clrMapOvr>
-  <mc:AlternateContent xmlns:mc="http://schemas.openxmlformats.org/markup-compatibility/2006" xmlns:p14="http://schemas.microsoft.com/office/powerpoint/2010/main">
-    <mc:Choice Requires="p14">
-      <p:transition p14:dur="0"/>
+  <mc:AlternateContent xmlns:mc="http://schemas.openxmlformats.org/markup-compatibility/2006">
+    <mc:Choice xmlns:p14="http://schemas.microsoft.com/office/powerpoint/2010/main" Requires="p14">
+      <p:transition p14:dur="300">
+        <p:fade/>
+      </p:transition>
     </mc:Choice>
-    <mc:Fallback xmlns="">
-      <p:transition/>
+    <mc:Fallback>
+      <p:transition>
+        <p:fade/>
+      </p:transition>
     </mc:Fallback>
   </mc:AlternateContent>
 </p:sld>
@@ -23871,12 +24633,16 @@
   <p:clrMapOvr>
     <a:masterClrMapping/>
   </p:clrMapOvr>
-  <mc:AlternateContent xmlns:mc="http://schemas.openxmlformats.org/markup-compatibility/2006" xmlns:p14="http://schemas.microsoft.com/office/powerpoint/2010/main">
-    <mc:Choice Requires="p14">
-      <p:transition p14:dur="0"/>
+  <mc:AlternateContent xmlns:mc="http://schemas.openxmlformats.org/markup-compatibility/2006">
+    <mc:Choice xmlns:p14="http://schemas.microsoft.com/office/powerpoint/2010/main" Requires="p14">
+      <p:transition p14:dur="300">
+        <p:fade/>
+      </p:transition>
     </mc:Choice>
-    <mc:Fallback xmlns="">
-      <p:transition/>
+    <mc:Fallback>
+      <p:transition>
+        <p:fade/>
+      </p:transition>
     </mc:Fallback>
   </mc:AlternateContent>
 </p:sld>
@@ -23988,12 +24754,16 @@
   <p:clrMapOvr>
     <a:masterClrMapping/>
   </p:clrMapOvr>
-  <mc:AlternateContent xmlns:mc="http://schemas.openxmlformats.org/markup-compatibility/2006" xmlns:p14="http://schemas.microsoft.com/office/powerpoint/2010/main">
-    <mc:Choice Requires="p14">
-      <p:transition p14:dur="0"/>
+  <mc:AlternateContent xmlns:mc="http://schemas.openxmlformats.org/markup-compatibility/2006">
+    <mc:Choice xmlns:p14="http://schemas.microsoft.com/office/powerpoint/2010/main" Requires="p14">
+      <p:transition p14:dur="300">
+        <p:fade/>
+      </p:transition>
     </mc:Choice>
-    <mc:Fallback xmlns="">
-      <p:transition/>
+    <mc:Fallback>
+      <p:transition>
+        <p:fade/>
+      </p:transition>
     </mc:Fallback>
   </mc:AlternateContent>
 </p:sld>
@@ -24100,12 +24870,16 @@
   <p:clrMapOvr>
     <a:masterClrMapping/>
   </p:clrMapOvr>
-  <mc:AlternateContent xmlns:mc="http://schemas.openxmlformats.org/markup-compatibility/2006" xmlns:p14="http://schemas.microsoft.com/office/powerpoint/2010/main">
-    <mc:Choice Requires="p14">
-      <p:transition p14:dur="0"/>
+  <mc:AlternateContent xmlns:mc="http://schemas.openxmlformats.org/markup-compatibility/2006">
+    <mc:Choice xmlns:p14="http://schemas.microsoft.com/office/powerpoint/2010/main" Requires="p14">
+      <p:transition p14:dur="300">
+        <p:fade/>
+      </p:transition>
     </mc:Choice>
-    <mc:Fallback xmlns="">
-      <p:transition/>
+    <mc:Fallback>
+      <p:transition>
+        <p:fade/>
+      </p:transition>
     </mc:Fallback>
   </mc:AlternateContent>
 </p:sld>
@@ -24204,12 +24978,16 @@
   <p:clrMapOvr>
     <a:masterClrMapping/>
   </p:clrMapOvr>
-  <mc:AlternateContent xmlns:mc="http://schemas.openxmlformats.org/markup-compatibility/2006" xmlns:p14="http://schemas.microsoft.com/office/powerpoint/2010/main">
-    <mc:Choice Requires="p14">
-      <p:transition p14:dur="0"/>
+  <mc:AlternateContent xmlns:mc="http://schemas.openxmlformats.org/markup-compatibility/2006">
+    <mc:Choice xmlns:p14="http://schemas.microsoft.com/office/powerpoint/2010/main" Requires="p14">
+      <p:transition p14:dur="300">
+        <p:fade/>
+      </p:transition>
     </mc:Choice>
-    <mc:Fallback xmlns="">
-      <p:transition/>
+    <mc:Fallback>
+      <p:transition>
+        <p:fade/>
+      </p:transition>
     </mc:Fallback>
   </mc:AlternateContent>
 </p:sld>
@@ -24308,12 +25086,16 @@
   <p:clrMapOvr>
     <a:masterClrMapping/>
   </p:clrMapOvr>
-  <mc:AlternateContent xmlns:mc="http://schemas.openxmlformats.org/markup-compatibility/2006" xmlns:p14="http://schemas.microsoft.com/office/powerpoint/2010/main">
-    <mc:Choice Requires="p14">
-      <p:transition p14:dur="0"/>
+  <mc:AlternateContent xmlns:mc="http://schemas.openxmlformats.org/markup-compatibility/2006">
+    <mc:Choice xmlns:p14="http://schemas.microsoft.com/office/powerpoint/2010/main" Requires="p14">
+      <p:transition p14:dur="300">
+        <p:fade/>
+      </p:transition>
     </mc:Choice>
-    <mc:Fallback xmlns="">
-      <p:transition/>
+    <mc:Fallback>
+      <p:transition>
+        <p:fade/>
+      </p:transition>
     </mc:Fallback>
   </mc:AlternateContent>
 </p:sld>
@@ -24412,12 +25194,16 @@
   <p:clrMapOvr>
     <a:masterClrMapping/>
   </p:clrMapOvr>
-  <mc:AlternateContent xmlns:mc="http://schemas.openxmlformats.org/markup-compatibility/2006" xmlns:p14="http://schemas.microsoft.com/office/powerpoint/2010/main">
-    <mc:Choice Requires="p14">
-      <p:transition p14:dur="0"/>
+  <mc:AlternateContent xmlns:mc="http://schemas.openxmlformats.org/markup-compatibility/2006">
+    <mc:Choice xmlns:p14="http://schemas.microsoft.com/office/powerpoint/2010/main" Requires="p14">
+      <p:transition p14:dur="300">
+        <p:fade/>
+      </p:transition>
     </mc:Choice>
-    <mc:Fallback xmlns="">
-      <p:transition/>
+    <mc:Fallback>
+      <p:transition>
+        <p:fade/>
+      </p:transition>
     </mc:Fallback>
   </mc:AlternateContent>
 </p:sld>
@@ -24499,8 +25285,8 @@
         </p:nvSpPr>
         <p:spPr>
           <a:xfrm>
-            <a:off x="2009614" y="4495801"/>
-            <a:ext cx="8172772" cy="1905000"/>
+            <a:off x="2171700" y="4495801"/>
+            <a:ext cx="7848600" cy="1905000"/>
           </a:xfrm>
         </p:spPr>
         <p:txBody>
@@ -24524,12 +25310,16 @@
   <p:clrMapOvr>
     <a:masterClrMapping/>
   </p:clrMapOvr>
-  <mc:AlternateContent xmlns:mc="http://schemas.openxmlformats.org/markup-compatibility/2006" xmlns:p14="http://schemas.microsoft.com/office/powerpoint/2010/main">
-    <mc:Choice Requires="p14">
-      <p:transition p14:dur="0"/>
+  <mc:AlternateContent xmlns:mc="http://schemas.openxmlformats.org/markup-compatibility/2006">
+    <mc:Choice xmlns:p14="http://schemas.microsoft.com/office/powerpoint/2010/main" Requires="p14">
+      <p:transition p14:dur="300">
+        <p:fade/>
+      </p:transition>
     </mc:Choice>
-    <mc:Fallback xmlns="">
-      <p:transition/>
+    <mc:Fallback>
+      <p:transition>
+        <p:fade/>
+      </p:transition>
     </mc:Fallback>
   </mc:AlternateContent>
 </p:sld>
@@ -24628,12 +25418,16 @@
   <p:clrMapOvr>
     <a:masterClrMapping/>
   </p:clrMapOvr>
-  <mc:AlternateContent xmlns:mc="http://schemas.openxmlformats.org/markup-compatibility/2006" xmlns:p14="http://schemas.microsoft.com/office/powerpoint/2010/main">
-    <mc:Choice Requires="p14">
-      <p:transition p14:dur="0"/>
+  <mc:AlternateContent xmlns:mc="http://schemas.openxmlformats.org/markup-compatibility/2006">
+    <mc:Choice xmlns:p14="http://schemas.microsoft.com/office/powerpoint/2010/main" Requires="p14">
+      <p:transition p14:dur="300">
+        <p:fade/>
+      </p:transition>
     </mc:Choice>
-    <mc:Fallback xmlns="">
-      <p:transition/>
+    <mc:Fallback>
+      <p:transition>
+        <p:fade/>
+      </p:transition>
     </mc:Fallback>
   </mc:AlternateContent>
 </p:sld>
@@ -24725,7 +25519,7 @@
           <a:p>
             <a:r>
               <a:rPr lang="en-US" dirty="0"/>
-              <a:t>How many ugly things You hast concealed!</a:t>
+              <a:t>How many ugly things You have concealed!</a:t>
             </a:r>
           </a:p>
         </p:txBody>
@@ -24740,12 +25534,16 @@
   <p:clrMapOvr>
     <a:masterClrMapping/>
   </p:clrMapOvr>
-  <mc:AlternateContent xmlns:mc="http://schemas.openxmlformats.org/markup-compatibility/2006" xmlns:p14="http://schemas.microsoft.com/office/powerpoint/2010/main">
-    <mc:Choice Requires="p14">
-      <p:transition p14:dur="0"/>
+  <mc:AlternateContent xmlns:mc="http://schemas.openxmlformats.org/markup-compatibility/2006">
+    <mc:Choice xmlns:p14="http://schemas.microsoft.com/office/powerpoint/2010/main" Requires="p14">
+      <p:transition p14:dur="300">
+        <p:fade/>
+      </p:transition>
     </mc:Choice>
-    <mc:Fallback xmlns="">
-      <p:transition/>
+    <mc:Fallback>
+      <p:transition>
+        <p:fade/>
+      </p:transition>
     </mc:Fallback>
   </mc:AlternateContent>
 </p:sld>
@@ -24829,7 +25627,7 @@
           <a:p>
             <a:r>
               <a:rPr lang="en-US" dirty="0"/>
-              <a:t>How many burdensome tribulations You hast abolished!</a:t>
+              <a:t>How many burdensome tribulations You have abolished!</a:t>
             </a:r>
           </a:p>
         </p:txBody>
@@ -24844,12 +25642,16 @@
   <p:clrMapOvr>
     <a:masterClrMapping/>
   </p:clrMapOvr>
-  <mc:AlternateContent xmlns:mc="http://schemas.openxmlformats.org/markup-compatibility/2006" xmlns:p14="http://schemas.microsoft.com/office/powerpoint/2010/main">
-    <mc:Choice Requires="p14">
-      <p:transition p14:dur="0"/>
+  <mc:AlternateContent xmlns:mc="http://schemas.openxmlformats.org/markup-compatibility/2006">
+    <mc:Choice xmlns:p14="http://schemas.microsoft.com/office/powerpoint/2010/main" Requires="p14">
+      <p:transition p14:dur="300">
+        <p:fade/>
+      </p:transition>
     </mc:Choice>
-    <mc:Fallback xmlns="">
-      <p:transition/>
+    <mc:Fallback>
+      <p:transition>
+        <p:fade/>
+      </p:transition>
     </mc:Fallback>
   </mc:AlternateContent>
 </p:sld>
@@ -24961,12 +25763,16 @@
   <p:clrMapOvr>
     <a:masterClrMapping/>
   </p:clrMapOvr>
-  <mc:AlternateContent xmlns:mc="http://schemas.openxmlformats.org/markup-compatibility/2006" xmlns:p14="http://schemas.microsoft.com/office/powerpoint/2010/main">
-    <mc:Choice Requires="p14">
-      <p:transition p14:dur="0"/>
+  <mc:AlternateContent xmlns:mc="http://schemas.openxmlformats.org/markup-compatibility/2006">
+    <mc:Choice xmlns:p14="http://schemas.microsoft.com/office/powerpoint/2010/main" Requires="p14">
+      <p:transition p14:dur="300">
+        <p:fade/>
+      </p:transition>
     </mc:Choice>
-    <mc:Fallback xmlns="">
-      <p:transition/>
+    <mc:Fallback>
+      <p:transition>
+        <p:fade/>
+      </p:transition>
     </mc:Fallback>
   </mc:AlternateContent>
 </p:sld>
@@ -25050,7 +25856,7 @@
           <a:p>
             <a:r>
               <a:rPr lang="en-US" dirty="0"/>
-              <a:t>And how many stumbles You hast prevented!</a:t>
+              <a:t>And how many stumbles You have prevented!</a:t>
             </a:r>
           </a:p>
         </p:txBody>
@@ -25065,12 +25871,16 @@
   <p:clrMapOvr>
     <a:masterClrMapping/>
   </p:clrMapOvr>
-  <mc:AlternateContent xmlns:mc="http://schemas.openxmlformats.org/markup-compatibility/2006" xmlns:p14="http://schemas.microsoft.com/office/powerpoint/2010/main">
-    <mc:Choice Requires="p14">
-      <p:transition p14:dur="0"/>
+  <mc:AlternateContent xmlns:mc="http://schemas.openxmlformats.org/markup-compatibility/2006">
+    <mc:Choice xmlns:p14="http://schemas.microsoft.com/office/powerpoint/2010/main" Requires="p14">
+      <p:transition p14:dur="300">
+        <p:fade/>
+      </p:transition>
     </mc:Choice>
-    <mc:Fallback xmlns="">
-      <p:transition/>
+    <mc:Fallback>
+      <p:transition>
+        <p:fade/>
+      </p:transition>
     </mc:Fallback>
   </mc:AlternateContent>
 </p:sld>
@@ -25154,7 +25964,7 @@
           <a:p>
             <a:r>
               <a:rPr lang="en-US" dirty="0"/>
-              <a:t>And how many ordeals You hast repelled!</a:t>
+              <a:t>And how many ordeals You have repelled!</a:t>
             </a:r>
           </a:p>
         </p:txBody>
@@ -25169,12 +25979,16 @@
   <p:clrMapOvr>
     <a:masterClrMapping/>
   </p:clrMapOvr>
-  <mc:AlternateContent xmlns:mc="http://schemas.openxmlformats.org/markup-compatibility/2006" xmlns:p14="http://schemas.microsoft.com/office/powerpoint/2010/main">
-    <mc:Choice Requires="p14">
-      <p:transition p14:dur="0"/>
+  <mc:AlternateContent xmlns:mc="http://schemas.openxmlformats.org/markup-compatibility/2006">
+    <mc:Choice xmlns:p14="http://schemas.microsoft.com/office/powerpoint/2010/main" Requires="p14">
+      <p:transition p14:dur="300">
+        <p:fade/>
+      </p:transition>
     </mc:Choice>
-    <mc:Fallback xmlns="">
-      <p:transition/>
+    <mc:Fallback>
+      <p:transition>
+        <p:fade/>
+      </p:transition>
     </mc:Fallback>
   </mc:AlternateContent>
 </p:sld>
@@ -25266,7 +26080,7 @@
           <a:p>
             <a:r>
               <a:rPr lang="en-US" dirty="0"/>
-              <a:t>And how much beautiful praise, for which I was unworthy, You hast spread abroad!</a:t>
+              <a:t>And how much beautiful praise, for which I was unworthy, You have spread abroad!</a:t>
             </a:r>
           </a:p>
         </p:txBody>
@@ -25281,12 +26095,16 @@
   <p:clrMapOvr>
     <a:masterClrMapping/>
   </p:clrMapOvr>
-  <mc:AlternateContent xmlns:mc="http://schemas.openxmlformats.org/markup-compatibility/2006" xmlns:p14="http://schemas.microsoft.com/office/powerpoint/2010/main">
-    <mc:Choice Requires="p14">
-      <p:transition p14:dur="0"/>
+  <mc:AlternateContent xmlns:mc="http://schemas.openxmlformats.org/markup-compatibility/2006">
+    <mc:Choice xmlns:p14="http://schemas.microsoft.com/office/powerpoint/2010/main" Requires="p14">
+      <p:transition p14:dur="300">
+        <p:fade/>
+      </p:transition>
     </mc:Choice>
-    <mc:Fallback xmlns="">
-      <p:transition/>
+    <mc:Fallback>
+      <p:transition>
+        <p:fade/>
+      </p:transition>
     </mc:Fallback>
   </mc:AlternateContent>
 </p:sld>
@@ -25385,12 +26203,16 @@
   <p:clrMapOvr>
     <a:masterClrMapping/>
   </p:clrMapOvr>
-  <mc:AlternateContent xmlns:mc="http://schemas.openxmlformats.org/markup-compatibility/2006" xmlns:p14="http://schemas.microsoft.com/office/powerpoint/2010/main">
-    <mc:Choice Requires="p14">
-      <p:transition p14:dur="0"/>
+  <mc:AlternateContent xmlns:mc="http://schemas.openxmlformats.org/markup-compatibility/2006">
+    <mc:Choice xmlns:p14="http://schemas.microsoft.com/office/powerpoint/2010/main" Requires="p14">
+      <p:transition p14:dur="300">
+        <p:fade/>
+      </p:transition>
     </mc:Choice>
-    <mc:Fallback xmlns="">
-      <p:transition/>
+    <mc:Fallback>
+      <p:transition>
+        <p:fade/>
+      </p:transition>
     </mc:Fallback>
   </mc:AlternateContent>
 </p:sld>
@@ -25489,12 +26311,16 @@
   <p:clrMapOvr>
     <a:masterClrMapping/>
   </p:clrMapOvr>
-  <mc:AlternateContent xmlns:mc="http://schemas.openxmlformats.org/markup-compatibility/2006" xmlns:p14="http://schemas.microsoft.com/office/powerpoint/2010/main">
-    <mc:Choice Requires="p14">
-      <p:transition p14:dur="0"/>
+  <mc:AlternateContent xmlns:mc="http://schemas.openxmlformats.org/markup-compatibility/2006">
+    <mc:Choice xmlns:p14="http://schemas.microsoft.com/office/powerpoint/2010/main" Requires="p14">
+      <p:transition p14:dur="300">
+        <p:fade/>
+      </p:transition>
     </mc:Choice>
-    <mc:Fallback xmlns="">
-      <p:transition/>
+    <mc:Fallback>
+      <p:transition>
+        <p:fade/>
+      </p:transition>
     </mc:Fallback>
   </mc:AlternateContent>
 </p:sld>
@@ -25593,12 +26419,16 @@
   <p:clrMapOvr>
     <a:masterClrMapping/>
   </p:clrMapOvr>
-  <mc:AlternateContent xmlns:mc="http://schemas.openxmlformats.org/markup-compatibility/2006" xmlns:p14="http://schemas.microsoft.com/office/powerpoint/2010/main">
-    <mc:Choice Requires="p14">
-      <p:transition p14:dur="0"/>
+  <mc:AlternateContent xmlns:mc="http://schemas.openxmlformats.org/markup-compatibility/2006">
+    <mc:Choice xmlns:p14="http://schemas.microsoft.com/office/powerpoint/2010/main" Requires="p14">
+      <p:transition p14:dur="300">
+        <p:fade/>
+      </p:transition>
     </mc:Choice>
-    <mc:Fallback xmlns="">
-      <p:transition/>
+    <mc:Fallback>
+      <p:transition>
+        <p:fade/>
+      </p:transition>
     </mc:Fallback>
   </mc:AlternateContent>
 </p:sld>
@@ -25697,12 +26527,16 @@
   <p:clrMapOvr>
     <a:masterClrMapping/>
   </p:clrMapOvr>
-  <mc:AlternateContent xmlns:mc="http://schemas.openxmlformats.org/markup-compatibility/2006" xmlns:p14="http://schemas.microsoft.com/office/powerpoint/2010/main">
-    <mc:Choice Requires="p14">
-      <p:transition p14:dur="0"/>
+  <mc:AlternateContent xmlns:mc="http://schemas.openxmlformats.org/markup-compatibility/2006">
+    <mc:Choice xmlns:p14="http://schemas.microsoft.com/office/powerpoint/2010/main" Requires="p14">
+      <p:transition p14:dur="300">
+        <p:fade/>
+      </p:transition>
     </mc:Choice>
-    <mc:Fallback xmlns="">
-      <p:transition/>
+    <mc:Fallback>
+      <p:transition>
+        <p:fade/>
+      </p:transition>
     </mc:Fallback>
   </mc:AlternateContent>
 </p:sld>
@@ -25801,12 +26635,16 @@
   <p:clrMapOvr>
     <a:masterClrMapping/>
   </p:clrMapOvr>
-  <mc:AlternateContent xmlns:mc="http://schemas.openxmlformats.org/markup-compatibility/2006" xmlns:p14="http://schemas.microsoft.com/office/powerpoint/2010/main">
-    <mc:Choice Requires="p14">
-      <p:transition p14:dur="0"/>
+  <mc:AlternateContent xmlns:mc="http://schemas.openxmlformats.org/markup-compatibility/2006">
+    <mc:Choice xmlns:p14="http://schemas.microsoft.com/office/powerpoint/2010/main" Requires="p14">
+      <p:transition p14:dur="300">
+        <p:fade/>
+      </p:transition>
     </mc:Choice>
-    <mc:Fallback xmlns="">
-      <p:transition/>
+    <mc:Fallback>
+      <p:transition>
+        <p:fade/>
+      </p:transition>
     </mc:Fallback>
   </mc:AlternateContent>
 </p:sld>
@@ -25896,8 +26734,8 @@
         </p:nvSpPr>
         <p:spPr>
           <a:xfrm>
-            <a:off x="1901602" y="4495801"/>
-            <a:ext cx="8388796" cy="1905000"/>
+            <a:off x="2171700" y="4495801"/>
+            <a:ext cx="7848600" cy="1905000"/>
           </a:xfrm>
         </p:spPr>
         <p:txBody>
@@ -25921,12 +26759,16 @@
   <p:clrMapOvr>
     <a:masterClrMapping/>
   </p:clrMapOvr>
-  <mc:AlternateContent xmlns:mc="http://schemas.openxmlformats.org/markup-compatibility/2006" xmlns:p14="http://schemas.microsoft.com/office/powerpoint/2010/main">
-    <mc:Choice Requires="p14">
-      <p:transition p14:dur="0"/>
+  <mc:AlternateContent xmlns:mc="http://schemas.openxmlformats.org/markup-compatibility/2006">
+    <mc:Choice xmlns:p14="http://schemas.microsoft.com/office/powerpoint/2010/main" Requires="p14">
+      <p:transition p14:dur="300">
+        <p:fade/>
+      </p:transition>
     </mc:Choice>
-    <mc:Fallback xmlns="">
-      <p:transition/>
+    <mc:Fallback>
+      <p:transition>
+        <p:fade/>
+      </p:transition>
     </mc:Fallback>
   </mc:AlternateContent>
 </p:sld>
@@ -26060,12 +26902,16 @@
   <p:clrMapOvr>
     <a:masterClrMapping/>
   </p:clrMapOvr>
-  <mc:AlternateContent xmlns:mc="http://schemas.openxmlformats.org/markup-compatibility/2006" xmlns:p14="http://schemas.microsoft.com/office/powerpoint/2010/main">
-    <mc:Choice Requires="p14">
-      <p:transition p14:dur="0"/>
+  <mc:AlternateContent xmlns:mc="http://schemas.openxmlformats.org/markup-compatibility/2006">
+    <mc:Choice xmlns:p14="http://schemas.microsoft.com/office/powerpoint/2010/main" Requires="p14">
+      <p:transition p14:dur="300">
+        <p:fade/>
+      </p:transition>
     </mc:Choice>
-    <mc:Fallback xmlns="">
-      <p:transition/>
+    <mc:Fallback>
+      <p:transition>
+        <p:fade/>
+      </p:transition>
     </mc:Fallback>
   </mc:AlternateContent>
 </p:sld>
@@ -26169,12 +27015,16 @@
   <p:clrMapOvr>
     <a:masterClrMapping/>
   </p:clrMapOvr>
-  <mc:AlternateContent xmlns:mc="http://schemas.openxmlformats.org/markup-compatibility/2006" xmlns:p14="http://schemas.microsoft.com/office/powerpoint/2010/main">
-    <mc:Choice Requires="p14">
-      <p:transition p14:dur="0"/>
+  <mc:AlternateContent xmlns:mc="http://schemas.openxmlformats.org/markup-compatibility/2006">
+    <mc:Choice xmlns:p14="http://schemas.microsoft.com/office/powerpoint/2010/main" Requires="p14">
+      <p:transition p14:dur="300">
+        <p:fade/>
+      </p:transition>
     </mc:Choice>
-    <mc:Fallback xmlns="">
-      <p:transition/>
+    <mc:Fallback>
+      <p:transition>
+        <p:fade/>
+      </p:transition>
     </mc:Fallback>
   </mc:AlternateContent>
 </p:sld>
@@ -26273,12 +27123,16 @@
   <p:clrMapOvr>
     <a:masterClrMapping/>
   </p:clrMapOvr>
-  <mc:AlternateContent xmlns:mc="http://schemas.openxmlformats.org/markup-compatibility/2006" xmlns:p14="http://schemas.microsoft.com/office/powerpoint/2010/main">
-    <mc:Choice Requires="p14">
-      <p:transition p14:dur="0"/>
+  <mc:AlternateContent xmlns:mc="http://schemas.openxmlformats.org/markup-compatibility/2006">
+    <mc:Choice xmlns:p14="http://schemas.microsoft.com/office/powerpoint/2010/main" Requires="p14">
+      <p:transition p14:dur="300">
+        <p:fade/>
+      </p:transition>
     </mc:Choice>
-    <mc:Fallback xmlns="">
-      <p:transition/>
+    <mc:Fallback>
+      <p:transition>
+        <p:fade/>
+      </p:transition>
     </mc:Fallback>
   </mc:AlternateContent>
 </p:sld>
@@ -26378,7 +27232,15 @@
           <a:p>
             <a:r>
               <a:rPr lang="en-US" dirty="0"/>
-              <a:t>And not to hasten me to punishment for what I have done in private:</a:t>
+              <a:t>And not to </a:t>
+            </a:r>
+            <a:r>
+              <a:rPr lang="en-US" dirty="0" err="1"/>
+              <a:t>haveen</a:t>
+            </a:r>
+            <a:r>
+              <a:rPr lang="en-US" dirty="0"/>
+              <a:t> me to punishment for what I have done in private:</a:t>
             </a:r>
           </a:p>
         </p:txBody>
@@ -26393,12 +27255,16 @@
   <p:clrMapOvr>
     <a:masterClrMapping/>
   </p:clrMapOvr>
-  <mc:AlternateContent xmlns:mc="http://schemas.openxmlformats.org/markup-compatibility/2006" xmlns:p14="http://schemas.microsoft.com/office/powerpoint/2010/main">
-    <mc:Choice Requires="p14">
-      <p:transition p14:dur="0"/>
+  <mc:AlternateContent xmlns:mc="http://schemas.openxmlformats.org/markup-compatibility/2006">
+    <mc:Choice xmlns:p14="http://schemas.microsoft.com/office/powerpoint/2010/main" Requires="p14">
+      <p:transition p14:dur="300">
+        <p:fade/>
+      </p:transition>
     </mc:Choice>
-    <mc:Fallback xmlns="">
-      <p:transition/>
+    <mc:Fallback>
+      <p:transition>
+        <p:fade/>
+      </p:transition>
     </mc:Fallback>
   </mc:AlternateContent>
 </p:sld>
@@ -26497,12 +27363,16 @@
   <p:clrMapOvr>
     <a:masterClrMapping/>
   </p:clrMapOvr>
-  <mc:AlternateContent xmlns:mc="http://schemas.openxmlformats.org/markup-compatibility/2006" xmlns:p14="http://schemas.microsoft.com/office/powerpoint/2010/main">
-    <mc:Choice Requires="p14">
-      <p:transition p14:dur="0"/>
+  <mc:AlternateContent xmlns:mc="http://schemas.openxmlformats.org/markup-compatibility/2006">
+    <mc:Choice xmlns:p14="http://schemas.microsoft.com/office/powerpoint/2010/main" Requires="p14">
+      <p:transition p14:dur="300">
+        <p:fade/>
+      </p:transition>
     </mc:Choice>
-    <mc:Fallback xmlns="">
-      <p:transition/>
+    <mc:Fallback>
+      <p:transition>
+        <p:fade/>
+      </p:transition>
     </mc:Fallback>
   </mc:AlternateContent>
 </p:sld>
@@ -26601,12 +27471,16 @@
   <p:clrMapOvr>
     <a:masterClrMapping/>
   </p:clrMapOvr>
-  <mc:AlternateContent xmlns:mc="http://schemas.openxmlformats.org/markup-compatibility/2006" xmlns:p14="http://schemas.microsoft.com/office/powerpoint/2010/main">
-    <mc:Choice Requires="p14">
-      <p:transition p14:dur="0"/>
+  <mc:AlternateContent xmlns:mc="http://schemas.openxmlformats.org/markup-compatibility/2006">
+    <mc:Choice xmlns:p14="http://schemas.microsoft.com/office/powerpoint/2010/main" Requires="p14">
+      <p:transition p14:dur="300">
+        <p:fade/>
+      </p:transition>
     </mc:Choice>
-    <mc:Fallback xmlns="">
-      <p:transition/>
+    <mc:Fallback>
+      <p:transition>
+        <p:fade/>
+      </p:transition>
     </mc:Fallback>
   </mc:AlternateContent>
 </p:sld>
@@ -26705,12 +27579,16 @@
   <p:clrMapOvr>
     <a:masterClrMapping/>
   </p:clrMapOvr>
-  <mc:AlternateContent xmlns:mc="http://schemas.openxmlformats.org/markup-compatibility/2006" xmlns:p14="http://schemas.microsoft.com/office/powerpoint/2010/main">
-    <mc:Choice Requires="p14">
-      <p:transition p14:dur="0"/>
+  <mc:AlternateContent xmlns:mc="http://schemas.openxmlformats.org/markup-compatibility/2006">
+    <mc:Choice xmlns:p14="http://schemas.microsoft.com/office/powerpoint/2010/main" Requires="p14">
+      <p:transition p14:dur="300">
+        <p:fade/>
+      </p:transition>
     </mc:Choice>
-    <mc:Fallback xmlns="">
-      <p:transition/>
+    <mc:Fallback>
+      <p:transition>
+        <p:fade/>
+      </p:transition>
     </mc:Fallback>
   </mc:AlternateContent>
 </p:sld>
@@ -26822,12 +27700,16 @@
   <p:clrMapOvr>
     <a:masterClrMapping/>
   </p:clrMapOvr>
-  <mc:AlternateContent xmlns:mc="http://schemas.openxmlformats.org/markup-compatibility/2006" xmlns:p14="http://schemas.microsoft.com/office/powerpoint/2010/main">
-    <mc:Choice Requires="p14">
-      <p:transition p14:dur="0"/>
+  <mc:AlternateContent xmlns:mc="http://schemas.openxmlformats.org/markup-compatibility/2006">
+    <mc:Choice xmlns:p14="http://schemas.microsoft.com/office/powerpoint/2010/main" Requires="p14">
+      <p:transition p14:dur="300">
+        <p:fade/>
+      </p:transition>
     </mc:Choice>
-    <mc:Fallback xmlns="">
-      <p:transition/>
+    <mc:Fallback>
+      <p:transition>
+        <p:fade/>
+      </p:transition>
     </mc:Fallback>
   </mc:AlternateContent>
 </p:sld>
@@ -26926,12 +27808,16 @@
   <p:clrMapOvr>
     <a:masterClrMapping/>
   </p:clrMapOvr>
-  <mc:AlternateContent xmlns:mc="http://schemas.openxmlformats.org/markup-compatibility/2006" xmlns:p14="http://schemas.microsoft.com/office/powerpoint/2010/main">
-    <mc:Choice Requires="p14">
-      <p:transition p14:dur="0"/>
+  <mc:AlternateContent xmlns:mc="http://schemas.openxmlformats.org/markup-compatibility/2006">
+    <mc:Choice xmlns:p14="http://schemas.microsoft.com/office/powerpoint/2010/main" Requires="p14">
+      <p:transition p14:dur="300">
+        <p:fade/>
+      </p:transition>
     </mc:Choice>
-    <mc:Fallback xmlns="">
-      <p:transition/>
+    <mc:Fallback>
+      <p:transition>
+        <p:fade/>
+      </p:transition>
     </mc:Fallback>
   </mc:AlternateContent>
 </p:sld>
@@ -26980,7 +27866,6 @@
           <a:bodyPr/>
           <a:lstStyle/>
           <a:p>
-            <a:pPr rtl="1"/>
             <a:r>
               <a:rPr lang="ar-SA" dirty="0"/>
               <a:t>إِلٰهِي وَرَبِّي</a:t>
@@ -27062,12 +27947,16 @@
   <p:clrMapOvr>
     <a:masterClrMapping/>
   </p:clrMapOvr>
-  <mc:AlternateContent xmlns:mc="http://schemas.openxmlformats.org/markup-compatibility/2006" xmlns:p14="http://schemas.microsoft.com/office/powerpoint/2010/main">
-    <mc:Choice Requires="p14">
-      <p:transition p14:dur="0"/>
+  <mc:AlternateContent xmlns:mc="http://schemas.openxmlformats.org/markup-compatibility/2006">
+    <mc:Choice xmlns:p14="http://schemas.microsoft.com/office/powerpoint/2010/main" Requires="p14">
+      <p:transition p14:dur="300">
+        <p:fade/>
+      </p:transition>
     </mc:Choice>
-    <mc:Fallback xmlns="">
-      <p:transition/>
+    <mc:Fallback>
+      <p:transition>
+        <p:fade/>
+      </p:transition>
     </mc:Fallback>
   </mc:AlternateContent>
 </p:sld>
@@ -27201,12 +28090,16 @@
   <p:clrMapOvr>
     <a:masterClrMapping/>
   </p:clrMapOvr>
-  <mc:AlternateContent xmlns:mc="http://schemas.openxmlformats.org/markup-compatibility/2006" xmlns:p14="http://schemas.microsoft.com/office/powerpoint/2010/main">
-    <mc:Choice Requires="p14">
-      <p:transition p14:dur="0"/>
+  <mc:AlternateContent xmlns:mc="http://schemas.openxmlformats.org/markup-compatibility/2006">
+    <mc:Choice xmlns:p14="http://schemas.microsoft.com/office/powerpoint/2010/main" Requires="p14">
+      <p:transition p14:dur="300">
+        <p:fade/>
+      </p:transition>
     </mc:Choice>
-    <mc:Fallback xmlns="">
-      <p:transition/>
+    <mc:Fallback>
+      <p:transition>
+        <p:fade/>
+      </p:transition>
     </mc:Fallback>
   </mc:AlternateContent>
 </p:sld>
@@ -27313,12 +28206,16 @@
   <p:clrMapOvr>
     <a:masterClrMapping/>
   </p:clrMapOvr>
-  <mc:AlternateContent xmlns:mc="http://schemas.openxmlformats.org/markup-compatibility/2006" xmlns:p14="http://schemas.microsoft.com/office/powerpoint/2010/main">
-    <mc:Choice Requires="p14">
-      <p:transition p14:dur="0"/>
+  <mc:AlternateContent xmlns:mc="http://schemas.openxmlformats.org/markup-compatibility/2006">
+    <mc:Choice xmlns:p14="http://schemas.microsoft.com/office/powerpoint/2010/main" Requires="p14">
+      <p:transition p14:dur="300">
+        <p:fade/>
+      </p:transition>
     </mc:Choice>
-    <mc:Fallback xmlns="">
-      <p:transition/>
+    <mc:Fallback>
+      <p:transition>
+        <p:fade/>
+      </p:transition>
     </mc:Fallback>
   </mc:AlternateContent>
 </p:sld>
@@ -27422,12 +28319,16 @@
   <p:clrMapOvr>
     <a:masterClrMapping/>
   </p:clrMapOvr>
-  <mc:AlternateContent xmlns:mc="http://schemas.openxmlformats.org/markup-compatibility/2006" xmlns:p14="http://schemas.microsoft.com/office/powerpoint/2010/main">
-    <mc:Choice Requires="p14">
-      <p:transition p14:dur="0"/>
+  <mc:AlternateContent xmlns:mc="http://schemas.openxmlformats.org/markup-compatibility/2006">
+    <mc:Choice xmlns:p14="http://schemas.microsoft.com/office/powerpoint/2010/main" Requires="p14">
+      <p:transition p14:dur="300">
+        <p:fade/>
+      </p:transition>
     </mc:Choice>
-    <mc:Fallback xmlns="">
-      <p:transition/>
+    <mc:Fallback>
+      <p:transition>
+        <p:fade/>
+      </p:transition>
     </mc:Fallback>
   </mc:AlternateContent>
 </p:sld>
@@ -27542,12 +28443,16 @@
   <p:clrMapOvr>
     <a:masterClrMapping/>
   </p:clrMapOvr>
-  <mc:AlternateContent xmlns:mc="http://schemas.openxmlformats.org/markup-compatibility/2006" xmlns:p14="http://schemas.microsoft.com/office/powerpoint/2010/main">
-    <mc:Choice Requires="p14">
-      <p:transition p14:dur="0"/>
+  <mc:AlternateContent xmlns:mc="http://schemas.openxmlformats.org/markup-compatibility/2006">
+    <mc:Choice xmlns:p14="http://schemas.microsoft.com/office/powerpoint/2010/main" Requires="p14">
+      <p:transition p14:dur="300">
+        <p:fade/>
+      </p:transition>
     </mc:Choice>
-    <mc:Fallback xmlns="">
-      <p:transition/>
+    <mc:Fallback>
+      <p:transition>
+        <p:fade/>
+      </p:transition>
     </mc:Fallback>
   </mc:AlternateContent>
 </p:sld>
@@ -27654,12 +28559,16 @@
   <p:clrMapOvr>
     <a:masterClrMapping/>
   </p:clrMapOvr>
-  <mc:AlternateContent xmlns:mc="http://schemas.openxmlformats.org/markup-compatibility/2006" xmlns:p14="http://schemas.microsoft.com/office/powerpoint/2010/main">
-    <mc:Choice Requires="p14">
-      <p:transition p14:dur="0"/>
+  <mc:AlternateContent xmlns:mc="http://schemas.openxmlformats.org/markup-compatibility/2006">
+    <mc:Choice xmlns:p14="http://schemas.microsoft.com/office/powerpoint/2010/main" Requires="p14">
+      <p:transition p14:dur="300">
+        <p:fade/>
+      </p:transition>
     </mc:Choice>
-    <mc:Fallback xmlns="">
-      <p:transition/>
+    <mc:Fallback>
+      <p:transition>
+        <p:fade/>
+      </p:transition>
     </mc:Fallback>
   </mc:AlternateContent>
 </p:sld>
@@ -27758,12 +28667,16 @@
   <p:clrMapOvr>
     <a:masterClrMapping/>
   </p:clrMapOvr>
-  <mc:AlternateContent xmlns:mc="http://schemas.openxmlformats.org/markup-compatibility/2006" xmlns:p14="http://schemas.microsoft.com/office/powerpoint/2010/main">
-    <mc:Choice Requires="p14">
-      <p:transition p14:dur="0"/>
+  <mc:AlternateContent xmlns:mc="http://schemas.openxmlformats.org/markup-compatibility/2006">
+    <mc:Choice xmlns:p14="http://schemas.microsoft.com/office/powerpoint/2010/main" Requires="p14">
+      <p:transition p14:dur="300">
+        <p:fade/>
+      </p:transition>
     </mc:Choice>
-    <mc:Fallback xmlns="">
-      <p:transition/>
+    <mc:Fallback>
+      <p:transition>
+        <p:fade/>
+      </p:transition>
     </mc:Fallback>
   </mc:AlternateContent>
 </p:sld>
@@ -27878,12 +28791,16 @@
   <p:clrMapOvr>
     <a:masterClrMapping/>
   </p:clrMapOvr>
-  <mc:AlternateContent xmlns:mc="http://schemas.openxmlformats.org/markup-compatibility/2006" xmlns:p14="http://schemas.microsoft.com/office/powerpoint/2010/main">
-    <mc:Choice Requires="p14">
-      <p:transition p14:dur="0"/>
+  <mc:AlternateContent xmlns:mc="http://schemas.openxmlformats.org/markup-compatibility/2006">
+    <mc:Choice xmlns:p14="http://schemas.microsoft.com/office/powerpoint/2010/main" Requires="p14">
+      <p:transition p14:dur="300">
+        <p:fade/>
+      </p:transition>
     </mc:Choice>
-    <mc:Fallback xmlns="">
-      <p:transition/>
+    <mc:Fallback>
+      <p:transition>
+        <p:fade/>
+      </p:transition>
     </mc:Fallback>
   </mc:AlternateContent>
 </p:sld>
@@ -28006,12 +28923,16 @@
   <p:clrMapOvr>
     <a:masterClrMapping/>
   </p:clrMapOvr>
-  <mc:AlternateContent xmlns:mc="http://schemas.openxmlformats.org/markup-compatibility/2006" xmlns:p14="http://schemas.microsoft.com/office/powerpoint/2010/main">
-    <mc:Choice Requires="p14">
-      <p:transition p14:dur="0"/>
+  <mc:AlternateContent xmlns:mc="http://schemas.openxmlformats.org/markup-compatibility/2006">
+    <mc:Choice xmlns:p14="http://schemas.microsoft.com/office/powerpoint/2010/main" Requires="p14">
+      <p:transition p14:dur="300">
+        <p:fade/>
+      </p:transition>
     </mc:Choice>
-    <mc:Fallback xmlns="">
-      <p:transition/>
+    <mc:Fallback>
+      <p:transition>
+        <p:fade/>
+      </p:transition>
     </mc:Fallback>
   </mc:AlternateContent>
 </p:sld>
@@ -28110,12 +29031,16 @@
   <p:clrMapOvr>
     <a:masterClrMapping/>
   </p:clrMapOvr>
-  <mc:AlternateContent xmlns:mc="http://schemas.openxmlformats.org/markup-compatibility/2006" xmlns:p14="http://schemas.microsoft.com/office/powerpoint/2010/main">
-    <mc:Choice Requires="p14">
-      <p:transition p14:dur="0"/>
+  <mc:AlternateContent xmlns:mc="http://schemas.openxmlformats.org/markup-compatibility/2006">
+    <mc:Choice xmlns:p14="http://schemas.microsoft.com/office/powerpoint/2010/main" Requires="p14">
+      <p:transition p14:dur="300">
+        <p:fade/>
+      </p:transition>
     </mc:Choice>
-    <mc:Fallback xmlns="">
-      <p:transition/>
+    <mc:Fallback>
+      <p:transition>
+        <p:fade/>
+      </p:transition>
     </mc:Fallback>
   </mc:AlternateContent>
 </p:sld>
@@ -28221,8 +29146,8 @@
         </p:nvSpPr>
         <p:spPr>
           <a:xfrm>
-            <a:off x="1793590" y="4495801"/>
-            <a:ext cx="8604820" cy="1905000"/>
+            <a:off x="2171700" y="4495801"/>
+            <a:ext cx="7848600" cy="1905000"/>
           </a:xfrm>
         </p:spPr>
         <p:txBody>
@@ -28246,12 +29171,16 @@
   <p:clrMapOvr>
     <a:masterClrMapping/>
   </p:clrMapOvr>
-  <mc:AlternateContent xmlns:mc="http://schemas.openxmlformats.org/markup-compatibility/2006" xmlns:p14="http://schemas.microsoft.com/office/powerpoint/2010/main">
-    <mc:Choice Requires="p14">
-      <p:transition p14:dur="0"/>
+  <mc:AlternateContent xmlns:mc="http://schemas.openxmlformats.org/markup-compatibility/2006">
+    <mc:Choice xmlns:p14="http://schemas.microsoft.com/office/powerpoint/2010/main" Requires="p14">
+      <p:transition p14:dur="300">
+        <p:fade/>
+      </p:transition>
     </mc:Choice>
-    <mc:Fallback xmlns="">
-      <p:transition/>
+    <mc:Fallback>
+      <p:transition>
+        <p:fade/>
+      </p:transition>
     </mc:Fallback>
   </mc:AlternateContent>
 </p:sld>
@@ -28350,12 +29279,16 @@
   <p:clrMapOvr>
     <a:masterClrMapping/>
   </p:clrMapOvr>
-  <mc:AlternateContent xmlns:mc="http://schemas.openxmlformats.org/markup-compatibility/2006" xmlns:p14="http://schemas.microsoft.com/office/powerpoint/2010/main">
-    <mc:Choice Requires="p14">
-      <p:transition p14:dur="0"/>
+  <mc:AlternateContent xmlns:mc="http://schemas.openxmlformats.org/markup-compatibility/2006">
+    <mc:Choice xmlns:p14="http://schemas.microsoft.com/office/powerpoint/2010/main" Requires="p14">
+      <p:transition p14:dur="300">
+        <p:fade/>
+      </p:transition>
     </mc:Choice>
-    <mc:Fallback xmlns="">
-      <p:transition/>
+    <mc:Fallback>
+      <p:transition>
+        <p:fade/>
+      </p:transition>
     </mc:Fallback>
   </mc:AlternateContent>
 </p:sld>
@@ -28459,12 +29392,16 @@
   <p:clrMapOvr>
     <a:masterClrMapping/>
   </p:clrMapOvr>
-  <mc:AlternateContent xmlns:mc="http://schemas.openxmlformats.org/markup-compatibility/2006" xmlns:p14="http://schemas.microsoft.com/office/powerpoint/2010/main">
-    <mc:Choice Requires="p14">
-      <p:transition p14:dur="0"/>
+  <mc:AlternateContent xmlns:mc="http://schemas.openxmlformats.org/markup-compatibility/2006">
+    <mc:Choice xmlns:p14="http://schemas.microsoft.com/office/powerpoint/2010/main" Requires="p14">
+      <p:transition p14:dur="300">
+        <p:fade/>
+      </p:transition>
     </mc:Choice>
-    <mc:Fallback xmlns="">
-      <p:transition/>
+    <mc:Fallback>
+      <p:transition>
+        <p:fade/>
+      </p:transition>
     </mc:Fallback>
   </mc:AlternateContent>
 </p:sld>
@@ -28563,12 +29500,16 @@
   <p:clrMapOvr>
     <a:masterClrMapping/>
   </p:clrMapOvr>
-  <mc:AlternateContent xmlns:mc="http://schemas.openxmlformats.org/markup-compatibility/2006" xmlns:p14="http://schemas.microsoft.com/office/powerpoint/2010/main">
-    <mc:Choice Requires="p14">
-      <p:transition p14:dur="0"/>
+  <mc:AlternateContent xmlns:mc="http://schemas.openxmlformats.org/markup-compatibility/2006">
+    <mc:Choice xmlns:p14="http://schemas.microsoft.com/office/powerpoint/2010/main" Requires="p14">
+      <p:transition p14:dur="300">
+        <p:fade/>
+      </p:transition>
     </mc:Choice>
-    <mc:Fallback xmlns="">
-      <p:transition/>
+    <mc:Fallback>
+      <p:transition>
+        <p:fade/>
+      </p:transition>
     </mc:Fallback>
   </mc:AlternateContent>
 </p:sld>
@@ -28680,12 +29621,16 @@
   <p:clrMapOvr>
     <a:masterClrMapping/>
   </p:clrMapOvr>
-  <mc:AlternateContent xmlns:mc="http://schemas.openxmlformats.org/markup-compatibility/2006" xmlns:p14="http://schemas.microsoft.com/office/powerpoint/2010/main">
-    <mc:Choice Requires="p14">
-      <p:transition p14:dur="0"/>
+  <mc:AlternateContent xmlns:mc="http://schemas.openxmlformats.org/markup-compatibility/2006">
+    <mc:Choice xmlns:p14="http://schemas.microsoft.com/office/powerpoint/2010/main" Requires="p14">
+      <p:transition p14:dur="300">
+        <p:fade/>
+      </p:transition>
     </mc:Choice>
-    <mc:Fallback xmlns="">
-      <p:transition/>
+    <mc:Fallback>
+      <p:transition>
+        <p:fade/>
+      </p:transition>
     </mc:Fallback>
   </mc:AlternateContent>
 </p:sld>
@@ -28784,12 +29729,16 @@
   <p:clrMapOvr>
     <a:masterClrMapping/>
   </p:clrMapOvr>
-  <mc:AlternateContent xmlns:mc="http://schemas.openxmlformats.org/markup-compatibility/2006" xmlns:p14="http://schemas.microsoft.com/office/powerpoint/2010/main">
-    <mc:Choice Requires="p14">
-      <p:transition p14:dur="0"/>
+  <mc:AlternateContent xmlns:mc="http://schemas.openxmlformats.org/markup-compatibility/2006">
+    <mc:Choice xmlns:p14="http://schemas.microsoft.com/office/powerpoint/2010/main" Requires="p14">
+      <p:transition p14:dur="300">
+        <p:fade/>
+      </p:transition>
     </mc:Choice>
-    <mc:Fallback xmlns="">
-      <p:transition/>
+    <mc:Fallback>
+      <p:transition>
+        <p:fade/>
+      </p:transition>
     </mc:Fallback>
   </mc:AlternateContent>
 </p:sld>
@@ -28888,12 +29837,16 @@
   <p:clrMapOvr>
     <a:masterClrMapping/>
   </p:clrMapOvr>
-  <mc:AlternateContent xmlns:mc="http://schemas.openxmlformats.org/markup-compatibility/2006" xmlns:p14="http://schemas.microsoft.com/office/powerpoint/2010/main">
-    <mc:Choice Requires="p14">
-      <p:transition p14:dur="0"/>
+  <mc:AlternateContent xmlns:mc="http://schemas.openxmlformats.org/markup-compatibility/2006">
+    <mc:Choice xmlns:p14="http://schemas.microsoft.com/office/powerpoint/2010/main" Requires="p14">
+      <p:transition p14:dur="300">
+        <p:fade/>
+      </p:transition>
     </mc:Choice>
-    <mc:Fallback xmlns="">
-      <p:transition/>
+    <mc:Fallback>
+      <p:transition>
+        <p:fade/>
+      </p:transition>
     </mc:Fallback>
   </mc:AlternateContent>
 </p:sld>
@@ -29000,12 +29953,16 @@
   <p:clrMapOvr>
     <a:masterClrMapping/>
   </p:clrMapOvr>
-  <mc:AlternateContent xmlns:mc="http://schemas.openxmlformats.org/markup-compatibility/2006" xmlns:p14="http://schemas.microsoft.com/office/powerpoint/2010/main">
-    <mc:Choice Requires="p14">
-      <p:transition p14:dur="0"/>
+  <mc:AlternateContent xmlns:mc="http://schemas.openxmlformats.org/markup-compatibility/2006">
+    <mc:Choice xmlns:p14="http://schemas.microsoft.com/office/powerpoint/2010/main" Requires="p14">
+      <p:transition p14:dur="300">
+        <p:fade/>
+      </p:transition>
     </mc:Choice>
-    <mc:Fallback xmlns="">
-      <p:transition/>
+    <mc:Fallback>
+      <p:transition>
+        <p:fade/>
+      </p:transition>
     </mc:Fallback>
   </mc:AlternateContent>
 </p:sld>
@@ -29106,8 +30063,8 @@
         </p:nvSpPr>
         <p:spPr>
           <a:xfrm>
-            <a:off x="1829594" y="4495801"/>
-            <a:ext cx="8532812" cy="1905000"/>
+            <a:off x="2171700" y="4495801"/>
+            <a:ext cx="7848600" cy="1905000"/>
           </a:xfrm>
         </p:spPr>
         <p:txBody>
@@ -29131,12 +30088,16 @@
   <p:clrMapOvr>
     <a:masterClrMapping/>
   </p:clrMapOvr>
-  <mc:AlternateContent xmlns:mc="http://schemas.openxmlformats.org/markup-compatibility/2006" xmlns:p14="http://schemas.microsoft.com/office/powerpoint/2010/main">
-    <mc:Choice Requires="p14">
-      <p:transition p14:dur="0"/>
+  <mc:AlternateContent xmlns:mc="http://schemas.openxmlformats.org/markup-compatibility/2006">
+    <mc:Choice xmlns:p14="http://schemas.microsoft.com/office/powerpoint/2010/main" Requires="p14">
+      <p:transition p14:dur="300">
+        <p:fade/>
+      </p:transition>
     </mc:Choice>
-    <mc:Fallback xmlns="">
-      <p:transition/>
+    <mc:Fallback>
+      <p:transition>
+        <p:fade/>
+      </p:transition>
     </mc:Fallback>
   </mc:AlternateContent>
 </p:sld>
@@ -29235,12 +30196,16 @@
   <p:clrMapOvr>
     <a:masterClrMapping/>
   </p:clrMapOvr>
-  <mc:AlternateContent xmlns:mc="http://schemas.openxmlformats.org/markup-compatibility/2006" xmlns:p14="http://schemas.microsoft.com/office/powerpoint/2010/main">
-    <mc:Choice Requires="p14">
-      <p:transition p14:dur="0"/>
+  <mc:AlternateContent xmlns:mc="http://schemas.openxmlformats.org/markup-compatibility/2006">
+    <mc:Choice xmlns:p14="http://schemas.microsoft.com/office/powerpoint/2010/main" Requires="p14">
+      <p:transition p14:dur="300">
+        <p:fade/>
+      </p:transition>
     </mc:Choice>
-    <mc:Fallback xmlns="">
-      <p:transition/>
+    <mc:Fallback>
+      <p:transition>
+        <p:fade/>
+      </p:transition>
     </mc:Fallback>
   </mc:AlternateContent>
 </p:sld>
@@ -29339,12 +30304,16 @@
   <p:clrMapOvr>
     <a:masterClrMapping/>
   </p:clrMapOvr>
-  <mc:AlternateContent xmlns:mc="http://schemas.openxmlformats.org/markup-compatibility/2006" xmlns:p14="http://schemas.microsoft.com/office/powerpoint/2010/main">
-    <mc:Choice Requires="p14">
-      <p:transition p14:dur="0"/>
+  <mc:AlternateContent xmlns:mc="http://schemas.openxmlformats.org/markup-compatibility/2006">
+    <mc:Choice xmlns:p14="http://schemas.microsoft.com/office/powerpoint/2010/main" Requires="p14">
+      <p:transition p14:dur="300">
+        <p:fade/>
+      </p:transition>
     </mc:Choice>
-    <mc:Fallback xmlns="">
-      <p:transition/>
+    <mc:Fallback>
+      <p:transition>
+        <p:fade/>
+      </p:transition>
     </mc:Fallback>
   </mc:AlternateContent>
 </p:sld>
@@ -29443,12 +30412,16 @@
   <p:clrMapOvr>
     <a:masterClrMapping/>
   </p:clrMapOvr>
-  <mc:AlternateContent xmlns:mc="http://schemas.openxmlformats.org/markup-compatibility/2006" xmlns:p14="http://schemas.microsoft.com/office/powerpoint/2010/main">
-    <mc:Choice Requires="p14">
-      <p:transition p14:dur="0"/>
+  <mc:AlternateContent xmlns:mc="http://schemas.openxmlformats.org/markup-compatibility/2006">
+    <mc:Choice xmlns:p14="http://schemas.microsoft.com/office/powerpoint/2010/main" Requires="p14">
+      <p:transition p14:dur="300">
+        <p:fade/>
+      </p:transition>
     </mc:Choice>
-    <mc:Fallback xmlns="">
-      <p:transition/>
+    <mc:Fallback>
+      <p:transition>
+        <p:fade/>
+      </p:transition>
     </mc:Fallback>
   </mc:AlternateContent>
 </p:sld>
@@ -29558,12 +30531,16 @@
   <p:clrMapOvr>
     <a:masterClrMapping/>
   </p:clrMapOvr>
-  <mc:AlternateContent xmlns:mc="http://schemas.openxmlformats.org/markup-compatibility/2006" xmlns:p14="http://schemas.microsoft.com/office/powerpoint/2010/main">
-    <mc:Choice Requires="p14">
-      <p:transition p14:dur="0"/>
+  <mc:AlternateContent xmlns:mc="http://schemas.openxmlformats.org/markup-compatibility/2006">
+    <mc:Choice xmlns:p14="http://schemas.microsoft.com/office/powerpoint/2010/main" Requires="p14">
+      <p:transition p14:dur="300">
+        <p:fade/>
+      </p:transition>
     </mc:Choice>
-    <mc:Fallback xmlns="">
-      <p:transition/>
+    <mc:Fallback>
+      <p:transition>
+        <p:fade/>
+      </p:transition>
     </mc:Fallback>
   </mc:AlternateContent>
 </p:sld>
@@ -29657,8 +30634,8 @@
         </p:nvSpPr>
         <p:spPr>
           <a:xfrm>
-            <a:off x="1505558" y="4495801"/>
-            <a:ext cx="9180884" cy="1905000"/>
+            <a:off x="2171700" y="4495801"/>
+            <a:ext cx="7848600" cy="1905000"/>
           </a:xfrm>
         </p:spPr>
         <p:txBody>
@@ -29682,12 +30659,16 @@
   <p:clrMapOvr>
     <a:masterClrMapping/>
   </p:clrMapOvr>
-  <mc:AlternateContent xmlns:mc="http://schemas.openxmlformats.org/markup-compatibility/2006" xmlns:p14="http://schemas.microsoft.com/office/powerpoint/2010/main">
-    <mc:Choice Requires="p14">
-      <p:transition p14:dur="0"/>
+  <mc:AlternateContent xmlns:mc="http://schemas.openxmlformats.org/markup-compatibility/2006">
+    <mc:Choice xmlns:p14="http://schemas.microsoft.com/office/powerpoint/2010/main" Requires="p14">
+      <p:transition p14:dur="300">
+        <p:fade/>
+      </p:transition>
     </mc:Choice>
-    <mc:Fallback xmlns="">
-      <p:transition/>
+    <mc:Fallback>
+      <p:transition>
+        <p:fade/>
+      </p:transition>
     </mc:Fallback>
   </mc:AlternateContent>
 </p:sld>
@@ -29786,12 +30767,16 @@
   <p:clrMapOvr>
     <a:masterClrMapping/>
   </p:clrMapOvr>
-  <mc:AlternateContent xmlns:mc="http://schemas.openxmlformats.org/markup-compatibility/2006" xmlns:p14="http://schemas.microsoft.com/office/powerpoint/2010/main">
-    <mc:Choice Requires="p14">
-      <p:transition p14:dur="0"/>
+  <mc:AlternateContent xmlns:mc="http://schemas.openxmlformats.org/markup-compatibility/2006">
+    <mc:Choice xmlns:p14="http://schemas.microsoft.com/office/powerpoint/2010/main" Requires="p14">
+      <p:transition p14:dur="300">
+        <p:fade/>
+      </p:transition>
     </mc:Choice>
-    <mc:Fallback xmlns="">
-      <p:transition/>
+    <mc:Fallback>
+      <p:transition>
+        <p:fade/>
+      </p:transition>
     </mc:Fallback>
   </mc:AlternateContent>
 </p:sld>
@@ -29919,12 +30904,16 @@
   <p:clrMapOvr>
     <a:masterClrMapping/>
   </p:clrMapOvr>
-  <mc:AlternateContent xmlns:mc="http://schemas.openxmlformats.org/markup-compatibility/2006" xmlns:p14="http://schemas.microsoft.com/office/powerpoint/2010/main">
-    <mc:Choice Requires="p14">
-      <p:transition p14:dur="0"/>
+  <mc:AlternateContent xmlns:mc="http://schemas.openxmlformats.org/markup-compatibility/2006">
+    <mc:Choice xmlns:p14="http://schemas.microsoft.com/office/powerpoint/2010/main" Requires="p14">
+      <p:transition p14:dur="300">
+        <p:fade/>
+      </p:transition>
     </mc:Choice>
-    <mc:Fallback xmlns="">
-      <p:transition/>
+    <mc:Fallback>
+      <p:transition>
+        <p:fade/>
+      </p:transition>
     </mc:Fallback>
   </mc:AlternateContent>
 </p:sld>
@@ -30035,12 +31024,16 @@
   <p:clrMapOvr>
     <a:masterClrMapping/>
   </p:clrMapOvr>
-  <mc:AlternateContent xmlns:mc="http://schemas.openxmlformats.org/markup-compatibility/2006" xmlns:p14="http://schemas.microsoft.com/office/powerpoint/2010/main">
-    <mc:Choice Requires="p14">
-      <p:transition p14:dur="0"/>
+  <mc:AlternateContent xmlns:mc="http://schemas.openxmlformats.org/markup-compatibility/2006">
+    <mc:Choice xmlns:p14="http://schemas.microsoft.com/office/powerpoint/2010/main" Requires="p14">
+      <p:transition p14:dur="300">
+        <p:fade/>
+      </p:transition>
     </mc:Choice>
-    <mc:Fallback xmlns="">
-      <p:transition/>
+    <mc:Fallback>
+      <p:transition>
+        <p:fade/>
+      </p:transition>
     </mc:Fallback>
   </mc:AlternateContent>
 </p:sld>
@@ -30148,12 +31141,16 @@
   <p:clrMapOvr>
     <a:masterClrMapping/>
   </p:clrMapOvr>
-  <mc:AlternateContent xmlns:mc="http://schemas.openxmlformats.org/markup-compatibility/2006" xmlns:p14="http://schemas.microsoft.com/office/powerpoint/2010/main">
-    <mc:Choice Requires="p14">
-      <p:transition p14:dur="0"/>
+  <mc:AlternateContent xmlns:mc="http://schemas.openxmlformats.org/markup-compatibility/2006">
+    <mc:Choice xmlns:p14="http://schemas.microsoft.com/office/powerpoint/2010/main" Requires="p14">
+      <p:transition p14:dur="300">
+        <p:fade/>
+      </p:transition>
     </mc:Choice>
-    <mc:Fallback xmlns="">
-      <p:transition/>
+    <mc:Fallback>
+      <p:transition>
+        <p:fade/>
+      </p:transition>
     </mc:Fallback>
   </mc:AlternateContent>
 </p:sld>
@@ -30260,12 +31257,16 @@
   <p:clrMapOvr>
     <a:masterClrMapping/>
   </p:clrMapOvr>
-  <mc:AlternateContent xmlns:mc="http://schemas.openxmlformats.org/markup-compatibility/2006" xmlns:p14="http://schemas.microsoft.com/office/powerpoint/2010/main">
-    <mc:Choice Requires="p14">
-      <p:transition p14:dur="0"/>
+  <mc:AlternateContent xmlns:mc="http://schemas.openxmlformats.org/markup-compatibility/2006">
+    <mc:Choice xmlns:p14="http://schemas.microsoft.com/office/powerpoint/2010/main" Requires="p14">
+      <p:transition p14:dur="300">
+        <p:fade/>
+      </p:transition>
     </mc:Choice>
-    <mc:Fallback xmlns="">
-      <p:transition/>
+    <mc:Fallback>
+      <p:transition>
+        <p:fade/>
+      </p:transition>
     </mc:Fallback>
   </mc:AlternateContent>
 </p:sld>
@@ -30364,12 +31365,16 @@
   <p:clrMapOvr>
     <a:masterClrMapping/>
   </p:clrMapOvr>
-  <mc:AlternateContent xmlns:mc="http://schemas.openxmlformats.org/markup-compatibility/2006" xmlns:p14="http://schemas.microsoft.com/office/powerpoint/2010/main">
-    <mc:Choice Requires="p14">
-      <p:transition p14:dur="0"/>
+  <mc:AlternateContent xmlns:mc="http://schemas.openxmlformats.org/markup-compatibility/2006">
+    <mc:Choice xmlns:p14="http://schemas.microsoft.com/office/powerpoint/2010/main" Requires="p14">
+      <p:transition p14:dur="300">
+        <p:fade/>
+      </p:transition>
     </mc:Choice>
-    <mc:Fallback xmlns="">
-      <p:transition/>
+    <mc:Fallback>
+      <p:transition>
+        <p:fade/>
+      </p:transition>
     </mc:Fallback>
   </mc:AlternateContent>
 </p:sld>
@@ -30476,12 +31481,16 @@
   <p:clrMapOvr>
     <a:masterClrMapping/>
   </p:clrMapOvr>
-  <mc:AlternateContent xmlns:mc="http://schemas.openxmlformats.org/markup-compatibility/2006" xmlns:p14="http://schemas.microsoft.com/office/powerpoint/2010/main">
-    <mc:Choice Requires="p14">
-      <p:transition p14:dur="0"/>
+  <mc:AlternateContent xmlns:mc="http://schemas.openxmlformats.org/markup-compatibility/2006">
+    <mc:Choice xmlns:p14="http://schemas.microsoft.com/office/powerpoint/2010/main" Requires="p14">
+      <p:transition p14:dur="300">
+        <p:fade/>
+      </p:transition>
     </mc:Choice>
-    <mc:Fallback xmlns="">
-      <p:transition/>
+    <mc:Fallback>
+      <p:transition>
+        <p:fade/>
+      </p:transition>
     </mc:Fallback>
   </mc:AlternateContent>
 </p:sld>
@@ -30547,11 +31556,23 @@
             </a:br>
             <a:r>
               <a:rPr lang="ar-SA" dirty="0"/>
-              <a:t>خَاضِعاً </a:t>
+              <a:t>خَاضِع</a:t>
+            </a:r>
+            <a:r>
+              <a:rPr lang="ar-IQ" dirty="0"/>
+              <a:t>َ</a:t>
+            </a:r>
+            <a:r>
+              <a:rPr lang="ar-SA" dirty="0"/>
+              <a:t>ا ل</a:t>
+            </a:r>
+            <a:r>
+              <a:rPr lang="ar-IQ" dirty="0"/>
+              <a:t>ِّ</a:t>
             </a:r>
             <a:r>
               <a:rPr lang="ar-SA" dirty="0" err="1"/>
-              <a:t>لِرُبُوبِیَّتِكَ</a:t>
+              <a:t>رُبُوبِیَّتِكَ</a:t>
             </a:r>
             <a:endParaRPr lang="ar-SA" dirty="0"/>
           </a:p>
@@ -30600,12 +31621,16 @@
   <p:clrMapOvr>
     <a:masterClrMapping/>
   </p:clrMapOvr>
-  <mc:AlternateContent xmlns:mc="http://schemas.openxmlformats.org/markup-compatibility/2006" xmlns:p14="http://schemas.microsoft.com/office/powerpoint/2010/main">
-    <mc:Choice Requires="p14">
-      <p:transition p14:dur="0"/>
+  <mc:AlternateContent xmlns:mc="http://schemas.openxmlformats.org/markup-compatibility/2006">
+    <mc:Choice xmlns:p14="http://schemas.microsoft.com/office/powerpoint/2010/main" Requires="p14">
+      <p:transition p14:dur="300">
+        <p:fade/>
+      </p:transition>
     </mc:Choice>
-    <mc:Fallback xmlns="">
-      <p:transition/>
+    <mc:Fallback>
+      <p:transition>
+        <p:fade/>
+      </p:transition>
     </mc:Fallback>
   </mc:AlternateContent>
 </p:sld>
@@ -30664,7 +31689,15 @@
             </a:r>
             <a:r>
               <a:rPr lang="ar-SA" dirty="0"/>
-              <a:t> مَنْ رَبَّيْتَهُ</a:t>
+              <a:t> مَنْ ر</a:t>
+            </a:r>
+            <a:r>
+              <a:rPr lang="ar-IQ" dirty="0"/>
+              <a:t>َّ</a:t>
+            </a:r>
+            <a:r>
+              <a:rPr lang="ar-SA" dirty="0"/>
+              <a:t>بَّيْتَهُ</a:t>
             </a:r>
           </a:p>
         </p:txBody>
@@ -30712,12 +31745,16 @@
   <p:clrMapOvr>
     <a:masterClrMapping/>
   </p:clrMapOvr>
-  <mc:AlternateContent xmlns:mc="http://schemas.openxmlformats.org/markup-compatibility/2006" xmlns:p14="http://schemas.microsoft.com/office/powerpoint/2010/main">
-    <mc:Choice Requires="p14">
-      <p:transition p14:dur="0"/>
+  <mc:AlternateContent xmlns:mc="http://schemas.openxmlformats.org/markup-compatibility/2006">
+    <mc:Choice xmlns:p14="http://schemas.microsoft.com/office/powerpoint/2010/main" Requires="p14">
+      <p:transition p14:dur="300">
+        <p:fade/>
+      </p:transition>
     </mc:Choice>
-    <mc:Fallback xmlns="">
-      <p:transition/>
+    <mc:Fallback>
+      <p:transition>
+        <p:fade/>
+      </p:transition>
     </mc:Fallback>
   </mc:AlternateContent>
 </p:sld>
@@ -30772,9 +31809,16 @@
             </a:r>
             <a:r>
               <a:rPr lang="ar-SA" dirty="0" err="1"/>
-              <a:t>أَدْنَیتَهُ</a:t>
-            </a:r>
-            <a:endParaRPr lang="ar-SA" dirty="0"/>
+              <a:t>أَدْنَی</a:t>
+            </a:r>
+            <a:r>
+              <a:rPr lang="ar-IQ" dirty="0"/>
+              <a:t>ْ</a:t>
+            </a:r>
+            <a:r>
+              <a:rPr lang="ar-SA" dirty="0"/>
+              <a:t>تَهُ</a:t>
+            </a:r>
           </a:p>
         </p:txBody>
       </p:sp>
@@ -30821,12 +31865,16 @@
   <p:clrMapOvr>
     <a:masterClrMapping/>
   </p:clrMapOvr>
-  <mc:AlternateContent xmlns:mc="http://schemas.openxmlformats.org/markup-compatibility/2006" xmlns:p14="http://schemas.microsoft.com/office/powerpoint/2010/main">
-    <mc:Choice Requires="p14">
-      <p:transition p14:dur="0"/>
+  <mc:AlternateContent xmlns:mc="http://schemas.openxmlformats.org/markup-compatibility/2006">
+    <mc:Choice xmlns:p14="http://schemas.microsoft.com/office/powerpoint/2010/main" Requires="p14">
+      <p:transition p14:dur="300">
+        <p:fade/>
+      </p:transition>
     </mc:Choice>
-    <mc:Fallback xmlns="">
-      <p:transition/>
+    <mc:Fallback>
+      <p:transition>
+        <p:fade/>
+      </p:transition>
     </mc:Fallback>
   </mc:AlternateContent>
 </p:sld>
@@ -30881,9 +31929,16 @@
             </a:r>
             <a:r>
               <a:rPr lang="ar-SA" dirty="0" err="1"/>
-              <a:t>آوَیتَهُ</a:t>
-            </a:r>
-            <a:endParaRPr lang="ar-SA" dirty="0"/>
+              <a:t>آوَی</a:t>
+            </a:r>
+            <a:r>
+              <a:rPr lang="ar-IQ" dirty="0"/>
+              <a:t>ْ</a:t>
+            </a:r>
+            <a:r>
+              <a:rPr lang="ar-SA" dirty="0"/>
+              <a:t>تَهُ</a:t>
+            </a:r>
           </a:p>
         </p:txBody>
       </p:sp>
@@ -30930,12 +31985,16 @@
   <p:clrMapOvr>
     <a:masterClrMapping/>
   </p:clrMapOvr>
-  <mc:AlternateContent xmlns:mc="http://schemas.openxmlformats.org/markup-compatibility/2006" xmlns:p14="http://schemas.microsoft.com/office/powerpoint/2010/main">
-    <mc:Choice Requires="p14">
-      <p:transition p14:dur="0"/>
+  <mc:AlternateContent xmlns:mc="http://schemas.openxmlformats.org/markup-compatibility/2006">
+    <mc:Choice xmlns:p14="http://schemas.microsoft.com/office/powerpoint/2010/main" Requires="p14">
+      <p:transition p14:dur="300">
+        <p:fade/>
+      </p:transition>
     </mc:Choice>
-    <mc:Fallback xmlns="">
-      <p:transition/>
+    <mc:Fallback>
+      <p:transition>
+        <p:fade/>
+      </p:transition>
     </mc:Fallback>
   </mc:AlternateContent>
 </p:sld>
@@ -31042,12 +32101,16 @@
   <p:clrMapOvr>
     <a:masterClrMapping/>
   </p:clrMapOvr>
-  <mc:AlternateContent xmlns:mc="http://schemas.openxmlformats.org/markup-compatibility/2006" xmlns:p14="http://schemas.microsoft.com/office/powerpoint/2010/main">
-    <mc:Choice Requires="p14">
-      <p:transition p14:dur="0"/>
+  <mc:AlternateContent xmlns:mc="http://schemas.openxmlformats.org/markup-compatibility/2006">
+    <mc:Choice xmlns:p14="http://schemas.microsoft.com/office/powerpoint/2010/main" Requires="p14">
+      <p:transition p14:dur="300">
+        <p:fade/>
+      </p:transition>
     </mc:Choice>
-    <mc:Fallback xmlns="">
-      <p:transition/>
+    <mc:Fallback>
+      <p:transition>
+        <p:fade/>
+      </p:transition>
     </mc:Fallback>
   </mc:AlternateContent>
 </p:sld>
